--- a/docs/DNABert & SARS-CoV-2 Variants-2.pptx
+++ b/docs/DNABert & SARS-CoV-2 Variants-2.pptx
@@ -6,9 +6,15 @@
   </p:sldMasterIdLst>
   <p:sldIdLst>
     <p:sldId id="256" r:id="rId2"/>
-    <p:sldId id="258" r:id="rId3"/>
-    <p:sldId id="260" r:id="rId4"/>
-    <p:sldId id="259" r:id="rId5"/>
+    <p:sldId id="262" r:id="rId3"/>
+    <p:sldId id="263" r:id="rId4"/>
+    <p:sldId id="264" r:id="rId5"/>
+    <p:sldId id="265" r:id="rId6"/>
+    <p:sldId id="266" r:id="rId7"/>
+    <p:sldId id="261" r:id="rId8"/>
+    <p:sldId id="258" r:id="rId9"/>
+    <p:sldId id="260" r:id="rId10"/>
+    <p:sldId id="259" r:id="rId11"/>
   </p:sldIdLst>
   <p:sldSz cx="12192000" cy="6858000"/>
   <p:notesSz cx="6858000" cy="9144000"/>
@@ -107,10 +113,1158 @@
       </a:defRPr>
     </a:lvl9pPr>
   </p:defaultTextStyle>
+  <p:extLst>
+    <p:ext uri="{EFAFB233-063F-42B5-8137-9DF3F51BA10A}">
+      <p15:sldGuideLst xmlns:p15="http://schemas.microsoft.com/office/powerpoint/2012/main"/>
+    </p:ext>
+  </p:extLst>
 </p:presentation>
 </file>
 
 <file path=ppt/charts/chart1.xml><?xml version="1.0" encoding="utf-8"?>
+<c:chartSpace xmlns:c="http://schemas.openxmlformats.org/drawingml/2006/chart" xmlns:a="http://schemas.openxmlformats.org/drawingml/2006/main" xmlns:r="http://schemas.openxmlformats.org/officeDocument/2006/relationships" xmlns:c16r2="http://schemas.microsoft.com/office/drawing/2015/06/chart">
+  <c:date1904 val="0"/>
+  <c:lang val="en-US"/>
+  <c:roundedCorners val="0"/>
+  <mc:AlternateContent xmlns:mc="http://schemas.openxmlformats.org/markup-compatibility/2006">
+    <mc:Choice xmlns:c14="http://schemas.microsoft.com/office/drawing/2007/8/2/chart" Requires="c14">
+      <c14:style val="102"/>
+    </mc:Choice>
+    <mc:Fallback>
+      <c:style val="2"/>
+    </mc:Fallback>
+  </mc:AlternateContent>
+  <c:chart>
+    <c:title>
+      <c:tx>
+        <c:rich>
+          <a:bodyPr rot="0" spcFirstLastPara="1" vertOverflow="ellipsis" vert="horz" wrap="square" anchor="ctr" anchorCtr="1"/>
+          <a:lstStyle/>
+          <a:p>
+            <a:pPr>
+              <a:defRPr sz="1400" b="0" i="0" u="none" strike="noStrike" kern="1200" spc="0" baseline="0">
+                <a:solidFill>
+                  <a:schemeClr val="tx1">
+                    <a:lumMod val="65000"/>
+                    <a:lumOff val="35000"/>
+                  </a:schemeClr>
+                </a:solidFill>
+                <a:latin typeface="+mn-lt"/>
+                <a:ea typeface="+mn-ea"/>
+                <a:cs typeface="+mn-cs"/>
+              </a:defRPr>
+            </a:pPr>
+            <a:r>
+              <a:rPr lang="en-US"/>
+              <a:t>Hasil</a:t>
+            </a:r>
+            <a:r>
+              <a:rPr lang="en-US" baseline="0"/>
+              <a:t> Prediksi Varian SARS-CoV-2 Alpha, Beta, dan Delta dengan DNABert </a:t>
+            </a:r>
+            <a:r>
+              <a:rPr lang="en-US" i="1" baseline="0"/>
+              <a:t>Pretrained </a:t>
+            </a:r>
+            <a:r>
+              <a:rPr lang="en-US" i="0" baseline="0"/>
+              <a:t>dan Dataset Protein</a:t>
+            </a:r>
+            <a:endParaRPr lang="en-US"/>
+          </a:p>
+        </c:rich>
+      </c:tx>
+      <c:overlay val="0"/>
+      <c:spPr>
+        <a:noFill/>
+        <a:ln>
+          <a:noFill/>
+        </a:ln>
+        <a:effectLst/>
+      </c:spPr>
+      <c:txPr>
+        <a:bodyPr rot="0" spcFirstLastPara="1" vertOverflow="ellipsis" vert="horz" wrap="square" anchor="ctr" anchorCtr="1"/>
+        <a:lstStyle/>
+        <a:p>
+          <a:pPr>
+            <a:defRPr sz="1400" b="0" i="0" u="none" strike="noStrike" kern="1200" spc="0" baseline="0">
+              <a:solidFill>
+                <a:schemeClr val="tx1">
+                  <a:lumMod val="65000"/>
+                  <a:lumOff val="35000"/>
+                </a:schemeClr>
+              </a:solidFill>
+              <a:latin typeface="+mn-lt"/>
+              <a:ea typeface="+mn-ea"/>
+              <a:cs typeface="+mn-cs"/>
+            </a:defRPr>
+          </a:pPr>
+          <a:endParaRPr lang="en-US"/>
+        </a:p>
+      </c:txPr>
+    </c:title>
+    <c:autoTitleDeleted val="0"/>
+    <c:view3D>
+      <c:rotX val="15"/>
+      <c:rotY val="20"/>
+      <c:depthPercent val="100"/>
+      <c:rAngAx val="1"/>
+    </c:view3D>
+    <c:floor>
+      <c:thickness val="0"/>
+      <c:spPr>
+        <a:noFill/>
+        <a:ln>
+          <a:noFill/>
+        </a:ln>
+        <a:effectLst/>
+        <a:sp3d/>
+      </c:spPr>
+    </c:floor>
+    <c:sideWall>
+      <c:thickness val="0"/>
+      <c:spPr>
+        <a:noFill/>
+        <a:ln>
+          <a:noFill/>
+        </a:ln>
+        <a:effectLst/>
+        <a:sp3d/>
+      </c:spPr>
+    </c:sideWall>
+    <c:backWall>
+      <c:thickness val="0"/>
+      <c:spPr>
+        <a:noFill/>
+        <a:ln>
+          <a:noFill/>
+        </a:ln>
+        <a:effectLst/>
+        <a:sp3d/>
+      </c:spPr>
+    </c:backWall>
+    <c:plotArea>
+      <c:layout/>
+      <c:bar3DChart>
+        <c:barDir val="col"/>
+        <c:grouping val="clustered"/>
+        <c:varyColors val="0"/>
+        <c:ser>
+          <c:idx val="0"/>
+          <c:order val="0"/>
+          <c:tx>
+            <c:strRef>
+              <c:f>'07082021'!$L$7</c:f>
+              <c:strCache>
+                <c:ptCount val="1"/>
+                <c:pt idx="0">
+                  <c:v>k-mer 3</c:v>
+                </c:pt>
+              </c:strCache>
+            </c:strRef>
+          </c:tx>
+          <c:spPr>
+            <a:solidFill>
+              <a:schemeClr val="accent1"/>
+            </a:solidFill>
+            <a:ln>
+              <a:noFill/>
+            </a:ln>
+            <a:effectLst/>
+            <a:sp3d/>
+          </c:spPr>
+          <c:invertIfNegative val="0"/>
+          <c:cat>
+            <c:strRef>
+              <c:f>'07082021'!$K$8:$K$10</c:f>
+              <c:strCache>
+                <c:ptCount val="3"/>
+                <c:pt idx="0">
+                  <c:v>acc</c:v>
+                </c:pt>
+                <c:pt idx="1">
+                  <c:v>precision</c:v>
+                </c:pt>
+                <c:pt idx="2">
+                  <c:v>recall</c:v>
+                </c:pt>
+              </c:strCache>
+            </c:strRef>
+          </c:cat>
+          <c:val>
+            <c:numRef>
+              <c:f>'07082021'!$L$8:$L$10</c:f>
+              <c:numCache>
+                <c:formatCode>General</c:formatCode>
+                <c:ptCount val="3"/>
+                <c:pt idx="0">
+                  <c:v>0.36</c:v>
+                </c:pt>
+                <c:pt idx="1">
+                  <c:v>0.358437149960385</c:v>
+                </c:pt>
+                <c:pt idx="2">
+                  <c:v>0.36</c:v>
+                </c:pt>
+              </c:numCache>
+            </c:numRef>
+          </c:val>
+          <c:extLst>
+            <c:ext xmlns:c16="http://schemas.microsoft.com/office/drawing/2014/chart" uri="{C3380CC4-5D6E-409C-BE32-E72D297353CC}">
+              <c16:uniqueId val="{00000000-5750-477D-BC3E-9C3C8993A611}"/>
+            </c:ext>
+          </c:extLst>
+        </c:ser>
+        <c:ser>
+          <c:idx val="1"/>
+          <c:order val="1"/>
+          <c:tx>
+            <c:strRef>
+              <c:f>'07082021'!$M$7</c:f>
+              <c:strCache>
+                <c:ptCount val="1"/>
+                <c:pt idx="0">
+                  <c:v>k-mer 4</c:v>
+                </c:pt>
+              </c:strCache>
+            </c:strRef>
+          </c:tx>
+          <c:spPr>
+            <a:solidFill>
+              <a:schemeClr val="accent2"/>
+            </a:solidFill>
+            <a:ln>
+              <a:noFill/>
+            </a:ln>
+            <a:effectLst/>
+            <a:sp3d/>
+          </c:spPr>
+          <c:invertIfNegative val="0"/>
+          <c:cat>
+            <c:strRef>
+              <c:f>'07082021'!$K$8:$K$10</c:f>
+              <c:strCache>
+                <c:ptCount val="3"/>
+                <c:pt idx="0">
+                  <c:v>acc</c:v>
+                </c:pt>
+                <c:pt idx="1">
+                  <c:v>precision</c:v>
+                </c:pt>
+                <c:pt idx="2">
+                  <c:v>recall</c:v>
+                </c:pt>
+              </c:strCache>
+            </c:strRef>
+          </c:cat>
+          <c:val>
+            <c:numRef>
+              <c:f>'07082021'!$M$8:$M$10</c:f>
+              <c:numCache>
+                <c:formatCode>General</c:formatCode>
+                <c:ptCount val="3"/>
+                <c:pt idx="0">
+                  <c:v>0.33333333333333298</c:v>
+                </c:pt>
+                <c:pt idx="1">
+                  <c:v>0.11111111111111099</c:v>
+                </c:pt>
+                <c:pt idx="2">
+                  <c:v>0.33333333333333298</c:v>
+                </c:pt>
+              </c:numCache>
+            </c:numRef>
+          </c:val>
+          <c:extLst>
+            <c:ext xmlns:c16="http://schemas.microsoft.com/office/drawing/2014/chart" uri="{C3380CC4-5D6E-409C-BE32-E72D297353CC}">
+              <c16:uniqueId val="{00000001-5750-477D-BC3E-9C3C8993A611}"/>
+            </c:ext>
+          </c:extLst>
+        </c:ser>
+        <c:ser>
+          <c:idx val="2"/>
+          <c:order val="2"/>
+          <c:tx>
+            <c:strRef>
+              <c:f>'07082021'!$N$7</c:f>
+              <c:strCache>
+                <c:ptCount val="1"/>
+                <c:pt idx="0">
+                  <c:v>k-mer 5</c:v>
+                </c:pt>
+              </c:strCache>
+            </c:strRef>
+          </c:tx>
+          <c:spPr>
+            <a:solidFill>
+              <a:schemeClr val="accent3"/>
+            </a:solidFill>
+            <a:ln>
+              <a:noFill/>
+            </a:ln>
+            <a:effectLst/>
+            <a:sp3d/>
+          </c:spPr>
+          <c:invertIfNegative val="0"/>
+          <c:cat>
+            <c:strRef>
+              <c:f>'07082021'!$K$8:$K$10</c:f>
+              <c:strCache>
+                <c:ptCount val="3"/>
+                <c:pt idx="0">
+                  <c:v>acc</c:v>
+                </c:pt>
+                <c:pt idx="1">
+                  <c:v>precision</c:v>
+                </c:pt>
+                <c:pt idx="2">
+                  <c:v>recall</c:v>
+                </c:pt>
+              </c:strCache>
+            </c:strRef>
+          </c:cat>
+          <c:val>
+            <c:numRef>
+              <c:f>'07082021'!$N$8:$N$10</c:f>
+              <c:numCache>
+                <c:formatCode>General</c:formatCode>
+                <c:ptCount val="3"/>
+                <c:pt idx="0">
+                  <c:v>0.30666666666666598</c:v>
+                </c:pt>
+                <c:pt idx="1">
+                  <c:v>0.105022831050228</c:v>
+                </c:pt>
+                <c:pt idx="2">
+                  <c:v>0.30666666666666598</c:v>
+                </c:pt>
+              </c:numCache>
+            </c:numRef>
+          </c:val>
+          <c:extLst>
+            <c:ext xmlns:c16="http://schemas.microsoft.com/office/drawing/2014/chart" uri="{C3380CC4-5D6E-409C-BE32-E72D297353CC}">
+              <c16:uniqueId val="{00000002-5750-477D-BC3E-9C3C8993A611}"/>
+            </c:ext>
+          </c:extLst>
+        </c:ser>
+        <c:ser>
+          <c:idx val="3"/>
+          <c:order val="3"/>
+          <c:tx>
+            <c:strRef>
+              <c:f>'07082021'!$O$7</c:f>
+              <c:strCache>
+                <c:ptCount val="1"/>
+                <c:pt idx="0">
+                  <c:v>k-mer 6</c:v>
+                </c:pt>
+              </c:strCache>
+            </c:strRef>
+          </c:tx>
+          <c:spPr>
+            <a:solidFill>
+              <a:schemeClr val="accent4"/>
+            </a:solidFill>
+            <a:ln>
+              <a:noFill/>
+            </a:ln>
+            <a:effectLst/>
+            <a:sp3d/>
+          </c:spPr>
+          <c:invertIfNegative val="0"/>
+          <c:cat>
+            <c:strRef>
+              <c:f>'07082021'!$K$8:$K$10</c:f>
+              <c:strCache>
+                <c:ptCount val="3"/>
+                <c:pt idx="0">
+                  <c:v>acc</c:v>
+                </c:pt>
+                <c:pt idx="1">
+                  <c:v>precision</c:v>
+                </c:pt>
+                <c:pt idx="2">
+                  <c:v>recall</c:v>
+                </c:pt>
+              </c:strCache>
+            </c:strRef>
+          </c:cat>
+          <c:val>
+            <c:numRef>
+              <c:f>'07082021'!$O$8:$O$10</c:f>
+              <c:numCache>
+                <c:formatCode>General</c:formatCode>
+                <c:ptCount val="3"/>
+                <c:pt idx="0">
+                  <c:v>0.33333333333333298</c:v>
+                </c:pt>
+                <c:pt idx="1">
+                  <c:v>0.11111111111111099</c:v>
+                </c:pt>
+                <c:pt idx="2">
+                  <c:v>0.33333333333333298</c:v>
+                </c:pt>
+              </c:numCache>
+            </c:numRef>
+          </c:val>
+          <c:extLst>
+            <c:ext xmlns:c16="http://schemas.microsoft.com/office/drawing/2014/chart" uri="{C3380CC4-5D6E-409C-BE32-E72D297353CC}">
+              <c16:uniqueId val="{00000003-5750-477D-BC3E-9C3C8993A611}"/>
+            </c:ext>
+          </c:extLst>
+        </c:ser>
+        <c:dLbls>
+          <c:showLegendKey val="0"/>
+          <c:showVal val="0"/>
+          <c:showCatName val="0"/>
+          <c:showSerName val="0"/>
+          <c:showPercent val="0"/>
+          <c:showBubbleSize val="0"/>
+        </c:dLbls>
+        <c:gapWidth val="150"/>
+        <c:shape val="box"/>
+        <c:axId val="1915807872"/>
+        <c:axId val="1915808288"/>
+        <c:axId val="0"/>
+      </c:bar3DChart>
+      <c:catAx>
+        <c:axId val="1915807872"/>
+        <c:scaling>
+          <c:orientation val="minMax"/>
+        </c:scaling>
+        <c:delete val="0"/>
+        <c:axPos val="b"/>
+        <c:numFmt formatCode="General" sourceLinked="1"/>
+        <c:majorTickMark val="none"/>
+        <c:minorTickMark val="none"/>
+        <c:tickLblPos val="nextTo"/>
+        <c:spPr>
+          <a:noFill/>
+          <a:ln>
+            <a:noFill/>
+          </a:ln>
+          <a:effectLst/>
+        </c:spPr>
+        <c:txPr>
+          <a:bodyPr rot="-60000000" spcFirstLastPara="1" vertOverflow="ellipsis" vert="horz" wrap="square" anchor="ctr" anchorCtr="1"/>
+          <a:lstStyle/>
+          <a:p>
+            <a:pPr>
+              <a:defRPr sz="900" b="0" i="0" u="none" strike="noStrike" kern="1200" baseline="0">
+                <a:solidFill>
+                  <a:schemeClr val="tx1">
+                    <a:lumMod val="65000"/>
+                    <a:lumOff val="35000"/>
+                  </a:schemeClr>
+                </a:solidFill>
+                <a:latin typeface="+mn-lt"/>
+                <a:ea typeface="+mn-ea"/>
+                <a:cs typeface="+mn-cs"/>
+              </a:defRPr>
+            </a:pPr>
+            <a:endParaRPr lang="en-US"/>
+          </a:p>
+        </c:txPr>
+        <c:crossAx val="1915808288"/>
+        <c:crosses val="autoZero"/>
+        <c:auto val="1"/>
+        <c:lblAlgn val="ctr"/>
+        <c:lblOffset val="100"/>
+        <c:noMultiLvlLbl val="0"/>
+      </c:catAx>
+      <c:valAx>
+        <c:axId val="1915808288"/>
+        <c:scaling>
+          <c:orientation val="minMax"/>
+        </c:scaling>
+        <c:delete val="0"/>
+        <c:axPos val="l"/>
+        <c:majorGridlines>
+          <c:spPr>
+            <a:ln w="9525" cap="flat" cmpd="sng" algn="ctr">
+              <a:solidFill>
+                <a:schemeClr val="tx1">
+                  <a:lumMod val="15000"/>
+                  <a:lumOff val="85000"/>
+                </a:schemeClr>
+              </a:solidFill>
+              <a:round/>
+            </a:ln>
+            <a:effectLst/>
+          </c:spPr>
+        </c:majorGridlines>
+        <c:numFmt formatCode="General" sourceLinked="1"/>
+        <c:majorTickMark val="none"/>
+        <c:minorTickMark val="none"/>
+        <c:tickLblPos val="nextTo"/>
+        <c:spPr>
+          <a:noFill/>
+          <a:ln>
+            <a:noFill/>
+          </a:ln>
+          <a:effectLst/>
+        </c:spPr>
+        <c:txPr>
+          <a:bodyPr rot="-60000000" spcFirstLastPara="1" vertOverflow="ellipsis" vert="horz" wrap="square" anchor="ctr" anchorCtr="1"/>
+          <a:lstStyle/>
+          <a:p>
+            <a:pPr>
+              <a:defRPr sz="900" b="0" i="0" u="none" strike="noStrike" kern="1200" baseline="0">
+                <a:solidFill>
+                  <a:schemeClr val="tx1">
+                    <a:lumMod val="65000"/>
+                    <a:lumOff val="35000"/>
+                  </a:schemeClr>
+                </a:solidFill>
+                <a:latin typeface="+mn-lt"/>
+                <a:ea typeface="+mn-ea"/>
+                <a:cs typeface="+mn-cs"/>
+              </a:defRPr>
+            </a:pPr>
+            <a:endParaRPr lang="en-US"/>
+          </a:p>
+        </c:txPr>
+        <c:crossAx val="1915807872"/>
+        <c:crosses val="autoZero"/>
+        <c:crossBetween val="between"/>
+      </c:valAx>
+      <c:spPr>
+        <a:noFill/>
+        <a:ln>
+          <a:noFill/>
+        </a:ln>
+        <a:effectLst/>
+      </c:spPr>
+    </c:plotArea>
+    <c:legend>
+      <c:legendPos val="b"/>
+      <c:overlay val="0"/>
+      <c:spPr>
+        <a:noFill/>
+        <a:ln>
+          <a:noFill/>
+        </a:ln>
+        <a:effectLst/>
+      </c:spPr>
+      <c:txPr>
+        <a:bodyPr rot="0" spcFirstLastPara="1" vertOverflow="ellipsis" vert="horz" wrap="square" anchor="ctr" anchorCtr="1"/>
+        <a:lstStyle/>
+        <a:p>
+          <a:pPr>
+            <a:defRPr sz="900" b="0" i="0" u="none" strike="noStrike" kern="1200" baseline="0">
+              <a:solidFill>
+                <a:schemeClr val="tx1">
+                  <a:lumMod val="65000"/>
+                  <a:lumOff val="35000"/>
+                </a:schemeClr>
+              </a:solidFill>
+              <a:latin typeface="+mn-lt"/>
+              <a:ea typeface="+mn-ea"/>
+              <a:cs typeface="+mn-cs"/>
+            </a:defRPr>
+          </a:pPr>
+          <a:endParaRPr lang="en-US"/>
+        </a:p>
+      </c:txPr>
+    </c:legend>
+    <c:plotVisOnly val="1"/>
+    <c:dispBlanksAs val="gap"/>
+    <c:showDLblsOverMax val="0"/>
+  </c:chart>
+  <c:spPr>
+    <a:noFill/>
+    <a:ln>
+      <a:noFill/>
+    </a:ln>
+    <a:effectLst/>
+  </c:spPr>
+  <c:txPr>
+    <a:bodyPr/>
+    <a:lstStyle/>
+    <a:p>
+      <a:pPr>
+        <a:defRPr/>
+      </a:pPr>
+      <a:endParaRPr lang="en-US"/>
+    </a:p>
+  </c:txPr>
+  <c:externalData r:id="rId3">
+    <c:autoUpdate val="0"/>
+  </c:externalData>
+</c:chartSpace>
+</file>
+
+<file path=ppt/charts/chart2.xml><?xml version="1.0" encoding="utf-8"?>
+<c:chartSpace xmlns:c="http://schemas.openxmlformats.org/drawingml/2006/chart" xmlns:a="http://schemas.openxmlformats.org/drawingml/2006/main" xmlns:r="http://schemas.openxmlformats.org/officeDocument/2006/relationships" xmlns:c16r2="http://schemas.microsoft.com/office/drawing/2015/06/chart">
+  <c:date1904 val="0"/>
+  <c:lang val="en-US"/>
+  <c:roundedCorners val="0"/>
+  <mc:AlternateContent xmlns:mc="http://schemas.openxmlformats.org/markup-compatibility/2006">
+    <mc:Choice xmlns:c14="http://schemas.microsoft.com/office/drawing/2007/8/2/chart" Requires="c14">
+      <c14:style val="102"/>
+    </mc:Choice>
+    <mc:Fallback>
+      <c:style val="2"/>
+    </mc:Fallback>
+  </mc:AlternateContent>
+  <c:chart>
+    <c:title>
+      <c:tx>
+        <c:rich>
+          <a:bodyPr rot="0" spcFirstLastPara="1" vertOverflow="ellipsis" vert="horz" wrap="square" anchor="ctr" anchorCtr="1"/>
+          <a:lstStyle/>
+          <a:p>
+            <a:pPr algn="ctr" rtl="0">
+              <a:defRPr lang="en-US" sz="1400" b="0" i="0" u="none" strike="noStrike" kern="1200" spc="0" baseline="0">
+                <a:solidFill>
+                  <a:sysClr val="windowText" lastClr="000000">
+                    <a:lumMod val="65000"/>
+                    <a:lumOff val="35000"/>
+                  </a:sysClr>
+                </a:solidFill>
+                <a:latin typeface="+mn-lt"/>
+                <a:ea typeface="+mn-ea"/>
+                <a:cs typeface="+mn-cs"/>
+              </a:defRPr>
+            </a:pPr>
+            <a:r>
+              <a:rPr lang="en-US" sz="1400" b="0" i="0" u="none" strike="noStrike" kern="1200" spc="0" baseline="0">
+                <a:solidFill>
+                  <a:sysClr val="windowText" lastClr="000000">
+                    <a:lumMod val="65000"/>
+                    <a:lumOff val="35000"/>
+                  </a:sysClr>
+                </a:solidFill>
+                <a:latin typeface="+mn-lt"/>
+                <a:ea typeface="+mn-ea"/>
+                <a:cs typeface="+mn-cs"/>
+              </a:rPr>
+              <a:t>Hasil Prediksi Varian SARS-CoV-2 Alpha, Beta, Delta dengan DNABert Pretrained dan Dataset Nukleotida</a:t>
+            </a:r>
+          </a:p>
+        </c:rich>
+      </c:tx>
+      <c:overlay val="0"/>
+      <c:spPr>
+        <a:noFill/>
+        <a:ln>
+          <a:noFill/>
+        </a:ln>
+        <a:effectLst/>
+      </c:spPr>
+      <c:txPr>
+        <a:bodyPr rot="0" spcFirstLastPara="1" vertOverflow="ellipsis" vert="horz" wrap="square" anchor="ctr" anchorCtr="1"/>
+        <a:lstStyle/>
+        <a:p>
+          <a:pPr algn="ctr" rtl="0">
+            <a:defRPr lang="en-US" sz="1400" b="0" i="0" u="none" strike="noStrike" kern="1200" spc="0" baseline="0">
+              <a:solidFill>
+                <a:sysClr val="windowText" lastClr="000000">
+                  <a:lumMod val="65000"/>
+                  <a:lumOff val="35000"/>
+                </a:sysClr>
+              </a:solidFill>
+              <a:latin typeface="+mn-lt"/>
+              <a:ea typeface="+mn-ea"/>
+              <a:cs typeface="+mn-cs"/>
+            </a:defRPr>
+          </a:pPr>
+          <a:endParaRPr lang="en-US"/>
+        </a:p>
+      </c:txPr>
+    </c:title>
+    <c:autoTitleDeleted val="0"/>
+    <c:view3D>
+      <c:rotX val="15"/>
+      <c:rotY val="20"/>
+      <c:depthPercent val="100"/>
+      <c:rAngAx val="1"/>
+    </c:view3D>
+    <c:floor>
+      <c:thickness val="0"/>
+      <c:spPr>
+        <a:noFill/>
+        <a:ln>
+          <a:noFill/>
+        </a:ln>
+        <a:effectLst/>
+        <a:sp3d/>
+      </c:spPr>
+    </c:floor>
+    <c:sideWall>
+      <c:thickness val="0"/>
+      <c:spPr>
+        <a:noFill/>
+        <a:ln>
+          <a:noFill/>
+        </a:ln>
+        <a:effectLst/>
+        <a:sp3d/>
+      </c:spPr>
+    </c:sideWall>
+    <c:backWall>
+      <c:thickness val="0"/>
+      <c:spPr>
+        <a:noFill/>
+        <a:ln>
+          <a:noFill/>
+        </a:ln>
+        <a:effectLst/>
+        <a:sp3d/>
+      </c:spPr>
+    </c:backWall>
+    <c:plotArea>
+      <c:layout/>
+      <c:bar3DChart>
+        <c:barDir val="col"/>
+        <c:grouping val="clustered"/>
+        <c:varyColors val="0"/>
+        <c:ser>
+          <c:idx val="0"/>
+          <c:order val="0"/>
+          <c:tx>
+            <c:strRef>
+              <c:f>'07082021'!$D$7</c:f>
+              <c:strCache>
+                <c:ptCount val="1"/>
+                <c:pt idx="0">
+                  <c:v>k-mer 3</c:v>
+                </c:pt>
+              </c:strCache>
+            </c:strRef>
+          </c:tx>
+          <c:spPr>
+            <a:solidFill>
+              <a:schemeClr val="accent1"/>
+            </a:solidFill>
+            <a:ln>
+              <a:noFill/>
+            </a:ln>
+            <a:effectLst/>
+            <a:sp3d/>
+          </c:spPr>
+          <c:invertIfNegative val="0"/>
+          <c:cat>
+            <c:strRef>
+              <c:f>'07082021'!$C$8:$C$10</c:f>
+              <c:strCache>
+                <c:ptCount val="3"/>
+                <c:pt idx="0">
+                  <c:v>acc</c:v>
+                </c:pt>
+                <c:pt idx="1">
+                  <c:v>precision</c:v>
+                </c:pt>
+                <c:pt idx="2">
+                  <c:v>recall</c:v>
+                </c:pt>
+              </c:strCache>
+            </c:strRef>
+          </c:cat>
+          <c:val>
+            <c:numRef>
+              <c:f>'07082021'!$D$8:$D$10</c:f>
+              <c:numCache>
+                <c:formatCode>General</c:formatCode>
+                <c:ptCount val="3"/>
+                <c:pt idx="0">
+                  <c:v>0.34333333333333299</c:v>
+                </c:pt>
+                <c:pt idx="1">
+                  <c:v>0.21557971014492699</c:v>
+                </c:pt>
+                <c:pt idx="2">
+                  <c:v>0.34333333333333299</c:v>
+                </c:pt>
+              </c:numCache>
+            </c:numRef>
+          </c:val>
+          <c:extLst>
+            <c:ext xmlns:c16="http://schemas.microsoft.com/office/drawing/2014/chart" uri="{C3380CC4-5D6E-409C-BE32-E72D297353CC}">
+              <c16:uniqueId val="{00000000-7D50-449D-8601-C25ED0C4DBED}"/>
+            </c:ext>
+          </c:extLst>
+        </c:ser>
+        <c:ser>
+          <c:idx val="1"/>
+          <c:order val="1"/>
+          <c:tx>
+            <c:strRef>
+              <c:f>'07082021'!$E$7</c:f>
+              <c:strCache>
+                <c:ptCount val="1"/>
+                <c:pt idx="0">
+                  <c:v>k-mer 4</c:v>
+                </c:pt>
+              </c:strCache>
+            </c:strRef>
+          </c:tx>
+          <c:spPr>
+            <a:solidFill>
+              <a:schemeClr val="accent2"/>
+            </a:solidFill>
+            <a:ln>
+              <a:noFill/>
+            </a:ln>
+            <a:effectLst/>
+            <a:sp3d/>
+          </c:spPr>
+          <c:invertIfNegative val="0"/>
+          <c:cat>
+            <c:strRef>
+              <c:f>'07082021'!$C$8:$C$10</c:f>
+              <c:strCache>
+                <c:ptCount val="3"/>
+                <c:pt idx="0">
+                  <c:v>acc</c:v>
+                </c:pt>
+                <c:pt idx="1">
+                  <c:v>precision</c:v>
+                </c:pt>
+                <c:pt idx="2">
+                  <c:v>recall</c:v>
+                </c:pt>
+              </c:strCache>
+            </c:strRef>
+          </c:cat>
+          <c:val>
+            <c:numRef>
+              <c:f>'07082021'!$E$8:$E$10</c:f>
+              <c:numCache>
+                <c:formatCode>General</c:formatCode>
+                <c:ptCount val="3"/>
+                <c:pt idx="0">
+                  <c:v>0.123333333333333</c:v>
+                </c:pt>
+                <c:pt idx="1">
+                  <c:v>0.146485859186572</c:v>
+                </c:pt>
+                <c:pt idx="2">
+                  <c:v>0.123333333333333</c:v>
+                </c:pt>
+              </c:numCache>
+            </c:numRef>
+          </c:val>
+          <c:extLst>
+            <c:ext xmlns:c16="http://schemas.microsoft.com/office/drawing/2014/chart" uri="{C3380CC4-5D6E-409C-BE32-E72D297353CC}">
+              <c16:uniqueId val="{00000001-7D50-449D-8601-C25ED0C4DBED}"/>
+            </c:ext>
+          </c:extLst>
+        </c:ser>
+        <c:ser>
+          <c:idx val="2"/>
+          <c:order val="2"/>
+          <c:tx>
+            <c:strRef>
+              <c:f>'07082021'!$F$7</c:f>
+              <c:strCache>
+                <c:ptCount val="1"/>
+                <c:pt idx="0">
+                  <c:v>k-mer 5</c:v>
+                </c:pt>
+              </c:strCache>
+            </c:strRef>
+          </c:tx>
+          <c:spPr>
+            <a:solidFill>
+              <a:schemeClr val="accent3"/>
+            </a:solidFill>
+            <a:ln>
+              <a:noFill/>
+            </a:ln>
+            <a:effectLst/>
+            <a:sp3d/>
+          </c:spPr>
+          <c:invertIfNegative val="0"/>
+          <c:cat>
+            <c:strRef>
+              <c:f>'07082021'!$C$8:$C$10</c:f>
+              <c:strCache>
+                <c:ptCount val="3"/>
+                <c:pt idx="0">
+                  <c:v>acc</c:v>
+                </c:pt>
+                <c:pt idx="1">
+                  <c:v>precision</c:v>
+                </c:pt>
+                <c:pt idx="2">
+                  <c:v>recall</c:v>
+                </c:pt>
+              </c:strCache>
+            </c:strRef>
+          </c:cat>
+          <c:val>
+            <c:numRef>
+              <c:f>'07082021'!$F$8:$F$10</c:f>
+              <c:numCache>
+                <c:formatCode>General</c:formatCode>
+                <c:ptCount val="3"/>
+                <c:pt idx="0">
+                  <c:v>0.27333333333333298</c:v>
+                </c:pt>
+                <c:pt idx="1">
+                  <c:v>0.22375457359977399</c:v>
+                </c:pt>
+                <c:pt idx="2">
+                  <c:v>0.27333333333333298</c:v>
+                </c:pt>
+              </c:numCache>
+            </c:numRef>
+          </c:val>
+          <c:extLst>
+            <c:ext xmlns:c16="http://schemas.microsoft.com/office/drawing/2014/chart" uri="{C3380CC4-5D6E-409C-BE32-E72D297353CC}">
+              <c16:uniqueId val="{00000002-7D50-449D-8601-C25ED0C4DBED}"/>
+            </c:ext>
+          </c:extLst>
+        </c:ser>
+        <c:ser>
+          <c:idx val="3"/>
+          <c:order val="3"/>
+          <c:tx>
+            <c:strRef>
+              <c:f>'07082021'!$G$7</c:f>
+              <c:strCache>
+                <c:ptCount val="1"/>
+                <c:pt idx="0">
+                  <c:v>k-mer 6</c:v>
+                </c:pt>
+              </c:strCache>
+            </c:strRef>
+          </c:tx>
+          <c:spPr>
+            <a:solidFill>
+              <a:schemeClr val="accent4"/>
+            </a:solidFill>
+            <a:ln>
+              <a:noFill/>
+            </a:ln>
+            <a:effectLst/>
+            <a:sp3d/>
+          </c:spPr>
+          <c:invertIfNegative val="0"/>
+          <c:cat>
+            <c:strRef>
+              <c:f>'07082021'!$C$8:$C$10</c:f>
+              <c:strCache>
+                <c:ptCount val="3"/>
+                <c:pt idx="0">
+                  <c:v>acc</c:v>
+                </c:pt>
+                <c:pt idx="1">
+                  <c:v>precision</c:v>
+                </c:pt>
+                <c:pt idx="2">
+                  <c:v>recall</c:v>
+                </c:pt>
+              </c:strCache>
+            </c:strRef>
+          </c:cat>
+          <c:val>
+            <c:numRef>
+              <c:f>'07082021'!$G$8:$G$10</c:f>
+              <c:numCache>
+                <c:formatCode>General</c:formatCode>
+                <c:ptCount val="3"/>
+                <c:pt idx="0">
+                  <c:v>0.19666666666666599</c:v>
+                </c:pt>
+                <c:pt idx="1">
+                  <c:v>0.21267484951695401</c:v>
+                </c:pt>
+                <c:pt idx="2">
+                  <c:v>0.19666666666666599</c:v>
+                </c:pt>
+              </c:numCache>
+            </c:numRef>
+          </c:val>
+          <c:extLst>
+            <c:ext xmlns:c16="http://schemas.microsoft.com/office/drawing/2014/chart" uri="{C3380CC4-5D6E-409C-BE32-E72D297353CC}">
+              <c16:uniqueId val="{00000003-7D50-449D-8601-C25ED0C4DBED}"/>
+            </c:ext>
+          </c:extLst>
+        </c:ser>
+        <c:dLbls>
+          <c:showLegendKey val="0"/>
+          <c:showVal val="0"/>
+          <c:showCatName val="0"/>
+          <c:showSerName val="0"/>
+          <c:showPercent val="0"/>
+          <c:showBubbleSize val="0"/>
+        </c:dLbls>
+        <c:gapWidth val="150"/>
+        <c:shape val="box"/>
+        <c:axId val="1793849808"/>
+        <c:axId val="1793841904"/>
+        <c:axId val="0"/>
+      </c:bar3DChart>
+      <c:catAx>
+        <c:axId val="1793849808"/>
+        <c:scaling>
+          <c:orientation val="minMax"/>
+        </c:scaling>
+        <c:delete val="0"/>
+        <c:axPos val="b"/>
+        <c:numFmt formatCode="General" sourceLinked="1"/>
+        <c:majorTickMark val="none"/>
+        <c:minorTickMark val="none"/>
+        <c:tickLblPos val="nextTo"/>
+        <c:spPr>
+          <a:noFill/>
+          <a:ln>
+            <a:noFill/>
+          </a:ln>
+          <a:effectLst/>
+        </c:spPr>
+        <c:txPr>
+          <a:bodyPr rot="-60000000" spcFirstLastPara="1" vertOverflow="ellipsis" vert="horz" wrap="square" anchor="ctr" anchorCtr="1"/>
+          <a:lstStyle/>
+          <a:p>
+            <a:pPr>
+              <a:defRPr sz="900" b="0" i="0" u="none" strike="noStrike" kern="1200" baseline="0">
+                <a:solidFill>
+                  <a:schemeClr val="tx1">
+                    <a:lumMod val="65000"/>
+                    <a:lumOff val="35000"/>
+                  </a:schemeClr>
+                </a:solidFill>
+                <a:latin typeface="+mn-lt"/>
+                <a:ea typeface="+mn-ea"/>
+                <a:cs typeface="+mn-cs"/>
+              </a:defRPr>
+            </a:pPr>
+            <a:endParaRPr lang="en-US"/>
+          </a:p>
+        </c:txPr>
+        <c:crossAx val="1793841904"/>
+        <c:crosses val="autoZero"/>
+        <c:auto val="1"/>
+        <c:lblAlgn val="ctr"/>
+        <c:lblOffset val="100"/>
+        <c:noMultiLvlLbl val="0"/>
+      </c:catAx>
+      <c:valAx>
+        <c:axId val="1793841904"/>
+        <c:scaling>
+          <c:orientation val="minMax"/>
+        </c:scaling>
+        <c:delete val="0"/>
+        <c:axPos val="l"/>
+        <c:majorGridlines>
+          <c:spPr>
+            <a:ln w="9525" cap="flat" cmpd="sng" algn="ctr">
+              <a:solidFill>
+                <a:schemeClr val="tx1">
+                  <a:lumMod val="15000"/>
+                  <a:lumOff val="85000"/>
+                </a:schemeClr>
+              </a:solidFill>
+              <a:round/>
+            </a:ln>
+            <a:effectLst/>
+          </c:spPr>
+        </c:majorGridlines>
+        <c:numFmt formatCode="General" sourceLinked="1"/>
+        <c:majorTickMark val="none"/>
+        <c:minorTickMark val="none"/>
+        <c:tickLblPos val="nextTo"/>
+        <c:spPr>
+          <a:noFill/>
+          <a:ln>
+            <a:noFill/>
+          </a:ln>
+          <a:effectLst/>
+        </c:spPr>
+        <c:txPr>
+          <a:bodyPr rot="-60000000" spcFirstLastPara="1" vertOverflow="ellipsis" vert="horz" wrap="square" anchor="ctr" anchorCtr="1"/>
+          <a:lstStyle/>
+          <a:p>
+            <a:pPr>
+              <a:defRPr sz="900" b="0" i="0" u="none" strike="noStrike" kern="1200" baseline="0">
+                <a:solidFill>
+                  <a:schemeClr val="tx1">
+                    <a:lumMod val="65000"/>
+                    <a:lumOff val="35000"/>
+                  </a:schemeClr>
+                </a:solidFill>
+                <a:latin typeface="+mn-lt"/>
+                <a:ea typeface="+mn-ea"/>
+                <a:cs typeface="+mn-cs"/>
+              </a:defRPr>
+            </a:pPr>
+            <a:endParaRPr lang="en-US"/>
+          </a:p>
+        </c:txPr>
+        <c:crossAx val="1793849808"/>
+        <c:crosses val="autoZero"/>
+        <c:crossBetween val="between"/>
+      </c:valAx>
+      <c:spPr>
+        <a:noFill/>
+        <a:ln>
+          <a:noFill/>
+        </a:ln>
+        <a:effectLst/>
+      </c:spPr>
+    </c:plotArea>
+    <c:legend>
+      <c:legendPos val="b"/>
+      <c:overlay val="0"/>
+      <c:spPr>
+        <a:noFill/>
+        <a:ln>
+          <a:noFill/>
+        </a:ln>
+        <a:effectLst/>
+      </c:spPr>
+      <c:txPr>
+        <a:bodyPr rot="0" spcFirstLastPara="1" vertOverflow="ellipsis" vert="horz" wrap="square" anchor="ctr" anchorCtr="1"/>
+        <a:lstStyle/>
+        <a:p>
+          <a:pPr>
+            <a:defRPr sz="900" b="0" i="0" u="none" strike="noStrike" kern="1200" baseline="0">
+              <a:solidFill>
+                <a:schemeClr val="tx1">
+                  <a:lumMod val="65000"/>
+                  <a:lumOff val="35000"/>
+                </a:schemeClr>
+              </a:solidFill>
+              <a:latin typeface="+mn-lt"/>
+              <a:ea typeface="+mn-ea"/>
+              <a:cs typeface="+mn-cs"/>
+            </a:defRPr>
+          </a:pPr>
+          <a:endParaRPr lang="en-US"/>
+        </a:p>
+      </c:txPr>
+    </c:legend>
+    <c:plotVisOnly val="1"/>
+    <c:dispBlanksAs val="gap"/>
+    <c:showDLblsOverMax val="0"/>
+  </c:chart>
+  <c:spPr>
+    <a:noFill/>
+    <a:ln>
+      <a:noFill/>
+    </a:ln>
+    <a:effectLst/>
+  </c:spPr>
+  <c:txPr>
+    <a:bodyPr/>
+    <a:lstStyle/>
+    <a:p>
+      <a:pPr>
+        <a:defRPr/>
+      </a:pPr>
+      <a:endParaRPr lang="en-US"/>
+    </a:p>
+  </c:txPr>
+  <c:externalData r:id="rId3">
+    <c:autoUpdate val="0"/>
+  </c:externalData>
+</c:chartSpace>
+</file>
+
+<file path=ppt/charts/chart3.xml><?xml version="1.0" encoding="utf-8"?>
 <c:chartSpace xmlns:c="http://schemas.openxmlformats.org/drawingml/2006/chart" xmlns:a="http://schemas.openxmlformats.org/drawingml/2006/main" xmlns:r="http://schemas.openxmlformats.org/officeDocument/2006/relationships" xmlns:c16r2="http://schemas.microsoft.com/office/drawing/2015/06/chart">
   <c:date1904 val="0"/>
   <c:lang val="en-US"/>
@@ -794,7 +1948,1075 @@
 </cs:colorStyle>
 </file>
 
+<file path=ppt/charts/colors2.xml><?xml version="1.0" encoding="utf-8"?>
+<cs:colorStyle xmlns:cs="http://schemas.microsoft.com/office/drawing/2012/chartStyle" xmlns:a="http://schemas.openxmlformats.org/drawingml/2006/main" meth="cycle" id="10">
+  <a:schemeClr val="accent1"/>
+  <a:schemeClr val="accent2"/>
+  <a:schemeClr val="accent3"/>
+  <a:schemeClr val="accent4"/>
+  <a:schemeClr val="accent5"/>
+  <a:schemeClr val="accent6"/>
+  <cs:variation/>
+  <cs:variation>
+    <a:lumMod val="60000"/>
+  </cs:variation>
+  <cs:variation>
+    <a:lumMod val="80000"/>
+    <a:lumOff val="20000"/>
+  </cs:variation>
+  <cs:variation>
+    <a:lumMod val="80000"/>
+  </cs:variation>
+  <cs:variation>
+    <a:lumMod val="60000"/>
+    <a:lumOff val="40000"/>
+  </cs:variation>
+  <cs:variation>
+    <a:lumMod val="50000"/>
+  </cs:variation>
+  <cs:variation>
+    <a:lumMod val="70000"/>
+    <a:lumOff val="30000"/>
+  </cs:variation>
+  <cs:variation>
+    <a:lumMod val="70000"/>
+  </cs:variation>
+  <cs:variation>
+    <a:lumMod val="50000"/>
+    <a:lumOff val="50000"/>
+  </cs:variation>
+</cs:colorStyle>
+</file>
+
+<file path=ppt/charts/colors3.xml><?xml version="1.0" encoding="utf-8"?>
+<cs:colorStyle xmlns:cs="http://schemas.microsoft.com/office/drawing/2012/chartStyle" xmlns:a="http://schemas.openxmlformats.org/drawingml/2006/main" meth="cycle" id="10">
+  <a:schemeClr val="accent1"/>
+  <a:schemeClr val="accent2"/>
+  <a:schemeClr val="accent3"/>
+  <a:schemeClr val="accent4"/>
+  <a:schemeClr val="accent5"/>
+  <a:schemeClr val="accent6"/>
+  <cs:variation/>
+  <cs:variation>
+    <a:lumMod val="60000"/>
+  </cs:variation>
+  <cs:variation>
+    <a:lumMod val="80000"/>
+    <a:lumOff val="20000"/>
+  </cs:variation>
+  <cs:variation>
+    <a:lumMod val="80000"/>
+  </cs:variation>
+  <cs:variation>
+    <a:lumMod val="60000"/>
+    <a:lumOff val="40000"/>
+  </cs:variation>
+  <cs:variation>
+    <a:lumMod val="50000"/>
+  </cs:variation>
+  <cs:variation>
+    <a:lumMod val="70000"/>
+    <a:lumOff val="30000"/>
+  </cs:variation>
+  <cs:variation>
+    <a:lumMod val="70000"/>
+  </cs:variation>
+  <cs:variation>
+    <a:lumMod val="50000"/>
+    <a:lumOff val="50000"/>
+  </cs:variation>
+</cs:colorStyle>
+</file>
+
 <file path=ppt/charts/style1.xml><?xml version="1.0" encoding="utf-8"?>
+<cs:chartStyle xmlns:cs="http://schemas.microsoft.com/office/drawing/2012/chartStyle" xmlns:a="http://schemas.openxmlformats.org/drawingml/2006/main" id="286">
+  <cs:axisTitle>
+    <cs:lnRef idx="0"/>
+    <cs:fillRef idx="0"/>
+    <cs:effectRef idx="0"/>
+    <cs:fontRef idx="minor">
+      <a:schemeClr val="tx1">
+        <a:lumMod val="65000"/>
+        <a:lumOff val="35000"/>
+      </a:schemeClr>
+    </cs:fontRef>
+    <cs:defRPr sz="1000" kern="1200"/>
+  </cs:axisTitle>
+  <cs:categoryAxis>
+    <cs:lnRef idx="0"/>
+    <cs:fillRef idx="0"/>
+    <cs:effectRef idx="0"/>
+    <cs:fontRef idx="minor">
+      <a:schemeClr val="tx1">
+        <a:lumMod val="65000"/>
+        <a:lumOff val="35000"/>
+      </a:schemeClr>
+    </cs:fontRef>
+    <cs:defRPr sz="900" kern="1200"/>
+  </cs:categoryAxis>
+  <cs:chartArea mods="allowNoFillOverride allowNoLineOverride">
+    <cs:lnRef idx="0"/>
+    <cs:fillRef idx="0"/>
+    <cs:effectRef idx="0"/>
+    <cs:fontRef idx="minor">
+      <a:schemeClr val="tx1"/>
+    </cs:fontRef>
+    <cs:spPr>
+      <a:solidFill>
+        <a:schemeClr val="bg1"/>
+      </a:solidFill>
+      <a:ln w="9525" cap="flat" cmpd="sng" algn="ctr">
+        <a:solidFill>
+          <a:schemeClr val="tx1">
+            <a:lumMod val="15000"/>
+            <a:lumOff val="85000"/>
+          </a:schemeClr>
+        </a:solidFill>
+        <a:round/>
+      </a:ln>
+    </cs:spPr>
+    <cs:defRPr sz="1000" kern="1200"/>
+  </cs:chartArea>
+  <cs:dataLabel>
+    <cs:lnRef idx="0"/>
+    <cs:fillRef idx="0"/>
+    <cs:effectRef idx="0"/>
+    <cs:fontRef idx="minor">
+      <a:schemeClr val="tx1">
+        <a:lumMod val="75000"/>
+        <a:lumOff val="25000"/>
+      </a:schemeClr>
+    </cs:fontRef>
+    <cs:defRPr sz="900" kern="1200"/>
+  </cs:dataLabel>
+  <cs:dataLabelCallout>
+    <cs:lnRef idx="0"/>
+    <cs:fillRef idx="0"/>
+    <cs:effectRef idx="0"/>
+    <cs:fontRef idx="minor">
+      <a:schemeClr val="dk1">
+        <a:lumMod val="65000"/>
+        <a:lumOff val="35000"/>
+      </a:schemeClr>
+    </cs:fontRef>
+    <cs:spPr>
+      <a:solidFill>
+        <a:schemeClr val="lt1"/>
+      </a:solidFill>
+      <a:ln>
+        <a:solidFill>
+          <a:schemeClr val="dk1">
+            <a:lumMod val="25000"/>
+            <a:lumOff val="75000"/>
+          </a:schemeClr>
+        </a:solidFill>
+      </a:ln>
+    </cs:spPr>
+    <cs:defRPr sz="900" kern="1200"/>
+    <cs:bodyPr rot="0" spcFirstLastPara="1" vertOverflow="clip" horzOverflow="clip" vert="horz" wrap="square" lIns="36576" tIns="18288" rIns="36576" bIns="18288" anchor="ctr" anchorCtr="1">
+      <a:spAutoFit/>
+    </cs:bodyPr>
+  </cs:dataLabelCallout>
+  <cs:dataPoint>
+    <cs:lnRef idx="0"/>
+    <cs:fillRef idx="1">
+      <cs:styleClr val="auto"/>
+    </cs:fillRef>
+    <cs:effectRef idx="0"/>
+    <cs:fontRef idx="minor">
+      <a:schemeClr val="tx1"/>
+    </cs:fontRef>
+  </cs:dataPoint>
+  <cs:dataPoint3D>
+    <cs:lnRef idx="0"/>
+    <cs:fillRef idx="1">
+      <cs:styleClr val="auto"/>
+    </cs:fillRef>
+    <cs:effectRef idx="0"/>
+    <cs:fontRef idx="minor">
+      <a:schemeClr val="tx1"/>
+    </cs:fontRef>
+  </cs:dataPoint3D>
+  <cs:dataPointLine>
+    <cs:lnRef idx="0">
+      <cs:styleClr val="auto"/>
+    </cs:lnRef>
+    <cs:fillRef idx="1"/>
+    <cs:effectRef idx="0"/>
+    <cs:fontRef idx="minor">
+      <a:schemeClr val="tx1"/>
+    </cs:fontRef>
+    <cs:spPr>
+      <a:ln w="28575" cap="rnd">
+        <a:solidFill>
+          <a:schemeClr val="phClr"/>
+        </a:solidFill>
+        <a:round/>
+      </a:ln>
+    </cs:spPr>
+  </cs:dataPointLine>
+  <cs:dataPointMarker>
+    <cs:lnRef idx="0">
+      <cs:styleClr val="auto"/>
+    </cs:lnRef>
+    <cs:fillRef idx="1">
+      <cs:styleClr val="auto"/>
+    </cs:fillRef>
+    <cs:effectRef idx="0"/>
+    <cs:fontRef idx="minor">
+      <a:schemeClr val="tx1"/>
+    </cs:fontRef>
+    <cs:spPr>
+      <a:ln w="9525">
+        <a:solidFill>
+          <a:schemeClr val="phClr"/>
+        </a:solidFill>
+      </a:ln>
+    </cs:spPr>
+  </cs:dataPointMarker>
+  <cs:dataPointMarkerLayout symbol="circle" size="5"/>
+  <cs:dataPointWireframe>
+    <cs:lnRef idx="0">
+      <cs:styleClr val="auto"/>
+    </cs:lnRef>
+    <cs:fillRef idx="1"/>
+    <cs:effectRef idx="0"/>
+    <cs:fontRef idx="minor">
+      <a:schemeClr val="tx1"/>
+    </cs:fontRef>
+    <cs:spPr>
+      <a:ln w="9525" cap="rnd">
+        <a:solidFill>
+          <a:schemeClr val="phClr"/>
+        </a:solidFill>
+        <a:round/>
+      </a:ln>
+    </cs:spPr>
+  </cs:dataPointWireframe>
+  <cs:dataTable>
+    <cs:lnRef idx="0"/>
+    <cs:fillRef idx="0"/>
+    <cs:effectRef idx="0"/>
+    <cs:fontRef idx="minor">
+      <a:schemeClr val="tx1">
+        <a:lumMod val="65000"/>
+        <a:lumOff val="35000"/>
+      </a:schemeClr>
+    </cs:fontRef>
+    <cs:spPr>
+      <a:noFill/>
+      <a:ln w="9525" cap="flat" cmpd="sng" algn="ctr">
+        <a:solidFill>
+          <a:schemeClr val="tx1">
+            <a:lumMod val="15000"/>
+            <a:lumOff val="85000"/>
+          </a:schemeClr>
+        </a:solidFill>
+        <a:round/>
+      </a:ln>
+    </cs:spPr>
+    <cs:defRPr sz="900" kern="1200"/>
+  </cs:dataTable>
+  <cs:downBar>
+    <cs:lnRef idx="0"/>
+    <cs:fillRef idx="0"/>
+    <cs:effectRef idx="0"/>
+    <cs:fontRef idx="minor">
+      <a:schemeClr val="tx1"/>
+    </cs:fontRef>
+    <cs:spPr>
+      <a:solidFill>
+        <a:schemeClr val="dk1">
+          <a:lumMod val="75000"/>
+          <a:lumOff val="25000"/>
+        </a:schemeClr>
+      </a:solidFill>
+      <a:ln w="9525" cap="flat" cmpd="sng" algn="ctr">
+        <a:solidFill>
+          <a:schemeClr val="tx1">
+            <a:lumMod val="65000"/>
+            <a:lumOff val="35000"/>
+          </a:schemeClr>
+        </a:solidFill>
+        <a:round/>
+      </a:ln>
+    </cs:spPr>
+  </cs:downBar>
+  <cs:dropLine>
+    <cs:lnRef idx="0"/>
+    <cs:fillRef idx="0"/>
+    <cs:effectRef idx="0"/>
+    <cs:fontRef idx="minor">
+      <a:schemeClr val="tx1"/>
+    </cs:fontRef>
+    <cs:spPr>
+      <a:ln w="9525" cap="flat" cmpd="sng" algn="ctr">
+        <a:solidFill>
+          <a:schemeClr val="tx1">
+            <a:lumMod val="35000"/>
+            <a:lumOff val="65000"/>
+          </a:schemeClr>
+        </a:solidFill>
+        <a:round/>
+      </a:ln>
+    </cs:spPr>
+  </cs:dropLine>
+  <cs:errorBar>
+    <cs:lnRef idx="0"/>
+    <cs:fillRef idx="0"/>
+    <cs:effectRef idx="0"/>
+    <cs:fontRef idx="minor">
+      <a:schemeClr val="tx1"/>
+    </cs:fontRef>
+    <cs:spPr>
+      <a:ln w="9525" cap="flat" cmpd="sng" algn="ctr">
+        <a:solidFill>
+          <a:schemeClr val="tx1">
+            <a:lumMod val="65000"/>
+            <a:lumOff val="35000"/>
+          </a:schemeClr>
+        </a:solidFill>
+        <a:round/>
+      </a:ln>
+    </cs:spPr>
+  </cs:errorBar>
+  <cs:floor>
+    <cs:lnRef idx="0"/>
+    <cs:fillRef idx="0"/>
+    <cs:effectRef idx="0"/>
+    <cs:fontRef idx="minor">
+      <a:schemeClr val="tx1"/>
+    </cs:fontRef>
+    <cs:spPr>
+      <a:noFill/>
+      <a:ln>
+        <a:noFill/>
+      </a:ln>
+    </cs:spPr>
+  </cs:floor>
+  <cs:gridlineMajor>
+    <cs:lnRef idx="0"/>
+    <cs:fillRef idx="0"/>
+    <cs:effectRef idx="0"/>
+    <cs:fontRef idx="minor">
+      <a:schemeClr val="tx1"/>
+    </cs:fontRef>
+    <cs:spPr>
+      <a:ln w="9525" cap="flat" cmpd="sng" algn="ctr">
+        <a:solidFill>
+          <a:schemeClr val="tx1">
+            <a:lumMod val="15000"/>
+            <a:lumOff val="85000"/>
+          </a:schemeClr>
+        </a:solidFill>
+        <a:round/>
+      </a:ln>
+    </cs:spPr>
+  </cs:gridlineMajor>
+  <cs:gridlineMinor>
+    <cs:lnRef idx="0"/>
+    <cs:fillRef idx="0"/>
+    <cs:effectRef idx="0"/>
+    <cs:fontRef idx="minor">
+      <a:schemeClr val="tx1"/>
+    </cs:fontRef>
+    <cs:spPr>
+      <a:ln w="9525" cap="flat" cmpd="sng" algn="ctr">
+        <a:solidFill>
+          <a:schemeClr val="tx1">
+            <a:lumMod val="5000"/>
+            <a:lumOff val="95000"/>
+          </a:schemeClr>
+        </a:solidFill>
+        <a:round/>
+      </a:ln>
+    </cs:spPr>
+  </cs:gridlineMinor>
+  <cs:hiLoLine>
+    <cs:lnRef idx="0"/>
+    <cs:fillRef idx="0"/>
+    <cs:effectRef idx="0"/>
+    <cs:fontRef idx="minor">
+      <a:schemeClr val="tx1"/>
+    </cs:fontRef>
+    <cs:spPr>
+      <a:ln w="9525" cap="flat" cmpd="sng" algn="ctr">
+        <a:solidFill>
+          <a:schemeClr val="tx1">
+            <a:lumMod val="50000"/>
+            <a:lumOff val="50000"/>
+          </a:schemeClr>
+        </a:solidFill>
+        <a:round/>
+      </a:ln>
+    </cs:spPr>
+  </cs:hiLoLine>
+  <cs:leaderLine>
+    <cs:lnRef idx="0"/>
+    <cs:fillRef idx="0"/>
+    <cs:effectRef idx="0"/>
+    <cs:fontRef idx="minor">
+      <a:schemeClr val="tx1"/>
+    </cs:fontRef>
+    <cs:spPr>
+      <a:ln w="9525" cap="flat" cmpd="sng" algn="ctr">
+        <a:solidFill>
+          <a:schemeClr val="tx1">
+            <a:lumMod val="35000"/>
+            <a:lumOff val="65000"/>
+          </a:schemeClr>
+        </a:solidFill>
+        <a:round/>
+      </a:ln>
+    </cs:spPr>
+  </cs:leaderLine>
+  <cs:legend>
+    <cs:lnRef idx="0"/>
+    <cs:fillRef idx="0"/>
+    <cs:effectRef idx="0"/>
+    <cs:fontRef idx="minor">
+      <a:schemeClr val="tx1">
+        <a:lumMod val="65000"/>
+        <a:lumOff val="35000"/>
+      </a:schemeClr>
+    </cs:fontRef>
+    <cs:defRPr sz="900" kern="1200"/>
+  </cs:legend>
+  <cs:plotArea mods="allowNoFillOverride allowNoLineOverride">
+    <cs:lnRef idx="0"/>
+    <cs:fillRef idx="0"/>
+    <cs:effectRef idx="0"/>
+    <cs:fontRef idx="minor">
+      <a:schemeClr val="tx1"/>
+    </cs:fontRef>
+  </cs:plotArea>
+  <cs:plotArea3D mods="allowNoFillOverride allowNoLineOverride">
+    <cs:lnRef idx="0"/>
+    <cs:fillRef idx="0"/>
+    <cs:effectRef idx="0"/>
+    <cs:fontRef idx="minor">
+      <a:schemeClr val="tx1"/>
+    </cs:fontRef>
+  </cs:plotArea3D>
+  <cs:seriesAxis>
+    <cs:lnRef idx="0"/>
+    <cs:fillRef idx="0"/>
+    <cs:effectRef idx="0"/>
+    <cs:fontRef idx="minor">
+      <a:schemeClr val="tx1">
+        <a:lumMod val="65000"/>
+        <a:lumOff val="35000"/>
+      </a:schemeClr>
+    </cs:fontRef>
+    <cs:defRPr sz="900" kern="1200"/>
+  </cs:seriesAxis>
+  <cs:seriesLine>
+    <cs:lnRef idx="0"/>
+    <cs:fillRef idx="0"/>
+    <cs:effectRef idx="0"/>
+    <cs:fontRef idx="minor">
+      <a:schemeClr val="tx1"/>
+    </cs:fontRef>
+    <cs:spPr>
+      <a:ln w="9525" cap="flat" cmpd="sng" algn="ctr">
+        <a:solidFill>
+          <a:schemeClr val="tx1">
+            <a:lumMod val="35000"/>
+            <a:lumOff val="65000"/>
+          </a:schemeClr>
+        </a:solidFill>
+        <a:round/>
+      </a:ln>
+    </cs:spPr>
+  </cs:seriesLine>
+  <cs:title>
+    <cs:lnRef idx="0"/>
+    <cs:fillRef idx="0"/>
+    <cs:effectRef idx="0"/>
+    <cs:fontRef idx="minor">
+      <a:schemeClr val="tx1">
+        <a:lumMod val="65000"/>
+        <a:lumOff val="35000"/>
+      </a:schemeClr>
+    </cs:fontRef>
+    <cs:defRPr sz="1400" b="0" kern="1200" spc="0" baseline="0"/>
+  </cs:title>
+  <cs:trendline>
+    <cs:lnRef idx="0">
+      <cs:styleClr val="auto"/>
+    </cs:lnRef>
+    <cs:fillRef idx="0"/>
+    <cs:effectRef idx="0"/>
+    <cs:fontRef idx="minor">
+      <a:schemeClr val="tx1"/>
+    </cs:fontRef>
+    <cs:spPr>
+      <a:ln w="19050" cap="rnd">
+        <a:solidFill>
+          <a:schemeClr val="phClr"/>
+        </a:solidFill>
+        <a:prstDash val="sysDot"/>
+      </a:ln>
+    </cs:spPr>
+  </cs:trendline>
+  <cs:trendlineLabel>
+    <cs:lnRef idx="0"/>
+    <cs:fillRef idx="0"/>
+    <cs:effectRef idx="0"/>
+    <cs:fontRef idx="minor">
+      <a:schemeClr val="tx1">
+        <a:lumMod val="65000"/>
+        <a:lumOff val="35000"/>
+      </a:schemeClr>
+    </cs:fontRef>
+    <cs:defRPr sz="900" kern="1200"/>
+  </cs:trendlineLabel>
+  <cs:upBar>
+    <cs:lnRef idx="0"/>
+    <cs:fillRef idx="0"/>
+    <cs:effectRef idx="0"/>
+    <cs:fontRef idx="minor">
+      <a:schemeClr val="tx1"/>
+    </cs:fontRef>
+    <cs:spPr>
+      <a:solidFill>
+        <a:schemeClr val="lt1"/>
+      </a:solidFill>
+      <a:ln w="9525" cap="flat" cmpd="sng" algn="ctr">
+        <a:solidFill>
+          <a:schemeClr val="tx1">
+            <a:lumMod val="65000"/>
+            <a:lumOff val="35000"/>
+          </a:schemeClr>
+        </a:solidFill>
+        <a:round/>
+      </a:ln>
+    </cs:spPr>
+  </cs:upBar>
+  <cs:valueAxis>
+    <cs:lnRef idx="0"/>
+    <cs:fillRef idx="0"/>
+    <cs:effectRef idx="0"/>
+    <cs:fontRef idx="minor">
+      <a:schemeClr val="tx1">
+        <a:lumMod val="65000"/>
+        <a:lumOff val="35000"/>
+      </a:schemeClr>
+    </cs:fontRef>
+    <cs:defRPr sz="900" kern="1200"/>
+  </cs:valueAxis>
+  <cs:wall>
+    <cs:lnRef idx="0"/>
+    <cs:fillRef idx="0"/>
+    <cs:effectRef idx="0"/>
+    <cs:fontRef idx="minor">
+      <a:schemeClr val="tx1"/>
+    </cs:fontRef>
+    <cs:spPr>
+      <a:noFill/>
+      <a:ln>
+        <a:noFill/>
+      </a:ln>
+    </cs:spPr>
+  </cs:wall>
+</cs:chartStyle>
+</file>
+
+<file path=ppt/charts/style2.xml><?xml version="1.0" encoding="utf-8"?>
+<cs:chartStyle xmlns:cs="http://schemas.microsoft.com/office/drawing/2012/chartStyle" xmlns:a="http://schemas.openxmlformats.org/drawingml/2006/main" id="286">
+  <cs:axisTitle>
+    <cs:lnRef idx="0"/>
+    <cs:fillRef idx="0"/>
+    <cs:effectRef idx="0"/>
+    <cs:fontRef idx="minor">
+      <a:schemeClr val="tx1">
+        <a:lumMod val="65000"/>
+        <a:lumOff val="35000"/>
+      </a:schemeClr>
+    </cs:fontRef>
+    <cs:defRPr sz="1000" kern="1200"/>
+  </cs:axisTitle>
+  <cs:categoryAxis>
+    <cs:lnRef idx="0"/>
+    <cs:fillRef idx="0"/>
+    <cs:effectRef idx="0"/>
+    <cs:fontRef idx="minor">
+      <a:schemeClr val="tx1">
+        <a:lumMod val="65000"/>
+        <a:lumOff val="35000"/>
+      </a:schemeClr>
+    </cs:fontRef>
+    <cs:defRPr sz="900" kern="1200"/>
+  </cs:categoryAxis>
+  <cs:chartArea mods="allowNoFillOverride allowNoLineOverride">
+    <cs:lnRef idx="0"/>
+    <cs:fillRef idx="0"/>
+    <cs:effectRef idx="0"/>
+    <cs:fontRef idx="minor">
+      <a:schemeClr val="tx1"/>
+    </cs:fontRef>
+    <cs:spPr>
+      <a:solidFill>
+        <a:schemeClr val="bg1"/>
+      </a:solidFill>
+      <a:ln w="9525" cap="flat" cmpd="sng" algn="ctr">
+        <a:solidFill>
+          <a:schemeClr val="tx1">
+            <a:lumMod val="15000"/>
+            <a:lumOff val="85000"/>
+          </a:schemeClr>
+        </a:solidFill>
+        <a:round/>
+      </a:ln>
+    </cs:spPr>
+    <cs:defRPr sz="1000" kern="1200"/>
+  </cs:chartArea>
+  <cs:dataLabel>
+    <cs:lnRef idx="0"/>
+    <cs:fillRef idx="0"/>
+    <cs:effectRef idx="0"/>
+    <cs:fontRef idx="minor">
+      <a:schemeClr val="tx1">
+        <a:lumMod val="75000"/>
+        <a:lumOff val="25000"/>
+      </a:schemeClr>
+    </cs:fontRef>
+    <cs:defRPr sz="900" kern="1200"/>
+  </cs:dataLabel>
+  <cs:dataLabelCallout>
+    <cs:lnRef idx="0"/>
+    <cs:fillRef idx="0"/>
+    <cs:effectRef idx="0"/>
+    <cs:fontRef idx="minor">
+      <a:schemeClr val="dk1">
+        <a:lumMod val="65000"/>
+        <a:lumOff val="35000"/>
+      </a:schemeClr>
+    </cs:fontRef>
+    <cs:spPr>
+      <a:solidFill>
+        <a:schemeClr val="lt1"/>
+      </a:solidFill>
+      <a:ln>
+        <a:solidFill>
+          <a:schemeClr val="dk1">
+            <a:lumMod val="25000"/>
+            <a:lumOff val="75000"/>
+          </a:schemeClr>
+        </a:solidFill>
+      </a:ln>
+    </cs:spPr>
+    <cs:defRPr sz="900" kern="1200"/>
+    <cs:bodyPr rot="0" spcFirstLastPara="1" vertOverflow="clip" horzOverflow="clip" vert="horz" wrap="square" lIns="36576" tIns="18288" rIns="36576" bIns="18288" anchor="ctr" anchorCtr="1">
+      <a:spAutoFit/>
+    </cs:bodyPr>
+  </cs:dataLabelCallout>
+  <cs:dataPoint>
+    <cs:lnRef idx="0"/>
+    <cs:fillRef idx="1">
+      <cs:styleClr val="auto"/>
+    </cs:fillRef>
+    <cs:effectRef idx="0"/>
+    <cs:fontRef idx="minor">
+      <a:schemeClr val="tx1"/>
+    </cs:fontRef>
+  </cs:dataPoint>
+  <cs:dataPoint3D>
+    <cs:lnRef idx="0"/>
+    <cs:fillRef idx="1">
+      <cs:styleClr val="auto"/>
+    </cs:fillRef>
+    <cs:effectRef idx="0"/>
+    <cs:fontRef idx="minor">
+      <a:schemeClr val="tx1"/>
+    </cs:fontRef>
+  </cs:dataPoint3D>
+  <cs:dataPointLine>
+    <cs:lnRef idx="0">
+      <cs:styleClr val="auto"/>
+    </cs:lnRef>
+    <cs:fillRef idx="1"/>
+    <cs:effectRef idx="0"/>
+    <cs:fontRef idx="minor">
+      <a:schemeClr val="tx1"/>
+    </cs:fontRef>
+    <cs:spPr>
+      <a:ln w="28575" cap="rnd">
+        <a:solidFill>
+          <a:schemeClr val="phClr"/>
+        </a:solidFill>
+        <a:round/>
+      </a:ln>
+    </cs:spPr>
+  </cs:dataPointLine>
+  <cs:dataPointMarker>
+    <cs:lnRef idx="0">
+      <cs:styleClr val="auto"/>
+    </cs:lnRef>
+    <cs:fillRef idx="1">
+      <cs:styleClr val="auto"/>
+    </cs:fillRef>
+    <cs:effectRef idx="0"/>
+    <cs:fontRef idx="minor">
+      <a:schemeClr val="tx1"/>
+    </cs:fontRef>
+    <cs:spPr>
+      <a:ln w="9525">
+        <a:solidFill>
+          <a:schemeClr val="phClr"/>
+        </a:solidFill>
+      </a:ln>
+    </cs:spPr>
+  </cs:dataPointMarker>
+  <cs:dataPointMarkerLayout symbol="circle" size="5"/>
+  <cs:dataPointWireframe>
+    <cs:lnRef idx="0">
+      <cs:styleClr val="auto"/>
+    </cs:lnRef>
+    <cs:fillRef idx="1"/>
+    <cs:effectRef idx="0"/>
+    <cs:fontRef idx="minor">
+      <a:schemeClr val="tx1"/>
+    </cs:fontRef>
+    <cs:spPr>
+      <a:ln w="9525" cap="rnd">
+        <a:solidFill>
+          <a:schemeClr val="phClr"/>
+        </a:solidFill>
+        <a:round/>
+      </a:ln>
+    </cs:spPr>
+  </cs:dataPointWireframe>
+  <cs:dataTable>
+    <cs:lnRef idx="0"/>
+    <cs:fillRef idx="0"/>
+    <cs:effectRef idx="0"/>
+    <cs:fontRef idx="minor">
+      <a:schemeClr val="tx1">
+        <a:lumMod val="65000"/>
+        <a:lumOff val="35000"/>
+      </a:schemeClr>
+    </cs:fontRef>
+    <cs:spPr>
+      <a:noFill/>
+      <a:ln w="9525" cap="flat" cmpd="sng" algn="ctr">
+        <a:solidFill>
+          <a:schemeClr val="tx1">
+            <a:lumMod val="15000"/>
+            <a:lumOff val="85000"/>
+          </a:schemeClr>
+        </a:solidFill>
+        <a:round/>
+      </a:ln>
+    </cs:spPr>
+    <cs:defRPr sz="900" kern="1200"/>
+  </cs:dataTable>
+  <cs:downBar>
+    <cs:lnRef idx="0"/>
+    <cs:fillRef idx="0"/>
+    <cs:effectRef idx="0"/>
+    <cs:fontRef idx="minor">
+      <a:schemeClr val="tx1"/>
+    </cs:fontRef>
+    <cs:spPr>
+      <a:solidFill>
+        <a:schemeClr val="dk1">
+          <a:lumMod val="75000"/>
+          <a:lumOff val="25000"/>
+        </a:schemeClr>
+      </a:solidFill>
+      <a:ln w="9525" cap="flat" cmpd="sng" algn="ctr">
+        <a:solidFill>
+          <a:schemeClr val="tx1">
+            <a:lumMod val="65000"/>
+            <a:lumOff val="35000"/>
+          </a:schemeClr>
+        </a:solidFill>
+        <a:round/>
+      </a:ln>
+    </cs:spPr>
+  </cs:downBar>
+  <cs:dropLine>
+    <cs:lnRef idx="0"/>
+    <cs:fillRef idx="0"/>
+    <cs:effectRef idx="0"/>
+    <cs:fontRef idx="minor">
+      <a:schemeClr val="tx1"/>
+    </cs:fontRef>
+    <cs:spPr>
+      <a:ln w="9525" cap="flat" cmpd="sng" algn="ctr">
+        <a:solidFill>
+          <a:schemeClr val="tx1">
+            <a:lumMod val="35000"/>
+            <a:lumOff val="65000"/>
+          </a:schemeClr>
+        </a:solidFill>
+        <a:round/>
+      </a:ln>
+    </cs:spPr>
+  </cs:dropLine>
+  <cs:errorBar>
+    <cs:lnRef idx="0"/>
+    <cs:fillRef idx="0"/>
+    <cs:effectRef idx="0"/>
+    <cs:fontRef idx="minor">
+      <a:schemeClr val="tx1"/>
+    </cs:fontRef>
+    <cs:spPr>
+      <a:ln w="9525" cap="flat" cmpd="sng" algn="ctr">
+        <a:solidFill>
+          <a:schemeClr val="tx1">
+            <a:lumMod val="65000"/>
+            <a:lumOff val="35000"/>
+          </a:schemeClr>
+        </a:solidFill>
+        <a:round/>
+      </a:ln>
+    </cs:spPr>
+  </cs:errorBar>
+  <cs:floor>
+    <cs:lnRef idx="0"/>
+    <cs:fillRef idx="0"/>
+    <cs:effectRef idx="0"/>
+    <cs:fontRef idx="minor">
+      <a:schemeClr val="tx1"/>
+    </cs:fontRef>
+    <cs:spPr>
+      <a:noFill/>
+      <a:ln>
+        <a:noFill/>
+      </a:ln>
+    </cs:spPr>
+  </cs:floor>
+  <cs:gridlineMajor>
+    <cs:lnRef idx="0"/>
+    <cs:fillRef idx="0"/>
+    <cs:effectRef idx="0"/>
+    <cs:fontRef idx="minor">
+      <a:schemeClr val="tx1"/>
+    </cs:fontRef>
+    <cs:spPr>
+      <a:ln w="9525" cap="flat" cmpd="sng" algn="ctr">
+        <a:solidFill>
+          <a:schemeClr val="tx1">
+            <a:lumMod val="15000"/>
+            <a:lumOff val="85000"/>
+          </a:schemeClr>
+        </a:solidFill>
+        <a:round/>
+      </a:ln>
+    </cs:spPr>
+  </cs:gridlineMajor>
+  <cs:gridlineMinor>
+    <cs:lnRef idx="0"/>
+    <cs:fillRef idx="0"/>
+    <cs:effectRef idx="0"/>
+    <cs:fontRef idx="minor">
+      <a:schemeClr val="tx1"/>
+    </cs:fontRef>
+    <cs:spPr>
+      <a:ln w="9525" cap="flat" cmpd="sng" algn="ctr">
+        <a:solidFill>
+          <a:schemeClr val="tx1">
+            <a:lumMod val="5000"/>
+            <a:lumOff val="95000"/>
+          </a:schemeClr>
+        </a:solidFill>
+        <a:round/>
+      </a:ln>
+    </cs:spPr>
+  </cs:gridlineMinor>
+  <cs:hiLoLine>
+    <cs:lnRef idx="0"/>
+    <cs:fillRef idx="0"/>
+    <cs:effectRef idx="0"/>
+    <cs:fontRef idx="minor">
+      <a:schemeClr val="tx1"/>
+    </cs:fontRef>
+    <cs:spPr>
+      <a:ln w="9525" cap="flat" cmpd="sng" algn="ctr">
+        <a:solidFill>
+          <a:schemeClr val="tx1">
+            <a:lumMod val="50000"/>
+            <a:lumOff val="50000"/>
+          </a:schemeClr>
+        </a:solidFill>
+        <a:round/>
+      </a:ln>
+    </cs:spPr>
+  </cs:hiLoLine>
+  <cs:leaderLine>
+    <cs:lnRef idx="0"/>
+    <cs:fillRef idx="0"/>
+    <cs:effectRef idx="0"/>
+    <cs:fontRef idx="minor">
+      <a:schemeClr val="tx1"/>
+    </cs:fontRef>
+    <cs:spPr>
+      <a:ln w="9525" cap="flat" cmpd="sng" algn="ctr">
+        <a:solidFill>
+          <a:schemeClr val="tx1">
+            <a:lumMod val="35000"/>
+            <a:lumOff val="65000"/>
+          </a:schemeClr>
+        </a:solidFill>
+        <a:round/>
+      </a:ln>
+    </cs:spPr>
+  </cs:leaderLine>
+  <cs:legend>
+    <cs:lnRef idx="0"/>
+    <cs:fillRef idx="0"/>
+    <cs:effectRef idx="0"/>
+    <cs:fontRef idx="minor">
+      <a:schemeClr val="tx1">
+        <a:lumMod val="65000"/>
+        <a:lumOff val="35000"/>
+      </a:schemeClr>
+    </cs:fontRef>
+    <cs:defRPr sz="900" kern="1200"/>
+  </cs:legend>
+  <cs:plotArea mods="allowNoFillOverride allowNoLineOverride">
+    <cs:lnRef idx="0"/>
+    <cs:fillRef idx="0"/>
+    <cs:effectRef idx="0"/>
+    <cs:fontRef idx="minor">
+      <a:schemeClr val="tx1"/>
+    </cs:fontRef>
+  </cs:plotArea>
+  <cs:plotArea3D mods="allowNoFillOverride allowNoLineOverride">
+    <cs:lnRef idx="0"/>
+    <cs:fillRef idx="0"/>
+    <cs:effectRef idx="0"/>
+    <cs:fontRef idx="minor">
+      <a:schemeClr val="tx1"/>
+    </cs:fontRef>
+  </cs:plotArea3D>
+  <cs:seriesAxis>
+    <cs:lnRef idx="0"/>
+    <cs:fillRef idx="0"/>
+    <cs:effectRef idx="0"/>
+    <cs:fontRef idx="minor">
+      <a:schemeClr val="tx1">
+        <a:lumMod val="65000"/>
+        <a:lumOff val="35000"/>
+      </a:schemeClr>
+    </cs:fontRef>
+    <cs:defRPr sz="900" kern="1200"/>
+  </cs:seriesAxis>
+  <cs:seriesLine>
+    <cs:lnRef idx="0"/>
+    <cs:fillRef idx="0"/>
+    <cs:effectRef idx="0"/>
+    <cs:fontRef idx="minor">
+      <a:schemeClr val="tx1"/>
+    </cs:fontRef>
+    <cs:spPr>
+      <a:ln w="9525" cap="flat" cmpd="sng" algn="ctr">
+        <a:solidFill>
+          <a:schemeClr val="tx1">
+            <a:lumMod val="35000"/>
+            <a:lumOff val="65000"/>
+          </a:schemeClr>
+        </a:solidFill>
+        <a:round/>
+      </a:ln>
+    </cs:spPr>
+  </cs:seriesLine>
+  <cs:title>
+    <cs:lnRef idx="0"/>
+    <cs:fillRef idx="0"/>
+    <cs:effectRef idx="0"/>
+    <cs:fontRef idx="minor">
+      <a:schemeClr val="tx1">
+        <a:lumMod val="65000"/>
+        <a:lumOff val="35000"/>
+      </a:schemeClr>
+    </cs:fontRef>
+    <cs:defRPr sz="1400" b="0" kern="1200" spc="0" baseline="0"/>
+  </cs:title>
+  <cs:trendline>
+    <cs:lnRef idx="0">
+      <cs:styleClr val="auto"/>
+    </cs:lnRef>
+    <cs:fillRef idx="0"/>
+    <cs:effectRef idx="0"/>
+    <cs:fontRef idx="minor">
+      <a:schemeClr val="tx1"/>
+    </cs:fontRef>
+    <cs:spPr>
+      <a:ln w="19050" cap="rnd">
+        <a:solidFill>
+          <a:schemeClr val="phClr"/>
+        </a:solidFill>
+        <a:prstDash val="sysDot"/>
+      </a:ln>
+    </cs:spPr>
+  </cs:trendline>
+  <cs:trendlineLabel>
+    <cs:lnRef idx="0"/>
+    <cs:fillRef idx="0"/>
+    <cs:effectRef idx="0"/>
+    <cs:fontRef idx="minor">
+      <a:schemeClr val="tx1">
+        <a:lumMod val="65000"/>
+        <a:lumOff val="35000"/>
+      </a:schemeClr>
+    </cs:fontRef>
+    <cs:defRPr sz="900" kern="1200"/>
+  </cs:trendlineLabel>
+  <cs:upBar>
+    <cs:lnRef idx="0"/>
+    <cs:fillRef idx="0"/>
+    <cs:effectRef idx="0"/>
+    <cs:fontRef idx="minor">
+      <a:schemeClr val="tx1"/>
+    </cs:fontRef>
+    <cs:spPr>
+      <a:solidFill>
+        <a:schemeClr val="lt1"/>
+      </a:solidFill>
+      <a:ln w="9525" cap="flat" cmpd="sng" algn="ctr">
+        <a:solidFill>
+          <a:schemeClr val="tx1">
+            <a:lumMod val="65000"/>
+            <a:lumOff val="35000"/>
+          </a:schemeClr>
+        </a:solidFill>
+        <a:round/>
+      </a:ln>
+    </cs:spPr>
+  </cs:upBar>
+  <cs:valueAxis>
+    <cs:lnRef idx="0"/>
+    <cs:fillRef idx="0"/>
+    <cs:effectRef idx="0"/>
+    <cs:fontRef idx="minor">
+      <a:schemeClr val="tx1">
+        <a:lumMod val="65000"/>
+        <a:lumOff val="35000"/>
+      </a:schemeClr>
+    </cs:fontRef>
+    <cs:defRPr sz="900" kern="1200"/>
+  </cs:valueAxis>
+  <cs:wall>
+    <cs:lnRef idx="0"/>
+    <cs:fillRef idx="0"/>
+    <cs:effectRef idx="0"/>
+    <cs:fontRef idx="minor">
+      <a:schemeClr val="tx1"/>
+    </cs:fontRef>
+    <cs:spPr>
+      <a:noFill/>
+      <a:ln>
+        <a:noFill/>
+      </a:ln>
+    </cs:spPr>
+  </cs:wall>
+</cs:chartStyle>
+</file>
+
+<file path=ppt/charts/style3.xml><?xml version="1.0" encoding="utf-8"?>
 <cs:chartStyle xmlns:cs="http://schemas.microsoft.com/office/drawing/2012/chartStyle" xmlns:a="http://schemas.openxmlformats.org/drawingml/2006/main" id="286">
   <cs:axisTitle>
     <cs:lnRef idx="0"/>
@@ -1437,7 +3659,7 @@
           <a:p>
             <a:fld id="{6E2C99EB-405F-4656-B2F5-CFB36F1A1173}" type="datetimeFigureOut">
               <a:rPr lang="en-ID" smtClean="0"/>
-              <a:t>01/08/2021</a:t>
+              <a:t>08/08/2021</a:t>
             </a:fld>
             <a:endParaRPr lang="en-ID"/>
           </a:p>
@@ -1637,7 +3859,7 @@
           <a:p>
             <a:fld id="{6E2C99EB-405F-4656-B2F5-CFB36F1A1173}" type="datetimeFigureOut">
               <a:rPr lang="en-ID" smtClean="0"/>
-              <a:t>01/08/2021</a:t>
+              <a:t>08/08/2021</a:t>
             </a:fld>
             <a:endParaRPr lang="en-ID"/>
           </a:p>
@@ -1847,7 +4069,7 @@
           <a:p>
             <a:fld id="{6E2C99EB-405F-4656-B2F5-CFB36F1A1173}" type="datetimeFigureOut">
               <a:rPr lang="en-ID" smtClean="0"/>
-              <a:t>01/08/2021</a:t>
+              <a:t>08/08/2021</a:t>
             </a:fld>
             <a:endParaRPr lang="en-ID"/>
           </a:p>
@@ -2047,7 +4269,7 @@
           <a:p>
             <a:fld id="{6E2C99EB-405F-4656-B2F5-CFB36F1A1173}" type="datetimeFigureOut">
               <a:rPr lang="en-ID" smtClean="0"/>
-              <a:t>01/08/2021</a:t>
+              <a:t>08/08/2021</a:t>
             </a:fld>
             <a:endParaRPr lang="en-ID"/>
           </a:p>
@@ -2323,7 +4545,7 @@
           <a:p>
             <a:fld id="{6E2C99EB-405F-4656-B2F5-CFB36F1A1173}" type="datetimeFigureOut">
               <a:rPr lang="en-ID" smtClean="0"/>
-              <a:t>01/08/2021</a:t>
+              <a:t>08/08/2021</a:t>
             </a:fld>
             <a:endParaRPr lang="en-ID"/>
           </a:p>
@@ -2591,7 +4813,7 @@
           <a:p>
             <a:fld id="{6E2C99EB-405F-4656-B2F5-CFB36F1A1173}" type="datetimeFigureOut">
               <a:rPr lang="en-ID" smtClean="0"/>
-              <a:t>01/08/2021</a:t>
+              <a:t>08/08/2021</a:t>
             </a:fld>
             <a:endParaRPr lang="en-ID"/>
           </a:p>
@@ -3006,7 +5228,7 @@
           <a:p>
             <a:fld id="{6E2C99EB-405F-4656-B2F5-CFB36F1A1173}" type="datetimeFigureOut">
               <a:rPr lang="en-ID" smtClean="0"/>
-              <a:t>01/08/2021</a:t>
+              <a:t>08/08/2021</a:t>
             </a:fld>
             <a:endParaRPr lang="en-ID"/>
           </a:p>
@@ -3148,7 +5370,7 @@
           <a:p>
             <a:fld id="{6E2C99EB-405F-4656-B2F5-CFB36F1A1173}" type="datetimeFigureOut">
               <a:rPr lang="en-ID" smtClean="0"/>
-              <a:t>01/08/2021</a:t>
+              <a:t>08/08/2021</a:t>
             </a:fld>
             <a:endParaRPr lang="en-ID"/>
           </a:p>
@@ -3261,7 +5483,7 @@
           <a:p>
             <a:fld id="{6E2C99EB-405F-4656-B2F5-CFB36F1A1173}" type="datetimeFigureOut">
               <a:rPr lang="en-ID" smtClean="0"/>
-              <a:t>01/08/2021</a:t>
+              <a:t>08/08/2021</a:t>
             </a:fld>
             <a:endParaRPr lang="en-ID"/>
           </a:p>
@@ -3574,7 +5796,7 @@
           <a:p>
             <a:fld id="{6E2C99EB-405F-4656-B2F5-CFB36F1A1173}" type="datetimeFigureOut">
               <a:rPr lang="en-ID" smtClean="0"/>
-              <a:t>01/08/2021</a:t>
+              <a:t>08/08/2021</a:t>
             </a:fld>
             <a:endParaRPr lang="en-ID"/>
           </a:p>
@@ -3863,7 +6085,7 @@
           <a:p>
             <a:fld id="{6E2C99EB-405F-4656-B2F5-CFB36F1A1173}" type="datetimeFigureOut">
               <a:rPr lang="en-ID" smtClean="0"/>
-              <a:t>01/08/2021</a:t>
+              <a:t>08/08/2021</a:t>
             </a:fld>
             <a:endParaRPr lang="en-ID"/>
           </a:p>
@@ -4106,7 +6328,7 @@
           <a:p>
             <a:fld id="{6E2C99EB-405F-4656-B2F5-CFB36F1A1173}" type="datetimeFigureOut">
               <a:rPr lang="en-ID" smtClean="0"/>
-              <a:t>01/08/2021</a:t>
+              <a:t>08/08/2021</a:t>
             </a:fld>
             <a:endParaRPr lang="en-ID"/>
           </a:p>
@@ -4594,7 +6816,7243 @@
 </p:sld>
 </file>
 
+<file path=ppt/slides/slide10.xml><?xml version="1.0" encoding="utf-8"?>
+<p:sld xmlns:a="http://schemas.openxmlformats.org/drawingml/2006/main" xmlns:r="http://schemas.openxmlformats.org/officeDocument/2006/relationships" xmlns:p="http://schemas.openxmlformats.org/presentationml/2006/main">
+  <p:cSld>
+    <p:spTree>
+      <p:nvGrpSpPr>
+        <p:cNvPr id="1" name=""/>
+        <p:cNvGrpSpPr/>
+        <p:nvPr/>
+      </p:nvGrpSpPr>
+      <p:grpSpPr>
+        <a:xfrm>
+          <a:off x="0" y="0"/>
+          <a:ext cx="0" cy="0"/>
+          <a:chOff x="0" y="0"/>
+          <a:chExt cx="0" cy="0"/>
+        </a:xfrm>
+      </p:grpSpPr>
+      <p:sp>
+        <p:nvSpPr>
+          <p:cNvPr id="2" name="Title 1">
+            <a:extLst>
+              <a:ext uri="{FF2B5EF4-FFF2-40B4-BE49-F238E27FC236}">
+                <a16:creationId xmlns:a16="http://schemas.microsoft.com/office/drawing/2014/main" id="{1E310C81-7B08-4AE0-BEC1-DE97056A369C}"/>
+              </a:ext>
+            </a:extLst>
+          </p:cNvPr>
+          <p:cNvSpPr>
+            <a:spLocks noGrp="1"/>
+          </p:cNvSpPr>
+          <p:nvPr>
+            <p:ph type="title"/>
+          </p:nvPr>
+        </p:nvSpPr>
+        <p:spPr/>
+        <p:txBody>
+          <a:bodyPr/>
+          <a:lstStyle/>
+          <a:p>
+            <a:r>
+              <a:rPr lang="en-US" dirty="0" err="1"/>
+              <a:t>Metriks</a:t>
+            </a:r>
+            <a:endParaRPr lang="en-ID" dirty="0"/>
+          </a:p>
+        </p:txBody>
+      </p:sp>
+      <p:sp>
+        <p:nvSpPr>
+          <p:cNvPr id="3" name="Content Placeholder 2">
+            <a:extLst>
+              <a:ext uri="{FF2B5EF4-FFF2-40B4-BE49-F238E27FC236}">
+                <a16:creationId xmlns:a16="http://schemas.microsoft.com/office/drawing/2014/main" id="{8DE9C218-C46A-4768-9A4A-0070D0721F4E}"/>
+              </a:ext>
+            </a:extLst>
+          </p:cNvPr>
+          <p:cNvSpPr>
+            <a:spLocks noGrp="1"/>
+          </p:cNvSpPr>
+          <p:nvPr>
+            <p:ph idx="1"/>
+          </p:nvPr>
+        </p:nvSpPr>
+        <p:spPr/>
+        <p:txBody>
+          <a:bodyPr/>
+          <a:lstStyle/>
+          <a:p>
+            <a:r>
+              <a:rPr lang="en-US" dirty="0"/>
+              <a:t>acc = correct prediction / total Prediction</a:t>
+            </a:r>
+          </a:p>
+          <a:p>
+            <a:r>
+              <a:rPr lang="en-ID" dirty="0" err="1"/>
+              <a:t>auc</a:t>
+            </a:r>
+            <a:r>
+              <a:rPr lang="en-ID" dirty="0"/>
+              <a:t> = </a:t>
+            </a:r>
+            <a:r>
+              <a:rPr lang="en-ID" dirty="0" err="1"/>
+              <a:t>kemampuan</a:t>
+            </a:r>
+            <a:r>
+              <a:rPr lang="en-ID" dirty="0"/>
+              <a:t> model </a:t>
+            </a:r>
+            <a:r>
+              <a:rPr lang="en-ID" dirty="0" err="1"/>
+              <a:t>membedakan</a:t>
+            </a:r>
+            <a:r>
+              <a:rPr lang="en-ID" dirty="0"/>
+              <a:t> </a:t>
+            </a:r>
+            <a:r>
+              <a:rPr lang="en-ID" dirty="0" err="1"/>
+              <a:t>positif</a:t>
+            </a:r>
+            <a:r>
+              <a:rPr lang="en-ID" dirty="0"/>
+              <a:t> dan negative, </a:t>
+            </a:r>
+            <a:r>
+              <a:rPr lang="en-ID" dirty="0" err="1"/>
+              <a:t>semakin</a:t>
+            </a:r>
+            <a:r>
+              <a:rPr lang="en-ID" dirty="0"/>
+              <a:t> </a:t>
+            </a:r>
+            <a:r>
+              <a:rPr lang="en-ID" dirty="0" err="1"/>
+              <a:t>besar</a:t>
+            </a:r>
+            <a:r>
+              <a:rPr lang="en-ID" dirty="0"/>
+              <a:t> </a:t>
+            </a:r>
+            <a:r>
+              <a:rPr lang="en-ID" dirty="0" err="1"/>
+              <a:t>semakin</a:t>
+            </a:r>
+            <a:r>
+              <a:rPr lang="en-ID" dirty="0"/>
+              <a:t> </a:t>
+            </a:r>
+            <a:r>
+              <a:rPr lang="en-ID" dirty="0" err="1"/>
+              <a:t>bagus</a:t>
+            </a:r>
+            <a:endParaRPr lang="en-ID" dirty="0"/>
+          </a:p>
+          <a:p>
+            <a:r>
+              <a:rPr lang="en-ID" dirty="0"/>
+              <a:t>f1 = </a:t>
+            </a:r>
+            <a:r>
+              <a:rPr lang="en-ID" dirty="0" err="1"/>
+              <a:t>akurasi</a:t>
+            </a:r>
+            <a:r>
+              <a:rPr lang="en-ID" dirty="0"/>
+              <a:t> model </a:t>
+            </a:r>
+            <a:r>
+              <a:rPr lang="en-ID" dirty="0" err="1"/>
+              <a:t>dalam</a:t>
+            </a:r>
+            <a:r>
+              <a:rPr lang="en-ID" dirty="0"/>
+              <a:t> dataset</a:t>
+            </a:r>
+          </a:p>
+          <a:p>
+            <a:r>
+              <a:rPr lang="en-ID" dirty="0"/>
+              <a:t>precision  = predicted positive / real positive or predicted negative / real negative</a:t>
+            </a:r>
+          </a:p>
+          <a:p>
+            <a:r>
+              <a:rPr lang="en-ID" dirty="0"/>
+              <a:t>recall = </a:t>
+            </a:r>
+            <a:r>
+              <a:rPr lang="en-ID" dirty="0" err="1"/>
+              <a:t>berapa</a:t>
+            </a:r>
+            <a:r>
+              <a:rPr lang="en-ID" dirty="0"/>
+              <a:t> </a:t>
+            </a:r>
+            <a:r>
+              <a:rPr lang="en-ID" dirty="0" err="1"/>
+              <a:t>jumlah</a:t>
+            </a:r>
+            <a:r>
+              <a:rPr lang="en-ID" dirty="0"/>
+              <a:t> true positive yang </a:t>
+            </a:r>
+            <a:r>
+              <a:rPr lang="en-ID" dirty="0" err="1"/>
+              <a:t>ditemukan</a:t>
+            </a:r>
+            <a:endParaRPr lang="en-ID" dirty="0"/>
+          </a:p>
+        </p:txBody>
+      </p:sp>
+    </p:spTree>
+    <p:extLst>
+      <p:ext uri="{BB962C8B-B14F-4D97-AF65-F5344CB8AC3E}">
+        <p14:creationId xmlns:p14="http://schemas.microsoft.com/office/powerpoint/2010/main" val="2838191559"/>
+      </p:ext>
+    </p:extLst>
+  </p:cSld>
+  <p:clrMapOvr>
+    <a:masterClrMapping/>
+  </p:clrMapOvr>
+</p:sld>
+</file>
+
 <file path=ppt/slides/slide2.xml><?xml version="1.0" encoding="utf-8"?>
+<p:sld xmlns:a="http://schemas.openxmlformats.org/drawingml/2006/main" xmlns:r="http://schemas.openxmlformats.org/officeDocument/2006/relationships" xmlns:p="http://schemas.openxmlformats.org/presentationml/2006/main">
+  <p:cSld>
+    <p:spTree>
+      <p:nvGrpSpPr>
+        <p:cNvPr id="1" name=""/>
+        <p:cNvGrpSpPr/>
+        <p:nvPr/>
+      </p:nvGrpSpPr>
+      <p:grpSpPr>
+        <a:xfrm>
+          <a:off x="0" y="0"/>
+          <a:ext cx="0" cy="0"/>
+          <a:chOff x="0" y="0"/>
+          <a:chExt cx="0" cy="0"/>
+        </a:xfrm>
+      </p:grpSpPr>
+      <p:sp>
+        <p:nvSpPr>
+          <p:cNvPr id="2" name="Title 1">
+            <a:extLst>
+              <a:ext uri="{FF2B5EF4-FFF2-40B4-BE49-F238E27FC236}">
+                <a16:creationId xmlns:a16="http://schemas.microsoft.com/office/drawing/2014/main" id="{AAA90A38-5440-459F-98ED-469BCFD36FE7}"/>
+              </a:ext>
+            </a:extLst>
+          </p:cNvPr>
+          <p:cNvSpPr>
+            <a:spLocks noGrp="1"/>
+          </p:cNvSpPr>
+          <p:nvPr>
+            <p:ph type="title"/>
+          </p:nvPr>
+        </p:nvSpPr>
+        <p:spPr/>
+        <p:txBody>
+          <a:bodyPr/>
+          <a:lstStyle/>
+          <a:p>
+            <a:r>
+              <a:rPr lang="en-US" dirty="0"/>
+              <a:t>7 </a:t>
+            </a:r>
+            <a:r>
+              <a:rPr lang="en-US" dirty="0" err="1"/>
+              <a:t>Agustus</a:t>
+            </a:r>
+            <a:r>
+              <a:rPr lang="en-US" dirty="0"/>
+              <a:t> 2021</a:t>
+            </a:r>
+          </a:p>
+        </p:txBody>
+      </p:sp>
+      <p:graphicFrame>
+        <p:nvGraphicFramePr>
+          <p:cNvPr id="5" name="Content Placeholder 4">
+            <a:extLst>
+              <a:ext uri="{FF2B5EF4-FFF2-40B4-BE49-F238E27FC236}">
+                <a16:creationId xmlns:a16="http://schemas.microsoft.com/office/drawing/2014/main" id="{2D436670-1F0B-4FFF-91A3-E0F6ED758EB4}"/>
+              </a:ext>
+            </a:extLst>
+          </p:cNvPr>
+          <p:cNvGraphicFramePr>
+            <a:graphicFrameLocks noGrp="1"/>
+          </p:cNvGraphicFramePr>
+          <p:nvPr>
+            <p:ph idx="1"/>
+            <p:extLst>
+              <p:ext uri="{D42A27DB-BD31-4B8C-83A1-F6EECF244321}">
+                <p14:modId xmlns:p14="http://schemas.microsoft.com/office/powerpoint/2010/main" val="2236555064"/>
+              </p:ext>
+            </p:extLst>
+          </p:nvPr>
+        </p:nvGraphicFramePr>
+        <p:xfrm>
+          <a:off x="838200" y="2571750"/>
+          <a:ext cx="4038599" cy="1714500"/>
+        </p:xfrm>
+        <a:graphic>
+          <a:graphicData uri="http://schemas.openxmlformats.org/drawingml/2006/table">
+            <a:tbl>
+              <a:tblPr/>
+              <a:tblGrid>
+                <a:gridCol w="713814">
+                  <a:extLst>
+                    <a:ext uri="{9D8B030D-6E8A-4147-A177-3AD203B41FA5}">
+                      <a16:colId xmlns:a16="http://schemas.microsoft.com/office/drawing/2014/main" val="4066233039"/>
+                    </a:ext>
+                  </a:extLst>
+                </a:gridCol>
+                <a:gridCol w="697951">
+                  <a:extLst>
+                    <a:ext uri="{9D8B030D-6E8A-4147-A177-3AD203B41FA5}">
+                      <a16:colId xmlns:a16="http://schemas.microsoft.com/office/drawing/2014/main" val="3742323044"/>
+                    </a:ext>
+                  </a:extLst>
+                </a:gridCol>
+                <a:gridCol w="609121">
+                  <a:extLst>
+                    <a:ext uri="{9D8B030D-6E8A-4147-A177-3AD203B41FA5}">
+                      <a16:colId xmlns:a16="http://schemas.microsoft.com/office/drawing/2014/main" val="3850809874"/>
+                    </a:ext>
+                  </a:extLst>
+                </a:gridCol>
+                <a:gridCol w="799471">
+                  <a:extLst>
+                    <a:ext uri="{9D8B030D-6E8A-4147-A177-3AD203B41FA5}">
+                      <a16:colId xmlns:a16="http://schemas.microsoft.com/office/drawing/2014/main" val="337999705"/>
+                    </a:ext>
+                  </a:extLst>
+                </a:gridCol>
+                <a:gridCol w="609121">
+                  <a:extLst>
+                    <a:ext uri="{9D8B030D-6E8A-4147-A177-3AD203B41FA5}">
+                      <a16:colId xmlns:a16="http://schemas.microsoft.com/office/drawing/2014/main" val="2023821637"/>
+                    </a:ext>
+                  </a:extLst>
+                </a:gridCol>
+                <a:gridCol w="609121">
+                  <a:extLst>
+                    <a:ext uri="{9D8B030D-6E8A-4147-A177-3AD203B41FA5}">
+                      <a16:colId xmlns:a16="http://schemas.microsoft.com/office/drawing/2014/main" val="621473732"/>
+                    </a:ext>
+                  </a:extLst>
+                </a:gridCol>
+              </a:tblGrid>
+              <a:tr h="190500">
+                <a:tc>
+                  <a:txBody>
+                    <a:bodyPr/>
+                    <a:lstStyle/>
+                    <a:p>
+                      <a:pPr algn="l" fontAlgn="b"/>
+                      <a:r>
+                        <a:rPr lang="en-US" sz="1100" b="0" i="0" u="none" strike="noStrike">
+                          <a:solidFill>
+                            <a:srgbClr val="000000"/>
+                          </a:solidFill>
+                          <a:effectLst/>
+                          <a:latin typeface="Calibri" panose="020F0502020204030204" pitchFamily="34" charset="0"/>
+                        </a:rPr>
+                        <a:t>model</a:t>
+                      </a:r>
+                    </a:p>
+                  </a:txBody>
+                  <a:tcPr marL="9525" marR="9525" marT="9525" marB="0" anchor="b">
+                    <a:lnL w="6350" cap="flat" cmpd="sng" algn="ctr">
+                      <a:solidFill>
+                        <a:srgbClr val="000000"/>
+                      </a:solidFill>
+                      <a:prstDash val="solid"/>
+                      <a:round/>
+                      <a:headEnd type="none" w="med" len="med"/>
+                      <a:tailEnd type="none" w="med" len="med"/>
+                    </a:lnL>
+                    <a:lnR w="6350" cap="flat" cmpd="sng" algn="ctr">
+                      <a:solidFill>
+                        <a:srgbClr val="000000"/>
+                      </a:solidFill>
+                      <a:prstDash val="solid"/>
+                      <a:round/>
+                      <a:headEnd type="none" w="med" len="med"/>
+                      <a:tailEnd type="none" w="med" len="med"/>
+                    </a:lnR>
+                    <a:lnT w="6350" cap="flat" cmpd="sng" algn="ctr">
+                      <a:solidFill>
+                        <a:srgbClr val="000000"/>
+                      </a:solidFill>
+                      <a:prstDash val="solid"/>
+                      <a:round/>
+                      <a:headEnd type="none" w="med" len="med"/>
+                      <a:tailEnd type="none" w="med" len="med"/>
+                    </a:lnT>
+                    <a:lnB w="6350" cap="flat" cmpd="sng" algn="ctr">
+                      <a:solidFill>
+                        <a:srgbClr val="000000"/>
+                      </a:solidFill>
+                      <a:prstDash val="solid"/>
+                      <a:round/>
+                      <a:headEnd type="none" w="med" len="med"/>
+                      <a:tailEnd type="none" w="med" len="med"/>
+                    </a:lnB>
+                  </a:tcPr>
+                </a:tc>
+                <a:tc>
+                  <a:txBody>
+                    <a:bodyPr/>
+                    <a:lstStyle/>
+                    <a:p>
+                      <a:pPr algn="l" fontAlgn="b"/>
+                      <a:r>
+                        <a:rPr lang="en-US" sz="1100" b="1" i="0" u="none" strike="noStrike">
+                          <a:solidFill>
+                            <a:srgbClr val="000000"/>
+                          </a:solidFill>
+                          <a:effectLst/>
+                          <a:latin typeface="Calibri" panose="020F0502020204030204" pitchFamily="34" charset="0"/>
+                        </a:rPr>
+                        <a:t>pretrained</a:t>
+                      </a:r>
+                    </a:p>
+                  </a:txBody>
+                  <a:tcPr marL="9525" marR="9525" marT="9525" marB="0" anchor="b">
+                    <a:lnL w="6350" cap="flat" cmpd="sng" algn="ctr">
+                      <a:solidFill>
+                        <a:srgbClr val="000000"/>
+                      </a:solidFill>
+                      <a:prstDash val="solid"/>
+                      <a:round/>
+                      <a:headEnd type="none" w="med" len="med"/>
+                      <a:tailEnd type="none" w="med" len="med"/>
+                    </a:lnL>
+                    <a:lnR w="6350" cap="flat" cmpd="sng" algn="ctr">
+                      <a:solidFill>
+                        <a:srgbClr val="000000"/>
+                      </a:solidFill>
+                      <a:prstDash val="solid"/>
+                      <a:round/>
+                      <a:headEnd type="none" w="med" len="med"/>
+                      <a:tailEnd type="none" w="med" len="med"/>
+                    </a:lnR>
+                    <a:lnT w="6350" cap="flat" cmpd="sng" algn="ctr">
+                      <a:solidFill>
+                        <a:srgbClr val="000000"/>
+                      </a:solidFill>
+                      <a:prstDash val="solid"/>
+                      <a:round/>
+                      <a:headEnd type="none" w="med" len="med"/>
+                      <a:tailEnd type="none" w="med" len="med"/>
+                    </a:lnT>
+                    <a:lnB w="6350" cap="flat" cmpd="sng" algn="ctr">
+                      <a:solidFill>
+                        <a:srgbClr val="000000"/>
+                      </a:solidFill>
+                      <a:prstDash val="solid"/>
+                      <a:round/>
+                      <a:headEnd type="none" w="med" len="med"/>
+                      <a:tailEnd type="none" w="med" len="med"/>
+                    </a:lnB>
+                    <a:solidFill>
+                      <a:srgbClr val="FFFF00"/>
+                    </a:solidFill>
+                  </a:tcPr>
+                </a:tc>
+                <a:tc>
+                  <a:txBody>
+                    <a:bodyPr/>
+                    <a:lstStyle/>
+                    <a:p>
+                      <a:pPr algn="l" fontAlgn="b"/>
+                      <a:endParaRPr lang="en-US" sz="1100" b="0" i="0" u="none" strike="noStrike">
+                        <a:solidFill>
+                          <a:srgbClr val="000000"/>
+                        </a:solidFill>
+                        <a:effectLst/>
+                        <a:latin typeface="Calibri" panose="020F0502020204030204" pitchFamily="34" charset="0"/>
+                      </a:endParaRPr>
+                    </a:p>
+                  </a:txBody>
+                  <a:tcPr marL="9525" marR="9525" marT="9525" marB="0" anchor="b">
+                    <a:lnL w="6350" cap="flat" cmpd="sng" algn="ctr">
+                      <a:solidFill>
+                        <a:srgbClr val="000000"/>
+                      </a:solidFill>
+                      <a:prstDash val="solid"/>
+                      <a:round/>
+                      <a:headEnd type="none" w="med" len="med"/>
+                      <a:tailEnd type="none" w="med" len="med"/>
+                    </a:lnL>
+                    <a:lnR>
+                      <a:noFill/>
+                    </a:lnR>
+                    <a:lnT>
+                      <a:noFill/>
+                    </a:lnT>
+                    <a:lnB w="6350" cap="flat" cmpd="sng" algn="ctr">
+                      <a:solidFill>
+                        <a:srgbClr val="000000"/>
+                      </a:solidFill>
+                      <a:prstDash val="solid"/>
+                      <a:round/>
+                      <a:headEnd type="none" w="med" len="med"/>
+                      <a:tailEnd type="none" w="med" len="med"/>
+                    </a:lnB>
+                  </a:tcPr>
+                </a:tc>
+                <a:tc>
+                  <a:txBody>
+                    <a:bodyPr/>
+                    <a:lstStyle/>
+                    <a:p>
+                      <a:pPr algn="l" fontAlgn="b"/>
+                      <a:endParaRPr lang="en-US" sz="1100" b="0" i="0" u="none" strike="noStrike">
+                        <a:solidFill>
+                          <a:srgbClr val="000000"/>
+                        </a:solidFill>
+                        <a:effectLst/>
+                        <a:latin typeface="Calibri" panose="020F0502020204030204" pitchFamily="34" charset="0"/>
+                      </a:endParaRPr>
+                    </a:p>
+                  </a:txBody>
+                  <a:tcPr marL="9525" marR="9525" marT="9525" marB="0" anchor="b">
+                    <a:lnL>
+                      <a:noFill/>
+                    </a:lnL>
+                    <a:lnR>
+                      <a:noFill/>
+                    </a:lnR>
+                    <a:lnT>
+                      <a:noFill/>
+                    </a:lnT>
+                    <a:lnB w="6350" cap="flat" cmpd="sng" algn="ctr">
+                      <a:solidFill>
+                        <a:srgbClr val="000000"/>
+                      </a:solidFill>
+                      <a:prstDash val="solid"/>
+                      <a:round/>
+                      <a:headEnd type="none" w="med" len="med"/>
+                      <a:tailEnd type="none" w="med" len="med"/>
+                    </a:lnB>
+                  </a:tcPr>
+                </a:tc>
+                <a:tc>
+                  <a:txBody>
+                    <a:bodyPr/>
+                    <a:lstStyle/>
+                    <a:p>
+                      <a:pPr algn="l" fontAlgn="b"/>
+                      <a:endParaRPr lang="en-US" sz="1100" b="0" i="0" u="none" strike="noStrike">
+                        <a:solidFill>
+                          <a:srgbClr val="000000"/>
+                        </a:solidFill>
+                        <a:effectLst/>
+                        <a:latin typeface="Calibri" panose="020F0502020204030204" pitchFamily="34" charset="0"/>
+                      </a:endParaRPr>
+                    </a:p>
+                  </a:txBody>
+                  <a:tcPr marL="9525" marR="9525" marT="9525" marB="0" anchor="b">
+                    <a:lnL>
+                      <a:noFill/>
+                    </a:lnL>
+                    <a:lnR>
+                      <a:noFill/>
+                    </a:lnR>
+                    <a:lnT>
+                      <a:noFill/>
+                    </a:lnT>
+                    <a:lnB>
+                      <a:noFill/>
+                    </a:lnB>
+                  </a:tcPr>
+                </a:tc>
+                <a:tc>
+                  <a:txBody>
+                    <a:bodyPr/>
+                    <a:lstStyle/>
+                    <a:p>
+                      <a:pPr algn="l" fontAlgn="b"/>
+                      <a:endParaRPr lang="en-US" sz="1100" b="0" i="0" u="none" strike="noStrike">
+                        <a:solidFill>
+                          <a:srgbClr val="000000"/>
+                        </a:solidFill>
+                        <a:effectLst/>
+                        <a:latin typeface="Calibri" panose="020F0502020204030204" pitchFamily="34" charset="0"/>
+                      </a:endParaRPr>
+                    </a:p>
+                  </a:txBody>
+                  <a:tcPr marL="9525" marR="9525" marT="9525" marB="0" anchor="b">
+                    <a:lnL>
+                      <a:noFill/>
+                    </a:lnL>
+                    <a:lnR>
+                      <a:noFill/>
+                    </a:lnR>
+                    <a:lnT>
+                      <a:noFill/>
+                    </a:lnT>
+                    <a:lnB>
+                      <a:noFill/>
+                    </a:lnB>
+                  </a:tcPr>
+                </a:tc>
+                <a:extLst>
+                  <a:ext uri="{0D108BD9-81ED-4DB2-BD59-A6C34878D82A}">
+                    <a16:rowId xmlns:a16="http://schemas.microsoft.com/office/drawing/2014/main" val="566663119"/>
+                  </a:ext>
+                </a:extLst>
+              </a:tr>
+              <a:tr h="190500">
+                <a:tc>
+                  <a:txBody>
+                    <a:bodyPr/>
+                    <a:lstStyle/>
+                    <a:p>
+                      <a:pPr algn="l" fontAlgn="b"/>
+                      <a:r>
+                        <a:rPr lang="en-US" sz="1100" b="0" i="0" u="none" strike="noStrike">
+                          <a:solidFill>
+                            <a:srgbClr val="000000"/>
+                          </a:solidFill>
+                          <a:effectLst/>
+                          <a:latin typeface="Calibri" panose="020F0502020204030204" pitchFamily="34" charset="0"/>
+                        </a:rPr>
+                        <a:t>fine tuning</a:t>
+                      </a:r>
+                    </a:p>
+                  </a:txBody>
+                  <a:tcPr marL="9525" marR="9525" marT="9525" marB="0" anchor="b">
+                    <a:lnL w="6350" cap="flat" cmpd="sng" algn="ctr">
+                      <a:solidFill>
+                        <a:srgbClr val="000000"/>
+                      </a:solidFill>
+                      <a:prstDash val="solid"/>
+                      <a:round/>
+                      <a:headEnd type="none" w="med" len="med"/>
+                      <a:tailEnd type="none" w="med" len="med"/>
+                    </a:lnL>
+                    <a:lnR w="6350" cap="flat" cmpd="sng" algn="ctr">
+                      <a:solidFill>
+                        <a:srgbClr val="000000"/>
+                      </a:solidFill>
+                      <a:prstDash val="solid"/>
+                      <a:round/>
+                      <a:headEnd type="none" w="med" len="med"/>
+                      <a:tailEnd type="none" w="med" len="med"/>
+                    </a:lnR>
+                    <a:lnT w="6350" cap="flat" cmpd="sng" algn="ctr">
+                      <a:solidFill>
+                        <a:srgbClr val="000000"/>
+                      </a:solidFill>
+                      <a:prstDash val="solid"/>
+                      <a:round/>
+                      <a:headEnd type="none" w="med" len="med"/>
+                      <a:tailEnd type="none" w="med" len="med"/>
+                    </a:lnT>
+                    <a:lnB w="6350" cap="flat" cmpd="sng" algn="ctr">
+                      <a:solidFill>
+                        <a:srgbClr val="000000"/>
+                      </a:solidFill>
+                      <a:prstDash val="solid"/>
+                      <a:round/>
+                      <a:headEnd type="none" w="med" len="med"/>
+                      <a:tailEnd type="none" w="med" len="med"/>
+                    </a:lnB>
+                  </a:tcPr>
+                </a:tc>
+                <a:tc>
+                  <a:txBody>
+                    <a:bodyPr/>
+                    <a:lstStyle/>
+                    <a:p>
+                      <a:pPr algn="l" fontAlgn="b"/>
+                      <a:r>
+                        <a:rPr lang="en-US" sz="1100" b="1" i="0" u="none" strike="noStrike">
+                          <a:solidFill>
+                            <a:srgbClr val="000000"/>
+                          </a:solidFill>
+                          <a:effectLst/>
+                          <a:latin typeface="Calibri" panose="020F0502020204030204" pitchFamily="34" charset="0"/>
+                        </a:rPr>
+                        <a:t>NO</a:t>
+                      </a:r>
+                    </a:p>
+                  </a:txBody>
+                  <a:tcPr marL="9525" marR="9525" marT="9525" marB="0" anchor="b">
+                    <a:lnL w="6350" cap="flat" cmpd="sng" algn="ctr">
+                      <a:solidFill>
+                        <a:srgbClr val="000000"/>
+                      </a:solidFill>
+                      <a:prstDash val="solid"/>
+                      <a:round/>
+                      <a:headEnd type="none" w="med" len="med"/>
+                      <a:tailEnd type="none" w="med" len="med"/>
+                    </a:lnL>
+                    <a:lnR w="6350" cap="flat" cmpd="sng" algn="ctr">
+                      <a:solidFill>
+                        <a:srgbClr val="000000"/>
+                      </a:solidFill>
+                      <a:prstDash val="solid"/>
+                      <a:round/>
+                      <a:headEnd type="none" w="med" len="med"/>
+                      <a:tailEnd type="none" w="med" len="med"/>
+                    </a:lnR>
+                    <a:lnT w="6350" cap="flat" cmpd="sng" algn="ctr">
+                      <a:solidFill>
+                        <a:srgbClr val="000000"/>
+                      </a:solidFill>
+                      <a:prstDash val="solid"/>
+                      <a:round/>
+                      <a:headEnd type="none" w="med" len="med"/>
+                      <a:tailEnd type="none" w="med" len="med"/>
+                    </a:lnT>
+                    <a:lnB w="6350" cap="flat" cmpd="sng" algn="ctr">
+                      <a:solidFill>
+                        <a:srgbClr val="000000"/>
+                      </a:solidFill>
+                      <a:prstDash val="solid"/>
+                      <a:round/>
+                      <a:headEnd type="none" w="med" len="med"/>
+                      <a:tailEnd type="none" w="med" len="med"/>
+                    </a:lnB>
+                    <a:solidFill>
+                      <a:srgbClr val="FFFF00"/>
+                    </a:solidFill>
+                  </a:tcPr>
+                </a:tc>
+                <a:tc>
+                  <a:txBody>
+                    <a:bodyPr/>
+                    <a:lstStyle/>
+                    <a:p>
+                      <a:pPr algn="l" fontAlgn="b"/>
+                      <a:r>
+                        <a:rPr lang="en-US" sz="1100" b="0" i="0" u="none" strike="noStrike">
+                          <a:solidFill>
+                            <a:srgbClr val="000000"/>
+                          </a:solidFill>
+                          <a:effectLst/>
+                          <a:latin typeface="Calibri" panose="020F0502020204030204" pitchFamily="34" charset="0"/>
+                        </a:rPr>
+                        <a:t>dataset</a:t>
+                      </a:r>
+                    </a:p>
+                  </a:txBody>
+                  <a:tcPr marL="9525" marR="9525" marT="9525" marB="0" anchor="b">
+                    <a:lnL w="6350" cap="flat" cmpd="sng" algn="ctr">
+                      <a:solidFill>
+                        <a:srgbClr val="000000"/>
+                      </a:solidFill>
+                      <a:prstDash val="solid"/>
+                      <a:round/>
+                      <a:headEnd type="none" w="med" len="med"/>
+                      <a:tailEnd type="none" w="med" len="med"/>
+                    </a:lnL>
+                    <a:lnR w="6350" cap="flat" cmpd="sng" algn="ctr">
+                      <a:solidFill>
+                        <a:srgbClr val="000000"/>
+                      </a:solidFill>
+                      <a:prstDash val="solid"/>
+                      <a:round/>
+                      <a:headEnd type="none" w="med" len="med"/>
+                      <a:tailEnd type="none" w="med" len="med"/>
+                    </a:lnR>
+                    <a:lnT w="6350" cap="flat" cmpd="sng" algn="ctr">
+                      <a:solidFill>
+                        <a:srgbClr val="000000"/>
+                      </a:solidFill>
+                      <a:prstDash val="solid"/>
+                      <a:round/>
+                      <a:headEnd type="none" w="med" len="med"/>
+                      <a:tailEnd type="none" w="med" len="med"/>
+                    </a:lnT>
+                    <a:lnB w="6350" cap="flat" cmpd="sng" algn="ctr">
+                      <a:solidFill>
+                        <a:srgbClr val="000000"/>
+                      </a:solidFill>
+                      <a:prstDash val="solid"/>
+                      <a:round/>
+                      <a:headEnd type="none" w="med" len="med"/>
+                      <a:tailEnd type="none" w="med" len="med"/>
+                    </a:lnB>
+                  </a:tcPr>
+                </a:tc>
+                <a:tc>
+                  <a:txBody>
+                    <a:bodyPr/>
+                    <a:lstStyle/>
+                    <a:p>
+                      <a:pPr algn="l" fontAlgn="b"/>
+                      <a:r>
+                        <a:rPr lang="en-US" sz="1100" b="1" i="0" u="none" strike="noStrike">
+                          <a:solidFill>
+                            <a:srgbClr val="000000"/>
+                          </a:solidFill>
+                          <a:effectLst/>
+                          <a:latin typeface="Calibri" panose="020F0502020204030204" pitchFamily="34" charset="0"/>
+                        </a:rPr>
+                        <a:t>NULL</a:t>
+                      </a:r>
+                    </a:p>
+                  </a:txBody>
+                  <a:tcPr marL="9525" marR="9525" marT="9525" marB="0" anchor="b">
+                    <a:lnL w="6350" cap="flat" cmpd="sng" algn="ctr">
+                      <a:solidFill>
+                        <a:srgbClr val="000000"/>
+                      </a:solidFill>
+                      <a:prstDash val="solid"/>
+                      <a:round/>
+                      <a:headEnd type="none" w="med" len="med"/>
+                      <a:tailEnd type="none" w="med" len="med"/>
+                    </a:lnL>
+                    <a:lnR w="6350" cap="flat" cmpd="sng" algn="ctr">
+                      <a:solidFill>
+                        <a:srgbClr val="000000"/>
+                      </a:solidFill>
+                      <a:prstDash val="solid"/>
+                      <a:round/>
+                      <a:headEnd type="none" w="med" len="med"/>
+                      <a:tailEnd type="none" w="med" len="med"/>
+                    </a:lnR>
+                    <a:lnT w="6350" cap="flat" cmpd="sng" algn="ctr">
+                      <a:solidFill>
+                        <a:srgbClr val="000000"/>
+                      </a:solidFill>
+                      <a:prstDash val="solid"/>
+                      <a:round/>
+                      <a:headEnd type="none" w="med" len="med"/>
+                      <a:tailEnd type="none" w="med" len="med"/>
+                    </a:lnT>
+                    <a:lnB w="6350" cap="flat" cmpd="sng" algn="ctr">
+                      <a:solidFill>
+                        <a:srgbClr val="000000"/>
+                      </a:solidFill>
+                      <a:prstDash val="solid"/>
+                      <a:round/>
+                      <a:headEnd type="none" w="med" len="med"/>
+                      <a:tailEnd type="none" w="med" len="med"/>
+                    </a:lnB>
+                    <a:solidFill>
+                      <a:srgbClr val="FFFF00"/>
+                    </a:solidFill>
+                  </a:tcPr>
+                </a:tc>
+                <a:tc>
+                  <a:txBody>
+                    <a:bodyPr/>
+                    <a:lstStyle/>
+                    <a:p>
+                      <a:pPr algn="l" fontAlgn="b"/>
+                      <a:endParaRPr lang="en-US" sz="1100" b="0" i="0" u="none" strike="noStrike">
+                        <a:solidFill>
+                          <a:srgbClr val="000000"/>
+                        </a:solidFill>
+                        <a:effectLst/>
+                        <a:latin typeface="Calibri" panose="020F0502020204030204" pitchFamily="34" charset="0"/>
+                      </a:endParaRPr>
+                    </a:p>
+                  </a:txBody>
+                  <a:tcPr marL="9525" marR="9525" marT="9525" marB="0" anchor="b">
+                    <a:lnL w="6350" cap="flat" cmpd="sng" algn="ctr">
+                      <a:solidFill>
+                        <a:srgbClr val="000000"/>
+                      </a:solidFill>
+                      <a:prstDash val="solid"/>
+                      <a:round/>
+                      <a:headEnd type="none" w="med" len="med"/>
+                      <a:tailEnd type="none" w="med" len="med"/>
+                    </a:lnL>
+                    <a:lnR>
+                      <a:noFill/>
+                    </a:lnR>
+                    <a:lnT>
+                      <a:noFill/>
+                    </a:lnT>
+                    <a:lnB>
+                      <a:noFill/>
+                    </a:lnB>
+                  </a:tcPr>
+                </a:tc>
+                <a:tc>
+                  <a:txBody>
+                    <a:bodyPr/>
+                    <a:lstStyle/>
+                    <a:p>
+                      <a:pPr algn="l" fontAlgn="b"/>
+                      <a:endParaRPr lang="en-US" sz="1100" b="0" i="0" u="none" strike="noStrike">
+                        <a:solidFill>
+                          <a:srgbClr val="000000"/>
+                        </a:solidFill>
+                        <a:effectLst/>
+                        <a:latin typeface="Calibri" panose="020F0502020204030204" pitchFamily="34" charset="0"/>
+                      </a:endParaRPr>
+                    </a:p>
+                  </a:txBody>
+                  <a:tcPr marL="9525" marR="9525" marT="9525" marB="0" anchor="b">
+                    <a:lnL>
+                      <a:noFill/>
+                    </a:lnL>
+                    <a:lnR>
+                      <a:noFill/>
+                    </a:lnR>
+                    <a:lnT>
+                      <a:noFill/>
+                    </a:lnT>
+                    <a:lnB>
+                      <a:noFill/>
+                    </a:lnB>
+                  </a:tcPr>
+                </a:tc>
+                <a:extLst>
+                  <a:ext uri="{0D108BD9-81ED-4DB2-BD59-A6C34878D82A}">
+                    <a16:rowId xmlns:a16="http://schemas.microsoft.com/office/drawing/2014/main" val="3001206258"/>
+                  </a:ext>
+                </a:extLst>
+              </a:tr>
+              <a:tr h="190500">
+                <a:tc>
+                  <a:txBody>
+                    <a:bodyPr/>
+                    <a:lstStyle/>
+                    <a:p>
+                      <a:pPr algn="l" fontAlgn="b"/>
+                      <a:r>
+                        <a:rPr lang="en-US" sz="1100" b="0" i="0" u="none" strike="noStrike">
+                          <a:solidFill>
+                            <a:srgbClr val="000000"/>
+                          </a:solidFill>
+                          <a:effectLst/>
+                          <a:latin typeface="Calibri" panose="020F0502020204030204" pitchFamily="34" charset="0"/>
+                        </a:rPr>
+                        <a:t>max_seq</a:t>
+                      </a:r>
+                    </a:p>
+                  </a:txBody>
+                  <a:tcPr marL="9525" marR="9525" marT="9525" marB="0" anchor="b">
+                    <a:lnL w="6350" cap="flat" cmpd="sng" algn="ctr">
+                      <a:solidFill>
+                        <a:srgbClr val="000000"/>
+                      </a:solidFill>
+                      <a:prstDash val="solid"/>
+                      <a:round/>
+                      <a:headEnd type="none" w="med" len="med"/>
+                      <a:tailEnd type="none" w="med" len="med"/>
+                    </a:lnL>
+                    <a:lnR w="6350" cap="flat" cmpd="sng" algn="ctr">
+                      <a:solidFill>
+                        <a:srgbClr val="000000"/>
+                      </a:solidFill>
+                      <a:prstDash val="solid"/>
+                      <a:round/>
+                      <a:headEnd type="none" w="med" len="med"/>
+                      <a:tailEnd type="none" w="med" len="med"/>
+                    </a:lnR>
+                    <a:lnT w="6350" cap="flat" cmpd="sng" algn="ctr">
+                      <a:solidFill>
+                        <a:srgbClr val="000000"/>
+                      </a:solidFill>
+                      <a:prstDash val="solid"/>
+                      <a:round/>
+                      <a:headEnd type="none" w="med" len="med"/>
+                      <a:tailEnd type="none" w="med" len="med"/>
+                    </a:lnT>
+                    <a:lnB w="6350" cap="flat" cmpd="sng" algn="ctr">
+                      <a:solidFill>
+                        <a:srgbClr val="000000"/>
+                      </a:solidFill>
+                      <a:prstDash val="solid"/>
+                      <a:round/>
+                      <a:headEnd type="none" w="med" len="med"/>
+                      <a:tailEnd type="none" w="med" len="med"/>
+                    </a:lnB>
+                  </a:tcPr>
+                </a:tc>
+                <a:tc>
+                  <a:txBody>
+                    <a:bodyPr/>
+                    <a:lstStyle/>
+                    <a:p>
+                      <a:pPr algn="r" fontAlgn="b"/>
+                      <a:r>
+                        <a:rPr lang="en-US" sz="1100" b="1" i="0" u="none" strike="noStrike">
+                          <a:solidFill>
+                            <a:srgbClr val="000000"/>
+                          </a:solidFill>
+                          <a:effectLst/>
+                          <a:latin typeface="Calibri" panose="020F0502020204030204" pitchFamily="34" charset="0"/>
+                        </a:rPr>
+                        <a:t>100</a:t>
+                      </a:r>
+                    </a:p>
+                  </a:txBody>
+                  <a:tcPr marL="9525" marR="9525" marT="9525" marB="0" anchor="b">
+                    <a:lnL w="6350" cap="flat" cmpd="sng" algn="ctr">
+                      <a:solidFill>
+                        <a:srgbClr val="000000"/>
+                      </a:solidFill>
+                      <a:prstDash val="solid"/>
+                      <a:round/>
+                      <a:headEnd type="none" w="med" len="med"/>
+                      <a:tailEnd type="none" w="med" len="med"/>
+                    </a:lnL>
+                    <a:lnR w="6350" cap="flat" cmpd="sng" algn="ctr">
+                      <a:solidFill>
+                        <a:srgbClr val="000000"/>
+                      </a:solidFill>
+                      <a:prstDash val="solid"/>
+                      <a:round/>
+                      <a:headEnd type="none" w="med" len="med"/>
+                      <a:tailEnd type="none" w="med" len="med"/>
+                    </a:lnR>
+                    <a:lnT w="6350" cap="flat" cmpd="sng" algn="ctr">
+                      <a:solidFill>
+                        <a:srgbClr val="000000"/>
+                      </a:solidFill>
+                      <a:prstDash val="solid"/>
+                      <a:round/>
+                      <a:headEnd type="none" w="med" len="med"/>
+                      <a:tailEnd type="none" w="med" len="med"/>
+                    </a:lnT>
+                    <a:lnB w="6350" cap="flat" cmpd="sng" algn="ctr">
+                      <a:solidFill>
+                        <a:srgbClr val="000000"/>
+                      </a:solidFill>
+                      <a:prstDash val="solid"/>
+                      <a:round/>
+                      <a:headEnd type="none" w="med" len="med"/>
+                      <a:tailEnd type="none" w="med" len="med"/>
+                    </a:lnB>
+                    <a:solidFill>
+                      <a:srgbClr val="FFFF00"/>
+                    </a:solidFill>
+                  </a:tcPr>
+                </a:tc>
+                <a:tc>
+                  <a:txBody>
+                    <a:bodyPr/>
+                    <a:lstStyle/>
+                    <a:p>
+                      <a:pPr algn="l" fontAlgn="b"/>
+                      <a:endParaRPr lang="en-US" sz="1100" b="0" i="0" u="none" strike="noStrike">
+                        <a:solidFill>
+                          <a:srgbClr val="000000"/>
+                        </a:solidFill>
+                        <a:effectLst/>
+                        <a:latin typeface="Calibri" panose="020F0502020204030204" pitchFamily="34" charset="0"/>
+                      </a:endParaRPr>
+                    </a:p>
+                  </a:txBody>
+                  <a:tcPr marL="9525" marR="9525" marT="9525" marB="0" anchor="b">
+                    <a:lnL w="6350" cap="flat" cmpd="sng" algn="ctr">
+                      <a:solidFill>
+                        <a:srgbClr val="000000"/>
+                      </a:solidFill>
+                      <a:prstDash val="solid"/>
+                      <a:round/>
+                      <a:headEnd type="none" w="med" len="med"/>
+                      <a:tailEnd type="none" w="med" len="med"/>
+                    </a:lnL>
+                    <a:lnR>
+                      <a:noFill/>
+                    </a:lnR>
+                    <a:lnT w="6350" cap="flat" cmpd="sng" algn="ctr">
+                      <a:solidFill>
+                        <a:srgbClr val="000000"/>
+                      </a:solidFill>
+                      <a:prstDash val="solid"/>
+                      <a:round/>
+                      <a:headEnd type="none" w="med" len="med"/>
+                      <a:tailEnd type="none" w="med" len="med"/>
+                    </a:lnT>
+                    <a:lnB>
+                      <a:noFill/>
+                    </a:lnB>
+                  </a:tcPr>
+                </a:tc>
+                <a:tc>
+                  <a:txBody>
+                    <a:bodyPr/>
+                    <a:lstStyle/>
+                    <a:p>
+                      <a:pPr algn="l" fontAlgn="b"/>
+                      <a:endParaRPr lang="en-US" sz="1100" b="0" i="0" u="none" strike="noStrike">
+                        <a:solidFill>
+                          <a:srgbClr val="000000"/>
+                        </a:solidFill>
+                        <a:effectLst/>
+                        <a:latin typeface="Calibri" panose="020F0502020204030204" pitchFamily="34" charset="0"/>
+                      </a:endParaRPr>
+                    </a:p>
+                  </a:txBody>
+                  <a:tcPr marL="9525" marR="9525" marT="9525" marB="0" anchor="b">
+                    <a:lnL>
+                      <a:noFill/>
+                    </a:lnL>
+                    <a:lnR>
+                      <a:noFill/>
+                    </a:lnR>
+                    <a:lnT w="6350" cap="flat" cmpd="sng" algn="ctr">
+                      <a:solidFill>
+                        <a:srgbClr val="000000"/>
+                      </a:solidFill>
+                      <a:prstDash val="solid"/>
+                      <a:round/>
+                      <a:headEnd type="none" w="med" len="med"/>
+                      <a:tailEnd type="none" w="med" len="med"/>
+                    </a:lnT>
+                    <a:lnB>
+                      <a:noFill/>
+                    </a:lnB>
+                  </a:tcPr>
+                </a:tc>
+                <a:tc>
+                  <a:txBody>
+                    <a:bodyPr/>
+                    <a:lstStyle/>
+                    <a:p>
+                      <a:pPr algn="l" fontAlgn="b"/>
+                      <a:endParaRPr lang="en-US" sz="1100" b="0" i="0" u="none" strike="noStrike">
+                        <a:solidFill>
+                          <a:srgbClr val="000000"/>
+                        </a:solidFill>
+                        <a:effectLst/>
+                        <a:latin typeface="Calibri" panose="020F0502020204030204" pitchFamily="34" charset="0"/>
+                      </a:endParaRPr>
+                    </a:p>
+                  </a:txBody>
+                  <a:tcPr marL="9525" marR="9525" marT="9525" marB="0" anchor="b">
+                    <a:lnL>
+                      <a:noFill/>
+                    </a:lnL>
+                    <a:lnR>
+                      <a:noFill/>
+                    </a:lnR>
+                    <a:lnT>
+                      <a:noFill/>
+                    </a:lnT>
+                    <a:lnB>
+                      <a:noFill/>
+                    </a:lnB>
+                  </a:tcPr>
+                </a:tc>
+                <a:tc>
+                  <a:txBody>
+                    <a:bodyPr/>
+                    <a:lstStyle/>
+                    <a:p>
+                      <a:pPr algn="l" fontAlgn="b"/>
+                      <a:endParaRPr lang="en-US" sz="1100" b="0" i="0" u="none" strike="noStrike">
+                        <a:solidFill>
+                          <a:srgbClr val="000000"/>
+                        </a:solidFill>
+                        <a:effectLst/>
+                        <a:latin typeface="Calibri" panose="020F0502020204030204" pitchFamily="34" charset="0"/>
+                      </a:endParaRPr>
+                    </a:p>
+                  </a:txBody>
+                  <a:tcPr marL="9525" marR="9525" marT="9525" marB="0" anchor="b">
+                    <a:lnL>
+                      <a:noFill/>
+                    </a:lnL>
+                    <a:lnR>
+                      <a:noFill/>
+                    </a:lnR>
+                    <a:lnT>
+                      <a:noFill/>
+                    </a:lnT>
+                    <a:lnB>
+                      <a:noFill/>
+                    </a:lnB>
+                  </a:tcPr>
+                </a:tc>
+                <a:extLst>
+                  <a:ext uri="{0D108BD9-81ED-4DB2-BD59-A6C34878D82A}">
+                    <a16:rowId xmlns:a16="http://schemas.microsoft.com/office/drawing/2014/main" val="838115335"/>
+                  </a:ext>
+                </a:extLst>
+              </a:tr>
+              <a:tr h="190500">
+                <a:tc>
+                  <a:txBody>
+                    <a:bodyPr/>
+                    <a:lstStyle/>
+                    <a:p>
+                      <a:pPr algn="l" fontAlgn="b"/>
+                      <a:r>
+                        <a:rPr lang="en-US" sz="1100" b="0" i="0" u="none" strike="noStrike">
+                          <a:solidFill>
+                            <a:srgbClr val="000000"/>
+                          </a:solidFill>
+                          <a:effectLst/>
+                          <a:latin typeface="Calibri" panose="020F0502020204030204" pitchFamily="34" charset="0"/>
+                        </a:rPr>
+                        <a:t>n_label</a:t>
+                      </a:r>
+                    </a:p>
+                  </a:txBody>
+                  <a:tcPr marL="9525" marR="9525" marT="9525" marB="0" anchor="b">
+                    <a:lnL w="6350" cap="flat" cmpd="sng" algn="ctr">
+                      <a:solidFill>
+                        <a:srgbClr val="000000"/>
+                      </a:solidFill>
+                      <a:prstDash val="solid"/>
+                      <a:round/>
+                      <a:headEnd type="none" w="med" len="med"/>
+                      <a:tailEnd type="none" w="med" len="med"/>
+                    </a:lnL>
+                    <a:lnR w="6350" cap="flat" cmpd="sng" algn="ctr">
+                      <a:solidFill>
+                        <a:srgbClr val="000000"/>
+                      </a:solidFill>
+                      <a:prstDash val="solid"/>
+                      <a:round/>
+                      <a:headEnd type="none" w="med" len="med"/>
+                      <a:tailEnd type="none" w="med" len="med"/>
+                    </a:lnR>
+                    <a:lnT w="6350" cap="flat" cmpd="sng" algn="ctr">
+                      <a:solidFill>
+                        <a:srgbClr val="000000"/>
+                      </a:solidFill>
+                      <a:prstDash val="solid"/>
+                      <a:round/>
+                      <a:headEnd type="none" w="med" len="med"/>
+                      <a:tailEnd type="none" w="med" len="med"/>
+                    </a:lnT>
+                    <a:lnB w="6350" cap="flat" cmpd="sng" algn="ctr">
+                      <a:solidFill>
+                        <a:srgbClr val="000000"/>
+                      </a:solidFill>
+                      <a:prstDash val="solid"/>
+                      <a:round/>
+                      <a:headEnd type="none" w="med" len="med"/>
+                      <a:tailEnd type="none" w="med" len="med"/>
+                    </a:lnB>
+                  </a:tcPr>
+                </a:tc>
+                <a:tc>
+                  <a:txBody>
+                    <a:bodyPr/>
+                    <a:lstStyle/>
+                    <a:p>
+                      <a:pPr algn="r" fontAlgn="b"/>
+                      <a:r>
+                        <a:rPr lang="en-US" sz="1100" b="1" i="0" u="none" strike="noStrike">
+                          <a:solidFill>
+                            <a:srgbClr val="000000"/>
+                          </a:solidFill>
+                          <a:effectLst/>
+                          <a:latin typeface="Calibri" panose="020F0502020204030204" pitchFamily="34" charset="0"/>
+                        </a:rPr>
+                        <a:t>3</a:t>
+                      </a:r>
+                    </a:p>
+                  </a:txBody>
+                  <a:tcPr marL="9525" marR="9525" marT="9525" marB="0" anchor="b">
+                    <a:lnL w="6350" cap="flat" cmpd="sng" algn="ctr">
+                      <a:solidFill>
+                        <a:srgbClr val="000000"/>
+                      </a:solidFill>
+                      <a:prstDash val="solid"/>
+                      <a:round/>
+                      <a:headEnd type="none" w="med" len="med"/>
+                      <a:tailEnd type="none" w="med" len="med"/>
+                    </a:lnL>
+                    <a:lnR w="6350" cap="flat" cmpd="sng" algn="ctr">
+                      <a:solidFill>
+                        <a:srgbClr val="000000"/>
+                      </a:solidFill>
+                      <a:prstDash val="solid"/>
+                      <a:round/>
+                      <a:headEnd type="none" w="med" len="med"/>
+                      <a:tailEnd type="none" w="med" len="med"/>
+                    </a:lnR>
+                    <a:lnT w="6350" cap="flat" cmpd="sng" algn="ctr">
+                      <a:solidFill>
+                        <a:srgbClr val="000000"/>
+                      </a:solidFill>
+                      <a:prstDash val="solid"/>
+                      <a:round/>
+                      <a:headEnd type="none" w="med" len="med"/>
+                      <a:tailEnd type="none" w="med" len="med"/>
+                    </a:lnT>
+                    <a:lnB w="6350" cap="flat" cmpd="sng" algn="ctr">
+                      <a:solidFill>
+                        <a:srgbClr val="000000"/>
+                      </a:solidFill>
+                      <a:prstDash val="solid"/>
+                      <a:round/>
+                      <a:headEnd type="none" w="med" len="med"/>
+                      <a:tailEnd type="none" w="med" len="med"/>
+                    </a:lnB>
+                    <a:solidFill>
+                      <a:srgbClr val="FFFF00"/>
+                    </a:solidFill>
+                  </a:tcPr>
+                </a:tc>
+                <a:tc>
+                  <a:txBody>
+                    <a:bodyPr/>
+                    <a:lstStyle/>
+                    <a:p>
+                      <a:pPr algn="l" fontAlgn="b"/>
+                      <a:endParaRPr lang="en-US" sz="1100" b="0" i="0" u="none" strike="noStrike">
+                        <a:solidFill>
+                          <a:srgbClr val="000000"/>
+                        </a:solidFill>
+                        <a:effectLst/>
+                        <a:latin typeface="Calibri" panose="020F0502020204030204" pitchFamily="34" charset="0"/>
+                      </a:endParaRPr>
+                    </a:p>
+                  </a:txBody>
+                  <a:tcPr marL="9525" marR="9525" marT="9525" marB="0" anchor="b">
+                    <a:lnL w="6350" cap="flat" cmpd="sng" algn="ctr">
+                      <a:solidFill>
+                        <a:srgbClr val="000000"/>
+                      </a:solidFill>
+                      <a:prstDash val="solid"/>
+                      <a:round/>
+                      <a:headEnd type="none" w="med" len="med"/>
+                      <a:tailEnd type="none" w="med" len="med"/>
+                    </a:lnL>
+                    <a:lnR>
+                      <a:noFill/>
+                    </a:lnR>
+                    <a:lnT>
+                      <a:noFill/>
+                    </a:lnT>
+                    <a:lnB>
+                      <a:noFill/>
+                    </a:lnB>
+                  </a:tcPr>
+                </a:tc>
+                <a:tc>
+                  <a:txBody>
+                    <a:bodyPr/>
+                    <a:lstStyle/>
+                    <a:p>
+                      <a:pPr algn="l" fontAlgn="b"/>
+                      <a:endParaRPr lang="en-US" sz="1100" b="0" i="0" u="none" strike="noStrike">
+                        <a:solidFill>
+                          <a:srgbClr val="000000"/>
+                        </a:solidFill>
+                        <a:effectLst/>
+                        <a:latin typeface="Calibri" panose="020F0502020204030204" pitchFamily="34" charset="0"/>
+                      </a:endParaRPr>
+                    </a:p>
+                  </a:txBody>
+                  <a:tcPr marL="9525" marR="9525" marT="9525" marB="0" anchor="b">
+                    <a:lnL>
+                      <a:noFill/>
+                    </a:lnL>
+                    <a:lnR>
+                      <a:noFill/>
+                    </a:lnR>
+                    <a:lnT>
+                      <a:noFill/>
+                    </a:lnT>
+                    <a:lnB>
+                      <a:noFill/>
+                    </a:lnB>
+                  </a:tcPr>
+                </a:tc>
+                <a:tc>
+                  <a:txBody>
+                    <a:bodyPr/>
+                    <a:lstStyle/>
+                    <a:p>
+                      <a:pPr algn="l" fontAlgn="b"/>
+                      <a:endParaRPr lang="en-US" sz="1100" b="0" i="0" u="none" strike="noStrike">
+                        <a:solidFill>
+                          <a:srgbClr val="000000"/>
+                        </a:solidFill>
+                        <a:effectLst/>
+                        <a:latin typeface="Calibri" panose="020F0502020204030204" pitchFamily="34" charset="0"/>
+                      </a:endParaRPr>
+                    </a:p>
+                  </a:txBody>
+                  <a:tcPr marL="9525" marR="9525" marT="9525" marB="0" anchor="b">
+                    <a:lnL>
+                      <a:noFill/>
+                    </a:lnL>
+                    <a:lnR>
+                      <a:noFill/>
+                    </a:lnR>
+                    <a:lnT>
+                      <a:noFill/>
+                    </a:lnT>
+                    <a:lnB>
+                      <a:noFill/>
+                    </a:lnB>
+                  </a:tcPr>
+                </a:tc>
+                <a:tc>
+                  <a:txBody>
+                    <a:bodyPr/>
+                    <a:lstStyle/>
+                    <a:p>
+                      <a:pPr algn="l" fontAlgn="b"/>
+                      <a:endParaRPr lang="en-US" sz="1100" b="0" i="0" u="none" strike="noStrike">
+                        <a:solidFill>
+                          <a:srgbClr val="000000"/>
+                        </a:solidFill>
+                        <a:effectLst/>
+                        <a:latin typeface="Calibri" panose="020F0502020204030204" pitchFamily="34" charset="0"/>
+                      </a:endParaRPr>
+                    </a:p>
+                  </a:txBody>
+                  <a:tcPr marL="9525" marR="9525" marT="9525" marB="0" anchor="b">
+                    <a:lnL>
+                      <a:noFill/>
+                    </a:lnL>
+                    <a:lnR>
+                      <a:noFill/>
+                    </a:lnR>
+                    <a:lnT>
+                      <a:noFill/>
+                    </a:lnT>
+                    <a:lnB>
+                      <a:noFill/>
+                    </a:lnB>
+                  </a:tcPr>
+                </a:tc>
+                <a:extLst>
+                  <a:ext uri="{0D108BD9-81ED-4DB2-BD59-A6C34878D82A}">
+                    <a16:rowId xmlns:a16="http://schemas.microsoft.com/office/drawing/2014/main" val="1276711977"/>
+                  </a:ext>
+                </a:extLst>
+              </a:tr>
+              <a:tr h="190500">
+                <a:tc>
+                  <a:txBody>
+                    <a:bodyPr/>
+                    <a:lstStyle/>
+                    <a:p>
+                      <a:pPr algn="l" fontAlgn="b"/>
+                      <a:r>
+                        <a:rPr lang="en-US" sz="1100" b="0" i="0" u="none" strike="noStrike">
+                          <a:solidFill>
+                            <a:srgbClr val="000000"/>
+                          </a:solidFill>
+                          <a:effectLst/>
+                          <a:latin typeface="Calibri" panose="020F0502020204030204" pitchFamily="34" charset="0"/>
+                        </a:rPr>
+                        <a:t>devset</a:t>
+                      </a:r>
+                    </a:p>
+                  </a:txBody>
+                  <a:tcPr marL="9525" marR="9525" marT="9525" marB="0" anchor="b">
+                    <a:lnL w="6350" cap="flat" cmpd="sng" algn="ctr">
+                      <a:solidFill>
+                        <a:srgbClr val="000000"/>
+                      </a:solidFill>
+                      <a:prstDash val="solid"/>
+                      <a:round/>
+                      <a:headEnd type="none" w="med" len="med"/>
+                      <a:tailEnd type="none" w="med" len="med"/>
+                    </a:lnL>
+                    <a:lnR w="6350" cap="flat" cmpd="sng" algn="ctr">
+                      <a:solidFill>
+                        <a:srgbClr val="000000"/>
+                      </a:solidFill>
+                      <a:prstDash val="solid"/>
+                      <a:round/>
+                      <a:headEnd type="none" w="med" len="med"/>
+                      <a:tailEnd type="none" w="med" len="med"/>
+                    </a:lnR>
+                    <a:lnT w="6350" cap="flat" cmpd="sng" algn="ctr">
+                      <a:solidFill>
+                        <a:srgbClr val="000000"/>
+                      </a:solidFill>
+                      <a:prstDash val="solid"/>
+                      <a:round/>
+                      <a:headEnd type="none" w="med" len="med"/>
+                      <a:tailEnd type="none" w="med" len="med"/>
+                    </a:lnT>
+                    <a:lnB w="6350" cap="flat" cmpd="sng" algn="ctr">
+                      <a:solidFill>
+                        <a:srgbClr val="000000"/>
+                      </a:solidFill>
+                      <a:prstDash val="solid"/>
+                      <a:round/>
+                      <a:headEnd type="none" w="med" len="med"/>
+                      <a:tailEnd type="none" w="med" len="med"/>
+                    </a:lnB>
+                  </a:tcPr>
+                </a:tc>
+                <a:tc>
+                  <a:txBody>
+                    <a:bodyPr/>
+                    <a:lstStyle/>
+                    <a:p>
+                      <a:pPr algn="l" fontAlgn="b"/>
+                      <a:r>
+                        <a:rPr lang="en-US" sz="1100" b="1" i="0" u="none" strike="noStrike">
+                          <a:solidFill>
+                            <a:srgbClr val="000000"/>
+                          </a:solidFill>
+                          <a:effectLst/>
+                          <a:latin typeface="Calibri" panose="020F0502020204030204" pitchFamily="34" charset="0"/>
+                        </a:rPr>
+                        <a:t>nucl</a:t>
+                      </a:r>
+                    </a:p>
+                  </a:txBody>
+                  <a:tcPr marL="9525" marR="9525" marT="9525" marB="0" anchor="b">
+                    <a:lnL w="6350" cap="flat" cmpd="sng" algn="ctr">
+                      <a:solidFill>
+                        <a:srgbClr val="000000"/>
+                      </a:solidFill>
+                      <a:prstDash val="solid"/>
+                      <a:round/>
+                      <a:headEnd type="none" w="med" len="med"/>
+                      <a:tailEnd type="none" w="med" len="med"/>
+                    </a:lnL>
+                    <a:lnR w="6350" cap="flat" cmpd="sng" algn="ctr">
+                      <a:solidFill>
+                        <a:srgbClr val="000000"/>
+                      </a:solidFill>
+                      <a:prstDash val="solid"/>
+                      <a:round/>
+                      <a:headEnd type="none" w="med" len="med"/>
+                      <a:tailEnd type="none" w="med" len="med"/>
+                    </a:lnR>
+                    <a:lnT w="6350" cap="flat" cmpd="sng" algn="ctr">
+                      <a:solidFill>
+                        <a:srgbClr val="000000"/>
+                      </a:solidFill>
+                      <a:prstDash val="solid"/>
+                      <a:round/>
+                      <a:headEnd type="none" w="med" len="med"/>
+                      <a:tailEnd type="none" w="med" len="med"/>
+                    </a:lnT>
+                    <a:lnB w="6350" cap="flat" cmpd="sng" algn="ctr">
+                      <a:solidFill>
+                        <a:srgbClr val="000000"/>
+                      </a:solidFill>
+                      <a:prstDash val="solid"/>
+                      <a:round/>
+                      <a:headEnd type="none" w="med" len="med"/>
+                      <a:tailEnd type="none" w="med" len="med"/>
+                    </a:lnB>
+                    <a:solidFill>
+                      <a:srgbClr val="FFFF00"/>
+                    </a:solidFill>
+                  </a:tcPr>
+                </a:tc>
+                <a:tc>
+                  <a:txBody>
+                    <a:bodyPr/>
+                    <a:lstStyle/>
+                    <a:p>
+                      <a:pPr algn="l" fontAlgn="b"/>
+                      <a:endParaRPr lang="en-US" sz="1100" b="0" i="0" u="none" strike="noStrike">
+                        <a:solidFill>
+                          <a:srgbClr val="000000"/>
+                        </a:solidFill>
+                        <a:effectLst/>
+                        <a:latin typeface="Calibri" panose="020F0502020204030204" pitchFamily="34" charset="0"/>
+                      </a:endParaRPr>
+                    </a:p>
+                  </a:txBody>
+                  <a:tcPr marL="9525" marR="9525" marT="9525" marB="0" anchor="b">
+                    <a:lnL w="6350" cap="flat" cmpd="sng" algn="ctr">
+                      <a:solidFill>
+                        <a:srgbClr val="000000"/>
+                      </a:solidFill>
+                      <a:prstDash val="solid"/>
+                      <a:round/>
+                      <a:headEnd type="none" w="med" len="med"/>
+                      <a:tailEnd type="none" w="med" len="med"/>
+                    </a:lnL>
+                    <a:lnR>
+                      <a:noFill/>
+                    </a:lnR>
+                    <a:lnT>
+                      <a:noFill/>
+                    </a:lnT>
+                    <a:lnB w="6350" cap="flat" cmpd="sng" algn="ctr">
+                      <a:solidFill>
+                        <a:srgbClr val="000000"/>
+                      </a:solidFill>
+                      <a:prstDash val="solid"/>
+                      <a:round/>
+                      <a:headEnd type="none" w="med" len="med"/>
+                      <a:tailEnd type="none" w="med" len="med"/>
+                    </a:lnB>
+                  </a:tcPr>
+                </a:tc>
+                <a:tc>
+                  <a:txBody>
+                    <a:bodyPr/>
+                    <a:lstStyle/>
+                    <a:p>
+                      <a:pPr algn="l" fontAlgn="b"/>
+                      <a:endParaRPr lang="en-US" sz="1100" b="0" i="0" u="none" strike="noStrike">
+                        <a:solidFill>
+                          <a:srgbClr val="000000"/>
+                        </a:solidFill>
+                        <a:effectLst/>
+                        <a:latin typeface="Calibri" panose="020F0502020204030204" pitchFamily="34" charset="0"/>
+                      </a:endParaRPr>
+                    </a:p>
+                  </a:txBody>
+                  <a:tcPr marL="9525" marR="9525" marT="9525" marB="0" anchor="b">
+                    <a:lnL>
+                      <a:noFill/>
+                    </a:lnL>
+                    <a:lnR>
+                      <a:noFill/>
+                    </a:lnR>
+                    <a:lnT>
+                      <a:noFill/>
+                    </a:lnT>
+                    <a:lnB w="6350" cap="flat" cmpd="sng" algn="ctr">
+                      <a:solidFill>
+                        <a:srgbClr val="000000"/>
+                      </a:solidFill>
+                      <a:prstDash val="solid"/>
+                      <a:round/>
+                      <a:headEnd type="none" w="med" len="med"/>
+                      <a:tailEnd type="none" w="med" len="med"/>
+                    </a:lnB>
+                  </a:tcPr>
+                </a:tc>
+                <a:tc>
+                  <a:txBody>
+                    <a:bodyPr/>
+                    <a:lstStyle/>
+                    <a:p>
+                      <a:pPr algn="l" fontAlgn="b"/>
+                      <a:endParaRPr lang="en-US" sz="1100" b="0" i="0" u="none" strike="noStrike">
+                        <a:solidFill>
+                          <a:srgbClr val="000000"/>
+                        </a:solidFill>
+                        <a:effectLst/>
+                        <a:latin typeface="Calibri" panose="020F0502020204030204" pitchFamily="34" charset="0"/>
+                      </a:endParaRPr>
+                    </a:p>
+                  </a:txBody>
+                  <a:tcPr marL="9525" marR="9525" marT="9525" marB="0" anchor="b">
+                    <a:lnL>
+                      <a:noFill/>
+                    </a:lnL>
+                    <a:lnR>
+                      <a:noFill/>
+                    </a:lnR>
+                    <a:lnT>
+                      <a:noFill/>
+                    </a:lnT>
+                    <a:lnB w="6350" cap="flat" cmpd="sng" algn="ctr">
+                      <a:solidFill>
+                        <a:srgbClr val="000000"/>
+                      </a:solidFill>
+                      <a:prstDash val="solid"/>
+                      <a:round/>
+                      <a:headEnd type="none" w="med" len="med"/>
+                      <a:tailEnd type="none" w="med" len="med"/>
+                    </a:lnB>
+                  </a:tcPr>
+                </a:tc>
+                <a:tc>
+                  <a:txBody>
+                    <a:bodyPr/>
+                    <a:lstStyle/>
+                    <a:p>
+                      <a:pPr algn="l" fontAlgn="b"/>
+                      <a:endParaRPr lang="en-US" sz="1100" b="0" i="0" u="none" strike="noStrike">
+                        <a:solidFill>
+                          <a:srgbClr val="000000"/>
+                        </a:solidFill>
+                        <a:effectLst/>
+                        <a:latin typeface="Calibri" panose="020F0502020204030204" pitchFamily="34" charset="0"/>
+                      </a:endParaRPr>
+                    </a:p>
+                  </a:txBody>
+                  <a:tcPr marL="9525" marR="9525" marT="9525" marB="0" anchor="b">
+                    <a:lnL>
+                      <a:noFill/>
+                    </a:lnL>
+                    <a:lnR>
+                      <a:noFill/>
+                    </a:lnR>
+                    <a:lnT>
+                      <a:noFill/>
+                    </a:lnT>
+                    <a:lnB w="6350" cap="flat" cmpd="sng" algn="ctr">
+                      <a:solidFill>
+                        <a:srgbClr val="000000"/>
+                      </a:solidFill>
+                      <a:prstDash val="solid"/>
+                      <a:round/>
+                      <a:headEnd type="none" w="med" len="med"/>
+                      <a:tailEnd type="none" w="med" len="med"/>
+                    </a:lnB>
+                  </a:tcPr>
+                </a:tc>
+                <a:extLst>
+                  <a:ext uri="{0D108BD9-81ED-4DB2-BD59-A6C34878D82A}">
+                    <a16:rowId xmlns:a16="http://schemas.microsoft.com/office/drawing/2014/main" val="1993413594"/>
+                  </a:ext>
+                </a:extLst>
+              </a:tr>
+              <a:tr h="190500">
+                <a:tc>
+                  <a:txBody>
+                    <a:bodyPr/>
+                    <a:lstStyle/>
+                    <a:p>
+                      <a:pPr algn="l" fontAlgn="b"/>
+                      <a:endParaRPr lang="en-US" sz="1100" b="0" i="0" u="none" strike="noStrike">
+                        <a:solidFill>
+                          <a:srgbClr val="000000"/>
+                        </a:solidFill>
+                        <a:effectLst/>
+                        <a:latin typeface="Calibri" panose="020F0502020204030204" pitchFamily="34" charset="0"/>
+                      </a:endParaRPr>
+                    </a:p>
+                  </a:txBody>
+                  <a:tcPr marL="9525" marR="9525" marT="9525" marB="0" anchor="b">
+                    <a:lnL>
+                      <a:noFill/>
+                    </a:lnL>
+                    <a:lnR>
+                      <a:noFill/>
+                    </a:lnR>
+                    <a:lnT w="6350" cap="flat" cmpd="sng" algn="ctr">
+                      <a:solidFill>
+                        <a:srgbClr val="000000"/>
+                      </a:solidFill>
+                      <a:prstDash val="solid"/>
+                      <a:round/>
+                      <a:headEnd type="none" w="med" len="med"/>
+                      <a:tailEnd type="none" w="med" len="med"/>
+                    </a:lnT>
+                    <a:lnB w="6350" cap="flat" cmpd="sng" algn="ctr">
+                      <a:solidFill>
+                        <a:srgbClr val="000000"/>
+                      </a:solidFill>
+                      <a:prstDash val="solid"/>
+                      <a:round/>
+                      <a:headEnd type="none" w="med" len="med"/>
+                      <a:tailEnd type="none" w="med" len="med"/>
+                    </a:lnB>
+                  </a:tcPr>
+                </a:tc>
+                <a:tc>
+                  <a:txBody>
+                    <a:bodyPr/>
+                    <a:lstStyle/>
+                    <a:p>
+                      <a:pPr algn="l" fontAlgn="b"/>
+                      <a:endParaRPr lang="en-US" sz="1100" b="0" i="0" u="none" strike="noStrike">
+                        <a:solidFill>
+                          <a:srgbClr val="000000"/>
+                        </a:solidFill>
+                        <a:effectLst/>
+                        <a:latin typeface="Calibri" panose="020F0502020204030204" pitchFamily="34" charset="0"/>
+                      </a:endParaRPr>
+                    </a:p>
+                  </a:txBody>
+                  <a:tcPr marL="9525" marR="9525" marT="9525" marB="0" anchor="b">
+                    <a:lnL>
+                      <a:noFill/>
+                    </a:lnL>
+                    <a:lnR w="6350" cap="flat" cmpd="sng" algn="ctr">
+                      <a:solidFill>
+                        <a:srgbClr val="000000"/>
+                      </a:solidFill>
+                      <a:prstDash val="solid"/>
+                      <a:round/>
+                      <a:headEnd type="none" w="med" len="med"/>
+                      <a:tailEnd type="none" w="med" len="med"/>
+                    </a:lnR>
+                    <a:lnT w="6350" cap="flat" cmpd="sng" algn="ctr">
+                      <a:solidFill>
+                        <a:srgbClr val="000000"/>
+                      </a:solidFill>
+                      <a:prstDash val="solid"/>
+                      <a:round/>
+                      <a:headEnd type="none" w="med" len="med"/>
+                      <a:tailEnd type="none" w="med" len="med"/>
+                    </a:lnT>
+                    <a:lnB w="6350" cap="flat" cmpd="sng" algn="ctr">
+                      <a:solidFill>
+                        <a:srgbClr val="000000"/>
+                      </a:solidFill>
+                      <a:prstDash val="solid"/>
+                      <a:round/>
+                      <a:headEnd type="none" w="med" len="med"/>
+                      <a:tailEnd type="none" w="med" len="med"/>
+                    </a:lnB>
+                  </a:tcPr>
+                </a:tc>
+                <a:tc>
+                  <a:txBody>
+                    <a:bodyPr/>
+                    <a:lstStyle/>
+                    <a:p>
+                      <a:pPr algn="l" fontAlgn="b"/>
+                      <a:r>
+                        <a:rPr lang="en-US" sz="1100" b="0" i="0" u="none" strike="noStrike">
+                          <a:solidFill>
+                            <a:srgbClr val="000000"/>
+                          </a:solidFill>
+                          <a:effectLst/>
+                          <a:latin typeface="Calibri" panose="020F0502020204030204" pitchFamily="34" charset="0"/>
+                        </a:rPr>
+                        <a:t>k-mer 3</a:t>
+                      </a:r>
+                    </a:p>
+                  </a:txBody>
+                  <a:tcPr marL="9525" marR="9525" marT="9525" marB="0" anchor="b">
+                    <a:lnL w="6350" cap="flat" cmpd="sng" algn="ctr">
+                      <a:solidFill>
+                        <a:srgbClr val="000000"/>
+                      </a:solidFill>
+                      <a:prstDash val="solid"/>
+                      <a:round/>
+                      <a:headEnd type="none" w="med" len="med"/>
+                      <a:tailEnd type="none" w="med" len="med"/>
+                    </a:lnL>
+                    <a:lnR w="6350" cap="flat" cmpd="sng" algn="ctr">
+                      <a:solidFill>
+                        <a:srgbClr val="000000"/>
+                      </a:solidFill>
+                      <a:prstDash val="solid"/>
+                      <a:round/>
+                      <a:headEnd type="none" w="med" len="med"/>
+                      <a:tailEnd type="none" w="med" len="med"/>
+                    </a:lnR>
+                    <a:lnT w="6350" cap="flat" cmpd="sng" algn="ctr">
+                      <a:solidFill>
+                        <a:srgbClr val="000000"/>
+                      </a:solidFill>
+                      <a:prstDash val="solid"/>
+                      <a:round/>
+                      <a:headEnd type="none" w="med" len="med"/>
+                      <a:tailEnd type="none" w="med" len="med"/>
+                    </a:lnT>
+                    <a:lnB w="6350" cap="flat" cmpd="sng" algn="ctr">
+                      <a:solidFill>
+                        <a:srgbClr val="000000"/>
+                      </a:solidFill>
+                      <a:prstDash val="solid"/>
+                      <a:round/>
+                      <a:headEnd type="none" w="med" len="med"/>
+                      <a:tailEnd type="none" w="med" len="med"/>
+                    </a:lnB>
+                  </a:tcPr>
+                </a:tc>
+                <a:tc>
+                  <a:txBody>
+                    <a:bodyPr/>
+                    <a:lstStyle/>
+                    <a:p>
+                      <a:pPr algn="l" fontAlgn="b"/>
+                      <a:r>
+                        <a:rPr lang="en-US" sz="1100" b="0" i="0" u="none" strike="noStrike">
+                          <a:solidFill>
+                            <a:srgbClr val="000000"/>
+                          </a:solidFill>
+                          <a:effectLst/>
+                          <a:latin typeface="Calibri" panose="020F0502020204030204" pitchFamily="34" charset="0"/>
+                        </a:rPr>
+                        <a:t>k-mer 4</a:t>
+                      </a:r>
+                    </a:p>
+                  </a:txBody>
+                  <a:tcPr marL="9525" marR="9525" marT="9525" marB="0" anchor="b">
+                    <a:lnL w="6350" cap="flat" cmpd="sng" algn="ctr">
+                      <a:solidFill>
+                        <a:srgbClr val="000000"/>
+                      </a:solidFill>
+                      <a:prstDash val="solid"/>
+                      <a:round/>
+                      <a:headEnd type="none" w="med" len="med"/>
+                      <a:tailEnd type="none" w="med" len="med"/>
+                    </a:lnL>
+                    <a:lnR w="6350" cap="flat" cmpd="sng" algn="ctr">
+                      <a:solidFill>
+                        <a:srgbClr val="000000"/>
+                      </a:solidFill>
+                      <a:prstDash val="solid"/>
+                      <a:round/>
+                      <a:headEnd type="none" w="med" len="med"/>
+                      <a:tailEnd type="none" w="med" len="med"/>
+                    </a:lnR>
+                    <a:lnT w="6350" cap="flat" cmpd="sng" algn="ctr">
+                      <a:solidFill>
+                        <a:srgbClr val="000000"/>
+                      </a:solidFill>
+                      <a:prstDash val="solid"/>
+                      <a:round/>
+                      <a:headEnd type="none" w="med" len="med"/>
+                      <a:tailEnd type="none" w="med" len="med"/>
+                    </a:lnT>
+                    <a:lnB w="6350" cap="flat" cmpd="sng" algn="ctr">
+                      <a:solidFill>
+                        <a:srgbClr val="000000"/>
+                      </a:solidFill>
+                      <a:prstDash val="solid"/>
+                      <a:round/>
+                      <a:headEnd type="none" w="med" len="med"/>
+                      <a:tailEnd type="none" w="med" len="med"/>
+                    </a:lnB>
+                  </a:tcPr>
+                </a:tc>
+                <a:tc>
+                  <a:txBody>
+                    <a:bodyPr/>
+                    <a:lstStyle/>
+                    <a:p>
+                      <a:pPr algn="l" fontAlgn="b"/>
+                      <a:r>
+                        <a:rPr lang="en-US" sz="1100" b="0" i="0" u="none" strike="noStrike">
+                          <a:solidFill>
+                            <a:srgbClr val="000000"/>
+                          </a:solidFill>
+                          <a:effectLst/>
+                          <a:latin typeface="Calibri" panose="020F0502020204030204" pitchFamily="34" charset="0"/>
+                        </a:rPr>
+                        <a:t>k-mer 5</a:t>
+                      </a:r>
+                    </a:p>
+                  </a:txBody>
+                  <a:tcPr marL="9525" marR="9525" marT="9525" marB="0" anchor="b">
+                    <a:lnL w="6350" cap="flat" cmpd="sng" algn="ctr">
+                      <a:solidFill>
+                        <a:srgbClr val="000000"/>
+                      </a:solidFill>
+                      <a:prstDash val="solid"/>
+                      <a:round/>
+                      <a:headEnd type="none" w="med" len="med"/>
+                      <a:tailEnd type="none" w="med" len="med"/>
+                    </a:lnL>
+                    <a:lnR w="6350" cap="flat" cmpd="sng" algn="ctr">
+                      <a:solidFill>
+                        <a:srgbClr val="000000"/>
+                      </a:solidFill>
+                      <a:prstDash val="solid"/>
+                      <a:round/>
+                      <a:headEnd type="none" w="med" len="med"/>
+                      <a:tailEnd type="none" w="med" len="med"/>
+                    </a:lnR>
+                    <a:lnT w="6350" cap="flat" cmpd="sng" algn="ctr">
+                      <a:solidFill>
+                        <a:srgbClr val="000000"/>
+                      </a:solidFill>
+                      <a:prstDash val="solid"/>
+                      <a:round/>
+                      <a:headEnd type="none" w="med" len="med"/>
+                      <a:tailEnd type="none" w="med" len="med"/>
+                    </a:lnT>
+                    <a:lnB w="6350" cap="flat" cmpd="sng" algn="ctr">
+                      <a:solidFill>
+                        <a:srgbClr val="000000"/>
+                      </a:solidFill>
+                      <a:prstDash val="solid"/>
+                      <a:round/>
+                      <a:headEnd type="none" w="med" len="med"/>
+                      <a:tailEnd type="none" w="med" len="med"/>
+                    </a:lnB>
+                  </a:tcPr>
+                </a:tc>
+                <a:tc>
+                  <a:txBody>
+                    <a:bodyPr/>
+                    <a:lstStyle/>
+                    <a:p>
+                      <a:pPr algn="l" fontAlgn="b"/>
+                      <a:r>
+                        <a:rPr lang="en-US" sz="1100" b="0" i="0" u="none" strike="noStrike">
+                          <a:solidFill>
+                            <a:srgbClr val="000000"/>
+                          </a:solidFill>
+                          <a:effectLst/>
+                          <a:latin typeface="Calibri" panose="020F0502020204030204" pitchFamily="34" charset="0"/>
+                        </a:rPr>
+                        <a:t>k-mer 6</a:t>
+                      </a:r>
+                    </a:p>
+                  </a:txBody>
+                  <a:tcPr marL="9525" marR="9525" marT="9525" marB="0" anchor="b">
+                    <a:lnL w="6350" cap="flat" cmpd="sng" algn="ctr">
+                      <a:solidFill>
+                        <a:srgbClr val="000000"/>
+                      </a:solidFill>
+                      <a:prstDash val="solid"/>
+                      <a:round/>
+                      <a:headEnd type="none" w="med" len="med"/>
+                      <a:tailEnd type="none" w="med" len="med"/>
+                    </a:lnL>
+                    <a:lnR w="6350" cap="flat" cmpd="sng" algn="ctr">
+                      <a:solidFill>
+                        <a:srgbClr val="000000"/>
+                      </a:solidFill>
+                      <a:prstDash val="solid"/>
+                      <a:round/>
+                      <a:headEnd type="none" w="med" len="med"/>
+                      <a:tailEnd type="none" w="med" len="med"/>
+                    </a:lnR>
+                    <a:lnT w="6350" cap="flat" cmpd="sng" algn="ctr">
+                      <a:solidFill>
+                        <a:srgbClr val="000000"/>
+                      </a:solidFill>
+                      <a:prstDash val="solid"/>
+                      <a:round/>
+                      <a:headEnd type="none" w="med" len="med"/>
+                      <a:tailEnd type="none" w="med" len="med"/>
+                    </a:lnT>
+                    <a:lnB w="6350" cap="flat" cmpd="sng" algn="ctr">
+                      <a:solidFill>
+                        <a:srgbClr val="000000"/>
+                      </a:solidFill>
+                      <a:prstDash val="solid"/>
+                      <a:round/>
+                      <a:headEnd type="none" w="med" len="med"/>
+                      <a:tailEnd type="none" w="med" len="med"/>
+                    </a:lnB>
+                  </a:tcPr>
+                </a:tc>
+                <a:extLst>
+                  <a:ext uri="{0D108BD9-81ED-4DB2-BD59-A6C34878D82A}">
+                    <a16:rowId xmlns:a16="http://schemas.microsoft.com/office/drawing/2014/main" val="4286213169"/>
+                  </a:ext>
+                </a:extLst>
+              </a:tr>
+              <a:tr h="190500">
+                <a:tc rowSpan="3">
+                  <a:txBody>
+                    <a:bodyPr/>
+                    <a:lstStyle/>
+                    <a:p>
+                      <a:pPr algn="ctr" fontAlgn="ctr"/>
+                      <a:r>
+                        <a:rPr lang="en-US" sz="1100" b="0" i="0" u="none" strike="noStrike">
+                          <a:solidFill>
+                            <a:srgbClr val="000000"/>
+                          </a:solidFill>
+                          <a:effectLst/>
+                          <a:latin typeface="Calibri" panose="020F0502020204030204" pitchFamily="34" charset="0"/>
+                        </a:rPr>
+                        <a:t>metrics</a:t>
+                      </a:r>
+                    </a:p>
+                  </a:txBody>
+                  <a:tcPr marL="9525" marR="9525" marT="9525" marB="0" anchor="ctr">
+                    <a:lnL w="6350" cap="flat" cmpd="sng" algn="ctr">
+                      <a:solidFill>
+                        <a:srgbClr val="000000"/>
+                      </a:solidFill>
+                      <a:prstDash val="solid"/>
+                      <a:round/>
+                      <a:headEnd type="none" w="med" len="med"/>
+                      <a:tailEnd type="none" w="med" len="med"/>
+                    </a:lnL>
+                    <a:lnR w="6350" cap="flat" cmpd="sng" algn="ctr">
+                      <a:solidFill>
+                        <a:srgbClr val="000000"/>
+                      </a:solidFill>
+                      <a:prstDash val="solid"/>
+                      <a:round/>
+                      <a:headEnd type="none" w="med" len="med"/>
+                      <a:tailEnd type="none" w="med" len="med"/>
+                    </a:lnR>
+                    <a:lnT w="6350" cap="flat" cmpd="sng" algn="ctr">
+                      <a:solidFill>
+                        <a:srgbClr val="000000"/>
+                      </a:solidFill>
+                      <a:prstDash val="solid"/>
+                      <a:round/>
+                      <a:headEnd type="none" w="med" len="med"/>
+                      <a:tailEnd type="none" w="med" len="med"/>
+                    </a:lnT>
+                    <a:lnB w="6350" cap="flat" cmpd="sng" algn="ctr">
+                      <a:solidFill>
+                        <a:srgbClr val="000000"/>
+                      </a:solidFill>
+                      <a:prstDash val="solid"/>
+                      <a:round/>
+                      <a:headEnd type="none" w="med" len="med"/>
+                      <a:tailEnd type="none" w="med" len="med"/>
+                    </a:lnB>
+                  </a:tcPr>
+                </a:tc>
+                <a:tc>
+                  <a:txBody>
+                    <a:bodyPr/>
+                    <a:lstStyle/>
+                    <a:p>
+                      <a:pPr algn="l" fontAlgn="b"/>
+                      <a:r>
+                        <a:rPr lang="en-US" sz="1100" b="0" i="0" u="none" strike="noStrike">
+                          <a:solidFill>
+                            <a:srgbClr val="000000"/>
+                          </a:solidFill>
+                          <a:effectLst/>
+                          <a:latin typeface="Calibri" panose="020F0502020204030204" pitchFamily="34" charset="0"/>
+                        </a:rPr>
+                        <a:t>acc</a:t>
+                      </a:r>
+                    </a:p>
+                  </a:txBody>
+                  <a:tcPr marL="9525" marR="9525" marT="9525" marB="0" anchor="b">
+                    <a:lnL w="6350" cap="flat" cmpd="sng" algn="ctr">
+                      <a:solidFill>
+                        <a:srgbClr val="000000"/>
+                      </a:solidFill>
+                      <a:prstDash val="solid"/>
+                      <a:round/>
+                      <a:headEnd type="none" w="med" len="med"/>
+                      <a:tailEnd type="none" w="med" len="med"/>
+                    </a:lnL>
+                    <a:lnR w="6350" cap="flat" cmpd="sng" algn="ctr">
+                      <a:solidFill>
+                        <a:srgbClr val="000000"/>
+                      </a:solidFill>
+                      <a:prstDash val="solid"/>
+                      <a:round/>
+                      <a:headEnd type="none" w="med" len="med"/>
+                      <a:tailEnd type="none" w="med" len="med"/>
+                    </a:lnR>
+                    <a:lnT w="6350" cap="flat" cmpd="sng" algn="ctr">
+                      <a:solidFill>
+                        <a:srgbClr val="000000"/>
+                      </a:solidFill>
+                      <a:prstDash val="solid"/>
+                      <a:round/>
+                      <a:headEnd type="none" w="med" len="med"/>
+                      <a:tailEnd type="none" w="med" len="med"/>
+                    </a:lnT>
+                    <a:lnB w="6350" cap="flat" cmpd="sng" algn="ctr">
+                      <a:solidFill>
+                        <a:srgbClr val="000000"/>
+                      </a:solidFill>
+                      <a:prstDash val="solid"/>
+                      <a:round/>
+                      <a:headEnd type="none" w="med" len="med"/>
+                      <a:tailEnd type="none" w="med" len="med"/>
+                    </a:lnB>
+                  </a:tcPr>
+                </a:tc>
+                <a:tc>
+                  <a:txBody>
+                    <a:bodyPr/>
+                    <a:lstStyle/>
+                    <a:p>
+                      <a:pPr algn="r" fontAlgn="b"/>
+                      <a:r>
+                        <a:rPr lang="en-US" sz="1100" b="0" i="0" u="none" strike="noStrike">
+                          <a:solidFill>
+                            <a:srgbClr val="000000"/>
+                          </a:solidFill>
+                          <a:effectLst/>
+                          <a:latin typeface="Calibri" panose="020F0502020204030204" pitchFamily="34" charset="0"/>
+                        </a:rPr>
+                        <a:t>0.343333</a:t>
+                      </a:r>
+                    </a:p>
+                  </a:txBody>
+                  <a:tcPr marL="9525" marR="9525" marT="9525" marB="0" anchor="b">
+                    <a:lnL w="6350" cap="flat" cmpd="sng" algn="ctr">
+                      <a:solidFill>
+                        <a:srgbClr val="000000"/>
+                      </a:solidFill>
+                      <a:prstDash val="solid"/>
+                      <a:round/>
+                      <a:headEnd type="none" w="med" len="med"/>
+                      <a:tailEnd type="none" w="med" len="med"/>
+                    </a:lnL>
+                    <a:lnR w="6350" cap="flat" cmpd="sng" algn="ctr">
+                      <a:solidFill>
+                        <a:srgbClr val="000000"/>
+                      </a:solidFill>
+                      <a:prstDash val="solid"/>
+                      <a:round/>
+                      <a:headEnd type="none" w="med" len="med"/>
+                      <a:tailEnd type="none" w="med" len="med"/>
+                    </a:lnR>
+                    <a:lnT w="6350" cap="flat" cmpd="sng" algn="ctr">
+                      <a:solidFill>
+                        <a:srgbClr val="000000"/>
+                      </a:solidFill>
+                      <a:prstDash val="solid"/>
+                      <a:round/>
+                      <a:headEnd type="none" w="med" len="med"/>
+                      <a:tailEnd type="none" w="med" len="med"/>
+                    </a:lnT>
+                    <a:lnB w="6350" cap="flat" cmpd="sng" algn="ctr">
+                      <a:solidFill>
+                        <a:srgbClr val="000000"/>
+                      </a:solidFill>
+                      <a:prstDash val="solid"/>
+                      <a:round/>
+                      <a:headEnd type="none" w="med" len="med"/>
+                      <a:tailEnd type="none" w="med" len="med"/>
+                    </a:lnB>
+                  </a:tcPr>
+                </a:tc>
+                <a:tc>
+                  <a:txBody>
+                    <a:bodyPr/>
+                    <a:lstStyle/>
+                    <a:p>
+                      <a:pPr algn="r" fontAlgn="b"/>
+                      <a:r>
+                        <a:rPr lang="en-US" sz="1100" b="0" i="0" u="none" strike="noStrike">
+                          <a:solidFill>
+                            <a:srgbClr val="000000"/>
+                          </a:solidFill>
+                          <a:effectLst/>
+                          <a:latin typeface="Calibri" panose="020F0502020204030204" pitchFamily="34" charset="0"/>
+                        </a:rPr>
+                        <a:t>0.123333333</a:t>
+                      </a:r>
+                    </a:p>
+                  </a:txBody>
+                  <a:tcPr marL="9525" marR="9525" marT="9525" marB="0" anchor="b">
+                    <a:lnL w="6350" cap="flat" cmpd="sng" algn="ctr">
+                      <a:solidFill>
+                        <a:srgbClr val="000000"/>
+                      </a:solidFill>
+                      <a:prstDash val="solid"/>
+                      <a:round/>
+                      <a:headEnd type="none" w="med" len="med"/>
+                      <a:tailEnd type="none" w="med" len="med"/>
+                    </a:lnL>
+                    <a:lnR w="6350" cap="flat" cmpd="sng" algn="ctr">
+                      <a:solidFill>
+                        <a:srgbClr val="000000"/>
+                      </a:solidFill>
+                      <a:prstDash val="solid"/>
+                      <a:round/>
+                      <a:headEnd type="none" w="med" len="med"/>
+                      <a:tailEnd type="none" w="med" len="med"/>
+                    </a:lnR>
+                    <a:lnT w="6350" cap="flat" cmpd="sng" algn="ctr">
+                      <a:solidFill>
+                        <a:srgbClr val="000000"/>
+                      </a:solidFill>
+                      <a:prstDash val="solid"/>
+                      <a:round/>
+                      <a:headEnd type="none" w="med" len="med"/>
+                      <a:tailEnd type="none" w="med" len="med"/>
+                    </a:lnT>
+                    <a:lnB w="6350" cap="flat" cmpd="sng" algn="ctr">
+                      <a:solidFill>
+                        <a:srgbClr val="000000"/>
+                      </a:solidFill>
+                      <a:prstDash val="solid"/>
+                      <a:round/>
+                      <a:headEnd type="none" w="med" len="med"/>
+                      <a:tailEnd type="none" w="med" len="med"/>
+                    </a:lnB>
+                  </a:tcPr>
+                </a:tc>
+                <a:tc>
+                  <a:txBody>
+                    <a:bodyPr/>
+                    <a:lstStyle/>
+                    <a:p>
+                      <a:pPr algn="r" fontAlgn="b"/>
+                      <a:r>
+                        <a:rPr lang="en-US" sz="1100" b="0" i="0" u="none" strike="noStrike" dirty="0">
+                          <a:solidFill>
+                            <a:srgbClr val="000000"/>
+                          </a:solidFill>
+                          <a:effectLst/>
+                          <a:latin typeface="Calibri" panose="020F0502020204030204" pitchFamily="34" charset="0"/>
+                        </a:rPr>
+                        <a:t>0.273333</a:t>
+                      </a:r>
+                    </a:p>
+                  </a:txBody>
+                  <a:tcPr marL="9525" marR="9525" marT="9525" marB="0" anchor="b">
+                    <a:lnL w="6350" cap="flat" cmpd="sng" algn="ctr">
+                      <a:solidFill>
+                        <a:srgbClr val="000000"/>
+                      </a:solidFill>
+                      <a:prstDash val="solid"/>
+                      <a:round/>
+                      <a:headEnd type="none" w="med" len="med"/>
+                      <a:tailEnd type="none" w="med" len="med"/>
+                    </a:lnL>
+                    <a:lnR w="6350" cap="flat" cmpd="sng" algn="ctr">
+                      <a:solidFill>
+                        <a:srgbClr val="000000"/>
+                      </a:solidFill>
+                      <a:prstDash val="solid"/>
+                      <a:round/>
+                      <a:headEnd type="none" w="med" len="med"/>
+                      <a:tailEnd type="none" w="med" len="med"/>
+                    </a:lnR>
+                    <a:lnT w="6350" cap="flat" cmpd="sng" algn="ctr">
+                      <a:solidFill>
+                        <a:srgbClr val="000000"/>
+                      </a:solidFill>
+                      <a:prstDash val="solid"/>
+                      <a:round/>
+                      <a:headEnd type="none" w="med" len="med"/>
+                      <a:tailEnd type="none" w="med" len="med"/>
+                    </a:lnT>
+                    <a:lnB w="6350" cap="flat" cmpd="sng" algn="ctr">
+                      <a:solidFill>
+                        <a:srgbClr val="000000"/>
+                      </a:solidFill>
+                      <a:prstDash val="solid"/>
+                      <a:round/>
+                      <a:headEnd type="none" w="med" len="med"/>
+                      <a:tailEnd type="none" w="med" len="med"/>
+                    </a:lnB>
+                  </a:tcPr>
+                </a:tc>
+                <a:tc>
+                  <a:txBody>
+                    <a:bodyPr/>
+                    <a:lstStyle/>
+                    <a:p>
+                      <a:pPr algn="r" fontAlgn="b"/>
+                      <a:r>
+                        <a:rPr lang="en-US" sz="1100" b="0" i="0" u="none" strike="noStrike">
+                          <a:solidFill>
+                            <a:srgbClr val="000000"/>
+                          </a:solidFill>
+                          <a:effectLst/>
+                          <a:latin typeface="Calibri" panose="020F0502020204030204" pitchFamily="34" charset="0"/>
+                        </a:rPr>
+                        <a:t>0.196667</a:t>
+                      </a:r>
+                    </a:p>
+                  </a:txBody>
+                  <a:tcPr marL="9525" marR="9525" marT="9525" marB="0" anchor="b">
+                    <a:lnL w="6350" cap="flat" cmpd="sng" algn="ctr">
+                      <a:solidFill>
+                        <a:srgbClr val="000000"/>
+                      </a:solidFill>
+                      <a:prstDash val="solid"/>
+                      <a:round/>
+                      <a:headEnd type="none" w="med" len="med"/>
+                      <a:tailEnd type="none" w="med" len="med"/>
+                    </a:lnL>
+                    <a:lnR w="6350" cap="flat" cmpd="sng" algn="ctr">
+                      <a:solidFill>
+                        <a:srgbClr val="000000"/>
+                      </a:solidFill>
+                      <a:prstDash val="solid"/>
+                      <a:round/>
+                      <a:headEnd type="none" w="med" len="med"/>
+                      <a:tailEnd type="none" w="med" len="med"/>
+                    </a:lnR>
+                    <a:lnT w="6350" cap="flat" cmpd="sng" algn="ctr">
+                      <a:solidFill>
+                        <a:srgbClr val="000000"/>
+                      </a:solidFill>
+                      <a:prstDash val="solid"/>
+                      <a:round/>
+                      <a:headEnd type="none" w="med" len="med"/>
+                      <a:tailEnd type="none" w="med" len="med"/>
+                    </a:lnT>
+                    <a:lnB w="6350" cap="flat" cmpd="sng" algn="ctr">
+                      <a:solidFill>
+                        <a:srgbClr val="000000"/>
+                      </a:solidFill>
+                      <a:prstDash val="solid"/>
+                      <a:round/>
+                      <a:headEnd type="none" w="med" len="med"/>
+                      <a:tailEnd type="none" w="med" len="med"/>
+                    </a:lnB>
+                  </a:tcPr>
+                </a:tc>
+                <a:extLst>
+                  <a:ext uri="{0D108BD9-81ED-4DB2-BD59-A6C34878D82A}">
+                    <a16:rowId xmlns:a16="http://schemas.microsoft.com/office/drawing/2014/main" val="169113419"/>
+                  </a:ext>
+                </a:extLst>
+              </a:tr>
+              <a:tr h="190500">
+                <a:tc vMerge="1">
+                  <a:txBody>
+                    <a:bodyPr/>
+                    <a:lstStyle/>
+                    <a:p>
+                      <a:endParaRPr lang="en-US"/>
+                    </a:p>
+                  </a:txBody>
+                  <a:tcPr/>
+                </a:tc>
+                <a:tc>
+                  <a:txBody>
+                    <a:bodyPr/>
+                    <a:lstStyle/>
+                    <a:p>
+                      <a:pPr algn="l" fontAlgn="b"/>
+                      <a:r>
+                        <a:rPr lang="en-US" sz="1100" b="0" i="0" u="none" strike="noStrike">
+                          <a:solidFill>
+                            <a:srgbClr val="000000"/>
+                          </a:solidFill>
+                          <a:effectLst/>
+                          <a:latin typeface="Calibri" panose="020F0502020204030204" pitchFamily="34" charset="0"/>
+                        </a:rPr>
+                        <a:t>precision</a:t>
+                      </a:r>
+                    </a:p>
+                  </a:txBody>
+                  <a:tcPr marL="9525" marR="9525" marT="9525" marB="0" anchor="b">
+                    <a:lnL w="6350" cap="flat" cmpd="sng" algn="ctr">
+                      <a:solidFill>
+                        <a:srgbClr val="000000"/>
+                      </a:solidFill>
+                      <a:prstDash val="solid"/>
+                      <a:round/>
+                      <a:headEnd type="none" w="med" len="med"/>
+                      <a:tailEnd type="none" w="med" len="med"/>
+                    </a:lnL>
+                    <a:lnR w="6350" cap="flat" cmpd="sng" algn="ctr">
+                      <a:solidFill>
+                        <a:srgbClr val="000000"/>
+                      </a:solidFill>
+                      <a:prstDash val="solid"/>
+                      <a:round/>
+                      <a:headEnd type="none" w="med" len="med"/>
+                      <a:tailEnd type="none" w="med" len="med"/>
+                    </a:lnR>
+                    <a:lnT w="6350" cap="flat" cmpd="sng" algn="ctr">
+                      <a:solidFill>
+                        <a:srgbClr val="000000"/>
+                      </a:solidFill>
+                      <a:prstDash val="solid"/>
+                      <a:round/>
+                      <a:headEnd type="none" w="med" len="med"/>
+                      <a:tailEnd type="none" w="med" len="med"/>
+                    </a:lnT>
+                    <a:lnB w="6350" cap="flat" cmpd="sng" algn="ctr">
+                      <a:solidFill>
+                        <a:srgbClr val="000000"/>
+                      </a:solidFill>
+                      <a:prstDash val="solid"/>
+                      <a:round/>
+                      <a:headEnd type="none" w="med" len="med"/>
+                      <a:tailEnd type="none" w="med" len="med"/>
+                    </a:lnB>
+                  </a:tcPr>
+                </a:tc>
+                <a:tc>
+                  <a:txBody>
+                    <a:bodyPr/>
+                    <a:lstStyle/>
+                    <a:p>
+                      <a:pPr algn="r" fontAlgn="b"/>
+                      <a:r>
+                        <a:rPr lang="en-US" sz="1100" b="0" i="0" u="none" strike="noStrike">
+                          <a:solidFill>
+                            <a:srgbClr val="000000"/>
+                          </a:solidFill>
+                          <a:effectLst/>
+                          <a:latin typeface="Calibri" panose="020F0502020204030204" pitchFamily="34" charset="0"/>
+                        </a:rPr>
+                        <a:t>0.21558</a:t>
+                      </a:r>
+                    </a:p>
+                  </a:txBody>
+                  <a:tcPr marL="9525" marR="9525" marT="9525" marB="0" anchor="b">
+                    <a:lnL w="6350" cap="flat" cmpd="sng" algn="ctr">
+                      <a:solidFill>
+                        <a:srgbClr val="000000"/>
+                      </a:solidFill>
+                      <a:prstDash val="solid"/>
+                      <a:round/>
+                      <a:headEnd type="none" w="med" len="med"/>
+                      <a:tailEnd type="none" w="med" len="med"/>
+                    </a:lnL>
+                    <a:lnR w="6350" cap="flat" cmpd="sng" algn="ctr">
+                      <a:solidFill>
+                        <a:srgbClr val="000000"/>
+                      </a:solidFill>
+                      <a:prstDash val="solid"/>
+                      <a:round/>
+                      <a:headEnd type="none" w="med" len="med"/>
+                      <a:tailEnd type="none" w="med" len="med"/>
+                    </a:lnR>
+                    <a:lnT w="6350" cap="flat" cmpd="sng" algn="ctr">
+                      <a:solidFill>
+                        <a:srgbClr val="000000"/>
+                      </a:solidFill>
+                      <a:prstDash val="solid"/>
+                      <a:round/>
+                      <a:headEnd type="none" w="med" len="med"/>
+                      <a:tailEnd type="none" w="med" len="med"/>
+                    </a:lnT>
+                    <a:lnB w="6350" cap="flat" cmpd="sng" algn="ctr">
+                      <a:solidFill>
+                        <a:srgbClr val="000000"/>
+                      </a:solidFill>
+                      <a:prstDash val="solid"/>
+                      <a:round/>
+                      <a:headEnd type="none" w="med" len="med"/>
+                      <a:tailEnd type="none" w="med" len="med"/>
+                    </a:lnB>
+                  </a:tcPr>
+                </a:tc>
+                <a:tc>
+                  <a:txBody>
+                    <a:bodyPr/>
+                    <a:lstStyle/>
+                    <a:p>
+                      <a:pPr algn="r" fontAlgn="b"/>
+                      <a:r>
+                        <a:rPr lang="en-US" sz="1100" b="0" i="0" u="none" strike="noStrike">
+                          <a:solidFill>
+                            <a:srgbClr val="000000"/>
+                          </a:solidFill>
+                          <a:effectLst/>
+                          <a:latin typeface="Calibri" panose="020F0502020204030204" pitchFamily="34" charset="0"/>
+                        </a:rPr>
+                        <a:t>0.146485859</a:t>
+                      </a:r>
+                    </a:p>
+                  </a:txBody>
+                  <a:tcPr marL="9525" marR="9525" marT="9525" marB="0" anchor="b">
+                    <a:lnL w="6350" cap="flat" cmpd="sng" algn="ctr">
+                      <a:solidFill>
+                        <a:srgbClr val="000000"/>
+                      </a:solidFill>
+                      <a:prstDash val="solid"/>
+                      <a:round/>
+                      <a:headEnd type="none" w="med" len="med"/>
+                      <a:tailEnd type="none" w="med" len="med"/>
+                    </a:lnL>
+                    <a:lnR w="6350" cap="flat" cmpd="sng" algn="ctr">
+                      <a:solidFill>
+                        <a:srgbClr val="000000"/>
+                      </a:solidFill>
+                      <a:prstDash val="solid"/>
+                      <a:round/>
+                      <a:headEnd type="none" w="med" len="med"/>
+                      <a:tailEnd type="none" w="med" len="med"/>
+                    </a:lnR>
+                    <a:lnT w="6350" cap="flat" cmpd="sng" algn="ctr">
+                      <a:solidFill>
+                        <a:srgbClr val="000000"/>
+                      </a:solidFill>
+                      <a:prstDash val="solid"/>
+                      <a:round/>
+                      <a:headEnd type="none" w="med" len="med"/>
+                      <a:tailEnd type="none" w="med" len="med"/>
+                    </a:lnT>
+                    <a:lnB w="6350" cap="flat" cmpd="sng" algn="ctr">
+                      <a:solidFill>
+                        <a:srgbClr val="000000"/>
+                      </a:solidFill>
+                      <a:prstDash val="solid"/>
+                      <a:round/>
+                      <a:headEnd type="none" w="med" len="med"/>
+                      <a:tailEnd type="none" w="med" len="med"/>
+                    </a:lnB>
+                  </a:tcPr>
+                </a:tc>
+                <a:tc>
+                  <a:txBody>
+                    <a:bodyPr/>
+                    <a:lstStyle/>
+                    <a:p>
+                      <a:pPr algn="r" fontAlgn="b"/>
+                      <a:r>
+                        <a:rPr lang="en-US" sz="1100" b="0" i="0" u="none" strike="noStrike">
+                          <a:solidFill>
+                            <a:srgbClr val="000000"/>
+                          </a:solidFill>
+                          <a:effectLst/>
+                          <a:latin typeface="Calibri" panose="020F0502020204030204" pitchFamily="34" charset="0"/>
+                        </a:rPr>
+                        <a:t>0.223755</a:t>
+                      </a:r>
+                    </a:p>
+                  </a:txBody>
+                  <a:tcPr marL="9525" marR="9525" marT="9525" marB="0" anchor="b">
+                    <a:lnL w="6350" cap="flat" cmpd="sng" algn="ctr">
+                      <a:solidFill>
+                        <a:srgbClr val="000000"/>
+                      </a:solidFill>
+                      <a:prstDash val="solid"/>
+                      <a:round/>
+                      <a:headEnd type="none" w="med" len="med"/>
+                      <a:tailEnd type="none" w="med" len="med"/>
+                    </a:lnL>
+                    <a:lnR w="6350" cap="flat" cmpd="sng" algn="ctr">
+                      <a:solidFill>
+                        <a:srgbClr val="000000"/>
+                      </a:solidFill>
+                      <a:prstDash val="solid"/>
+                      <a:round/>
+                      <a:headEnd type="none" w="med" len="med"/>
+                      <a:tailEnd type="none" w="med" len="med"/>
+                    </a:lnR>
+                    <a:lnT w="6350" cap="flat" cmpd="sng" algn="ctr">
+                      <a:solidFill>
+                        <a:srgbClr val="000000"/>
+                      </a:solidFill>
+                      <a:prstDash val="solid"/>
+                      <a:round/>
+                      <a:headEnd type="none" w="med" len="med"/>
+                      <a:tailEnd type="none" w="med" len="med"/>
+                    </a:lnT>
+                    <a:lnB w="6350" cap="flat" cmpd="sng" algn="ctr">
+                      <a:solidFill>
+                        <a:srgbClr val="000000"/>
+                      </a:solidFill>
+                      <a:prstDash val="solid"/>
+                      <a:round/>
+                      <a:headEnd type="none" w="med" len="med"/>
+                      <a:tailEnd type="none" w="med" len="med"/>
+                    </a:lnB>
+                  </a:tcPr>
+                </a:tc>
+                <a:tc>
+                  <a:txBody>
+                    <a:bodyPr/>
+                    <a:lstStyle/>
+                    <a:p>
+                      <a:pPr algn="r" fontAlgn="b"/>
+                      <a:r>
+                        <a:rPr lang="en-US" sz="1100" b="0" i="0" u="none" strike="noStrike">
+                          <a:solidFill>
+                            <a:srgbClr val="000000"/>
+                          </a:solidFill>
+                          <a:effectLst/>
+                          <a:latin typeface="Calibri" panose="020F0502020204030204" pitchFamily="34" charset="0"/>
+                        </a:rPr>
+                        <a:t>0.212675</a:t>
+                      </a:r>
+                    </a:p>
+                  </a:txBody>
+                  <a:tcPr marL="9525" marR="9525" marT="9525" marB="0" anchor="b">
+                    <a:lnL w="6350" cap="flat" cmpd="sng" algn="ctr">
+                      <a:solidFill>
+                        <a:srgbClr val="000000"/>
+                      </a:solidFill>
+                      <a:prstDash val="solid"/>
+                      <a:round/>
+                      <a:headEnd type="none" w="med" len="med"/>
+                      <a:tailEnd type="none" w="med" len="med"/>
+                    </a:lnL>
+                    <a:lnR w="6350" cap="flat" cmpd="sng" algn="ctr">
+                      <a:solidFill>
+                        <a:srgbClr val="000000"/>
+                      </a:solidFill>
+                      <a:prstDash val="solid"/>
+                      <a:round/>
+                      <a:headEnd type="none" w="med" len="med"/>
+                      <a:tailEnd type="none" w="med" len="med"/>
+                    </a:lnR>
+                    <a:lnT w="6350" cap="flat" cmpd="sng" algn="ctr">
+                      <a:solidFill>
+                        <a:srgbClr val="000000"/>
+                      </a:solidFill>
+                      <a:prstDash val="solid"/>
+                      <a:round/>
+                      <a:headEnd type="none" w="med" len="med"/>
+                      <a:tailEnd type="none" w="med" len="med"/>
+                    </a:lnT>
+                    <a:lnB w="6350" cap="flat" cmpd="sng" algn="ctr">
+                      <a:solidFill>
+                        <a:srgbClr val="000000"/>
+                      </a:solidFill>
+                      <a:prstDash val="solid"/>
+                      <a:round/>
+                      <a:headEnd type="none" w="med" len="med"/>
+                      <a:tailEnd type="none" w="med" len="med"/>
+                    </a:lnB>
+                  </a:tcPr>
+                </a:tc>
+                <a:extLst>
+                  <a:ext uri="{0D108BD9-81ED-4DB2-BD59-A6C34878D82A}">
+                    <a16:rowId xmlns:a16="http://schemas.microsoft.com/office/drawing/2014/main" val="2068673619"/>
+                  </a:ext>
+                </a:extLst>
+              </a:tr>
+              <a:tr h="190500">
+                <a:tc vMerge="1">
+                  <a:txBody>
+                    <a:bodyPr/>
+                    <a:lstStyle/>
+                    <a:p>
+                      <a:endParaRPr lang="en-US"/>
+                    </a:p>
+                  </a:txBody>
+                  <a:tcPr/>
+                </a:tc>
+                <a:tc>
+                  <a:txBody>
+                    <a:bodyPr/>
+                    <a:lstStyle/>
+                    <a:p>
+                      <a:pPr algn="l" fontAlgn="b"/>
+                      <a:r>
+                        <a:rPr lang="en-US" sz="1100" b="0" i="0" u="none" strike="noStrike">
+                          <a:solidFill>
+                            <a:srgbClr val="000000"/>
+                          </a:solidFill>
+                          <a:effectLst/>
+                          <a:latin typeface="Calibri" panose="020F0502020204030204" pitchFamily="34" charset="0"/>
+                        </a:rPr>
+                        <a:t>recall</a:t>
+                      </a:r>
+                    </a:p>
+                  </a:txBody>
+                  <a:tcPr marL="9525" marR="9525" marT="9525" marB="0" anchor="b">
+                    <a:lnL w="6350" cap="flat" cmpd="sng" algn="ctr">
+                      <a:solidFill>
+                        <a:srgbClr val="000000"/>
+                      </a:solidFill>
+                      <a:prstDash val="solid"/>
+                      <a:round/>
+                      <a:headEnd type="none" w="med" len="med"/>
+                      <a:tailEnd type="none" w="med" len="med"/>
+                    </a:lnL>
+                    <a:lnR w="6350" cap="flat" cmpd="sng" algn="ctr">
+                      <a:solidFill>
+                        <a:srgbClr val="000000"/>
+                      </a:solidFill>
+                      <a:prstDash val="solid"/>
+                      <a:round/>
+                      <a:headEnd type="none" w="med" len="med"/>
+                      <a:tailEnd type="none" w="med" len="med"/>
+                    </a:lnR>
+                    <a:lnT w="6350" cap="flat" cmpd="sng" algn="ctr">
+                      <a:solidFill>
+                        <a:srgbClr val="000000"/>
+                      </a:solidFill>
+                      <a:prstDash val="solid"/>
+                      <a:round/>
+                      <a:headEnd type="none" w="med" len="med"/>
+                      <a:tailEnd type="none" w="med" len="med"/>
+                    </a:lnT>
+                    <a:lnB w="6350" cap="flat" cmpd="sng" algn="ctr">
+                      <a:solidFill>
+                        <a:srgbClr val="000000"/>
+                      </a:solidFill>
+                      <a:prstDash val="solid"/>
+                      <a:round/>
+                      <a:headEnd type="none" w="med" len="med"/>
+                      <a:tailEnd type="none" w="med" len="med"/>
+                    </a:lnB>
+                  </a:tcPr>
+                </a:tc>
+                <a:tc>
+                  <a:txBody>
+                    <a:bodyPr/>
+                    <a:lstStyle/>
+                    <a:p>
+                      <a:pPr algn="r" fontAlgn="b"/>
+                      <a:r>
+                        <a:rPr lang="en-US" sz="1100" b="0" i="0" u="none" strike="noStrike">
+                          <a:solidFill>
+                            <a:srgbClr val="000000"/>
+                          </a:solidFill>
+                          <a:effectLst/>
+                          <a:latin typeface="Calibri" panose="020F0502020204030204" pitchFamily="34" charset="0"/>
+                        </a:rPr>
+                        <a:t>0.343333</a:t>
+                      </a:r>
+                    </a:p>
+                  </a:txBody>
+                  <a:tcPr marL="9525" marR="9525" marT="9525" marB="0" anchor="b">
+                    <a:lnL w="6350" cap="flat" cmpd="sng" algn="ctr">
+                      <a:solidFill>
+                        <a:srgbClr val="000000"/>
+                      </a:solidFill>
+                      <a:prstDash val="solid"/>
+                      <a:round/>
+                      <a:headEnd type="none" w="med" len="med"/>
+                      <a:tailEnd type="none" w="med" len="med"/>
+                    </a:lnL>
+                    <a:lnR w="6350" cap="flat" cmpd="sng" algn="ctr">
+                      <a:solidFill>
+                        <a:srgbClr val="000000"/>
+                      </a:solidFill>
+                      <a:prstDash val="solid"/>
+                      <a:round/>
+                      <a:headEnd type="none" w="med" len="med"/>
+                      <a:tailEnd type="none" w="med" len="med"/>
+                    </a:lnR>
+                    <a:lnT w="6350" cap="flat" cmpd="sng" algn="ctr">
+                      <a:solidFill>
+                        <a:srgbClr val="000000"/>
+                      </a:solidFill>
+                      <a:prstDash val="solid"/>
+                      <a:round/>
+                      <a:headEnd type="none" w="med" len="med"/>
+                      <a:tailEnd type="none" w="med" len="med"/>
+                    </a:lnT>
+                    <a:lnB w="6350" cap="flat" cmpd="sng" algn="ctr">
+                      <a:solidFill>
+                        <a:srgbClr val="000000"/>
+                      </a:solidFill>
+                      <a:prstDash val="solid"/>
+                      <a:round/>
+                      <a:headEnd type="none" w="med" len="med"/>
+                      <a:tailEnd type="none" w="med" len="med"/>
+                    </a:lnB>
+                  </a:tcPr>
+                </a:tc>
+                <a:tc>
+                  <a:txBody>
+                    <a:bodyPr/>
+                    <a:lstStyle/>
+                    <a:p>
+                      <a:pPr algn="r" fontAlgn="b"/>
+                      <a:r>
+                        <a:rPr lang="en-US" sz="1100" b="0" i="0" u="none" strike="noStrike">
+                          <a:solidFill>
+                            <a:srgbClr val="000000"/>
+                          </a:solidFill>
+                          <a:effectLst/>
+                          <a:latin typeface="Calibri" panose="020F0502020204030204" pitchFamily="34" charset="0"/>
+                        </a:rPr>
+                        <a:t>0.123333333</a:t>
+                      </a:r>
+                    </a:p>
+                  </a:txBody>
+                  <a:tcPr marL="9525" marR="9525" marT="9525" marB="0" anchor="b">
+                    <a:lnL w="6350" cap="flat" cmpd="sng" algn="ctr">
+                      <a:solidFill>
+                        <a:srgbClr val="000000"/>
+                      </a:solidFill>
+                      <a:prstDash val="solid"/>
+                      <a:round/>
+                      <a:headEnd type="none" w="med" len="med"/>
+                      <a:tailEnd type="none" w="med" len="med"/>
+                    </a:lnL>
+                    <a:lnR w="6350" cap="flat" cmpd="sng" algn="ctr">
+                      <a:solidFill>
+                        <a:srgbClr val="000000"/>
+                      </a:solidFill>
+                      <a:prstDash val="solid"/>
+                      <a:round/>
+                      <a:headEnd type="none" w="med" len="med"/>
+                      <a:tailEnd type="none" w="med" len="med"/>
+                    </a:lnR>
+                    <a:lnT w="6350" cap="flat" cmpd="sng" algn="ctr">
+                      <a:solidFill>
+                        <a:srgbClr val="000000"/>
+                      </a:solidFill>
+                      <a:prstDash val="solid"/>
+                      <a:round/>
+                      <a:headEnd type="none" w="med" len="med"/>
+                      <a:tailEnd type="none" w="med" len="med"/>
+                    </a:lnT>
+                    <a:lnB w="6350" cap="flat" cmpd="sng" algn="ctr">
+                      <a:solidFill>
+                        <a:srgbClr val="000000"/>
+                      </a:solidFill>
+                      <a:prstDash val="solid"/>
+                      <a:round/>
+                      <a:headEnd type="none" w="med" len="med"/>
+                      <a:tailEnd type="none" w="med" len="med"/>
+                    </a:lnB>
+                  </a:tcPr>
+                </a:tc>
+                <a:tc>
+                  <a:txBody>
+                    <a:bodyPr/>
+                    <a:lstStyle/>
+                    <a:p>
+                      <a:pPr algn="r" fontAlgn="b"/>
+                      <a:r>
+                        <a:rPr lang="en-US" sz="1100" b="0" i="0" u="none" strike="noStrike" dirty="0">
+                          <a:solidFill>
+                            <a:srgbClr val="000000"/>
+                          </a:solidFill>
+                          <a:effectLst/>
+                          <a:latin typeface="Calibri" panose="020F0502020204030204" pitchFamily="34" charset="0"/>
+                        </a:rPr>
+                        <a:t>0.273333</a:t>
+                      </a:r>
+                    </a:p>
+                  </a:txBody>
+                  <a:tcPr marL="9525" marR="9525" marT="9525" marB="0" anchor="b">
+                    <a:lnL w="6350" cap="flat" cmpd="sng" algn="ctr">
+                      <a:solidFill>
+                        <a:srgbClr val="000000"/>
+                      </a:solidFill>
+                      <a:prstDash val="solid"/>
+                      <a:round/>
+                      <a:headEnd type="none" w="med" len="med"/>
+                      <a:tailEnd type="none" w="med" len="med"/>
+                    </a:lnL>
+                    <a:lnR w="6350" cap="flat" cmpd="sng" algn="ctr">
+                      <a:solidFill>
+                        <a:srgbClr val="000000"/>
+                      </a:solidFill>
+                      <a:prstDash val="solid"/>
+                      <a:round/>
+                      <a:headEnd type="none" w="med" len="med"/>
+                      <a:tailEnd type="none" w="med" len="med"/>
+                    </a:lnR>
+                    <a:lnT w="6350" cap="flat" cmpd="sng" algn="ctr">
+                      <a:solidFill>
+                        <a:srgbClr val="000000"/>
+                      </a:solidFill>
+                      <a:prstDash val="solid"/>
+                      <a:round/>
+                      <a:headEnd type="none" w="med" len="med"/>
+                      <a:tailEnd type="none" w="med" len="med"/>
+                    </a:lnT>
+                    <a:lnB w="6350" cap="flat" cmpd="sng" algn="ctr">
+                      <a:solidFill>
+                        <a:srgbClr val="000000"/>
+                      </a:solidFill>
+                      <a:prstDash val="solid"/>
+                      <a:round/>
+                      <a:headEnd type="none" w="med" len="med"/>
+                      <a:tailEnd type="none" w="med" len="med"/>
+                    </a:lnB>
+                  </a:tcPr>
+                </a:tc>
+                <a:tc>
+                  <a:txBody>
+                    <a:bodyPr/>
+                    <a:lstStyle/>
+                    <a:p>
+                      <a:pPr algn="r" fontAlgn="b"/>
+                      <a:r>
+                        <a:rPr lang="en-US" sz="1100" b="0" i="0" u="none" strike="noStrike" dirty="0">
+                          <a:solidFill>
+                            <a:srgbClr val="000000"/>
+                          </a:solidFill>
+                          <a:effectLst/>
+                          <a:latin typeface="Calibri" panose="020F0502020204030204" pitchFamily="34" charset="0"/>
+                        </a:rPr>
+                        <a:t>0.196667</a:t>
+                      </a:r>
+                    </a:p>
+                  </a:txBody>
+                  <a:tcPr marL="9525" marR="9525" marT="9525" marB="0" anchor="b">
+                    <a:lnL w="6350" cap="flat" cmpd="sng" algn="ctr">
+                      <a:solidFill>
+                        <a:srgbClr val="000000"/>
+                      </a:solidFill>
+                      <a:prstDash val="solid"/>
+                      <a:round/>
+                      <a:headEnd type="none" w="med" len="med"/>
+                      <a:tailEnd type="none" w="med" len="med"/>
+                    </a:lnL>
+                    <a:lnR w="6350" cap="flat" cmpd="sng" algn="ctr">
+                      <a:solidFill>
+                        <a:srgbClr val="000000"/>
+                      </a:solidFill>
+                      <a:prstDash val="solid"/>
+                      <a:round/>
+                      <a:headEnd type="none" w="med" len="med"/>
+                      <a:tailEnd type="none" w="med" len="med"/>
+                    </a:lnR>
+                    <a:lnT w="6350" cap="flat" cmpd="sng" algn="ctr">
+                      <a:solidFill>
+                        <a:srgbClr val="000000"/>
+                      </a:solidFill>
+                      <a:prstDash val="solid"/>
+                      <a:round/>
+                      <a:headEnd type="none" w="med" len="med"/>
+                      <a:tailEnd type="none" w="med" len="med"/>
+                    </a:lnT>
+                    <a:lnB w="6350" cap="flat" cmpd="sng" algn="ctr">
+                      <a:solidFill>
+                        <a:srgbClr val="000000"/>
+                      </a:solidFill>
+                      <a:prstDash val="solid"/>
+                      <a:round/>
+                      <a:headEnd type="none" w="med" len="med"/>
+                      <a:tailEnd type="none" w="med" len="med"/>
+                    </a:lnB>
+                  </a:tcPr>
+                </a:tc>
+                <a:extLst>
+                  <a:ext uri="{0D108BD9-81ED-4DB2-BD59-A6C34878D82A}">
+                    <a16:rowId xmlns:a16="http://schemas.microsoft.com/office/drawing/2014/main" val="2866632908"/>
+                  </a:ext>
+                </a:extLst>
+              </a:tr>
+            </a:tbl>
+          </a:graphicData>
+        </a:graphic>
+      </p:graphicFrame>
+      <p:graphicFrame>
+        <p:nvGraphicFramePr>
+          <p:cNvPr id="7" name="Table 6">
+            <a:extLst>
+              <a:ext uri="{FF2B5EF4-FFF2-40B4-BE49-F238E27FC236}">
+                <a16:creationId xmlns:a16="http://schemas.microsoft.com/office/drawing/2014/main" id="{57AC014E-2933-4C75-8069-F326DFADE24E}"/>
+              </a:ext>
+            </a:extLst>
+          </p:cNvPr>
+          <p:cNvGraphicFramePr>
+            <a:graphicFrameLocks noGrp="1"/>
+          </p:cNvGraphicFramePr>
+          <p:nvPr>
+            <p:extLst>
+              <p:ext uri="{D42A27DB-BD31-4B8C-83A1-F6EECF244321}">
+                <p14:modId xmlns:p14="http://schemas.microsoft.com/office/powerpoint/2010/main" val="2103424950"/>
+              </p:ext>
+            </p:extLst>
+          </p:nvPr>
+        </p:nvGraphicFramePr>
+        <p:xfrm>
+          <a:off x="5391154" y="2571750"/>
+          <a:ext cx="3848098" cy="1714500"/>
+        </p:xfrm>
+        <a:graphic>
+          <a:graphicData uri="http://schemas.openxmlformats.org/drawingml/2006/table">
+            <a:tbl>
+              <a:tblPr/>
+              <a:tblGrid>
+                <a:gridCol w="713786">
+                  <a:extLst>
+                    <a:ext uri="{9D8B030D-6E8A-4147-A177-3AD203B41FA5}">
+                      <a16:colId xmlns:a16="http://schemas.microsoft.com/office/drawing/2014/main" val="857381699"/>
+                    </a:ext>
+                  </a:extLst>
+                </a:gridCol>
+                <a:gridCol w="697924">
+                  <a:extLst>
+                    <a:ext uri="{9D8B030D-6E8A-4147-A177-3AD203B41FA5}">
+                      <a16:colId xmlns:a16="http://schemas.microsoft.com/office/drawing/2014/main" val="1249724017"/>
+                    </a:ext>
+                  </a:extLst>
+                </a:gridCol>
+                <a:gridCol w="609097">
+                  <a:extLst>
+                    <a:ext uri="{9D8B030D-6E8A-4147-A177-3AD203B41FA5}">
+                      <a16:colId xmlns:a16="http://schemas.microsoft.com/office/drawing/2014/main" val="3447634565"/>
+                    </a:ext>
+                  </a:extLst>
+                </a:gridCol>
+                <a:gridCol w="609097">
+                  <a:extLst>
+                    <a:ext uri="{9D8B030D-6E8A-4147-A177-3AD203B41FA5}">
+                      <a16:colId xmlns:a16="http://schemas.microsoft.com/office/drawing/2014/main" val="2799163856"/>
+                    </a:ext>
+                  </a:extLst>
+                </a:gridCol>
+                <a:gridCol w="609097">
+                  <a:extLst>
+                    <a:ext uri="{9D8B030D-6E8A-4147-A177-3AD203B41FA5}">
+                      <a16:colId xmlns:a16="http://schemas.microsoft.com/office/drawing/2014/main" val="872665025"/>
+                    </a:ext>
+                  </a:extLst>
+                </a:gridCol>
+                <a:gridCol w="609097">
+                  <a:extLst>
+                    <a:ext uri="{9D8B030D-6E8A-4147-A177-3AD203B41FA5}">
+                      <a16:colId xmlns:a16="http://schemas.microsoft.com/office/drawing/2014/main" val="2876391265"/>
+                    </a:ext>
+                  </a:extLst>
+                </a:gridCol>
+              </a:tblGrid>
+              <a:tr h="190500">
+                <a:tc>
+                  <a:txBody>
+                    <a:bodyPr/>
+                    <a:lstStyle/>
+                    <a:p>
+                      <a:pPr algn="l" fontAlgn="b"/>
+                      <a:r>
+                        <a:rPr lang="en-US" sz="1100" b="0" i="0" u="none" strike="noStrike">
+                          <a:solidFill>
+                            <a:srgbClr val="000000"/>
+                          </a:solidFill>
+                          <a:effectLst/>
+                          <a:latin typeface="Calibri" panose="020F0502020204030204" pitchFamily="34" charset="0"/>
+                        </a:rPr>
+                        <a:t>model</a:t>
+                      </a:r>
+                    </a:p>
+                  </a:txBody>
+                  <a:tcPr marL="9525" marR="9525" marT="9525" marB="0" anchor="b">
+                    <a:lnL w="6350" cap="flat" cmpd="sng" algn="ctr">
+                      <a:solidFill>
+                        <a:srgbClr val="000000"/>
+                      </a:solidFill>
+                      <a:prstDash val="solid"/>
+                      <a:round/>
+                      <a:headEnd type="none" w="med" len="med"/>
+                      <a:tailEnd type="none" w="med" len="med"/>
+                    </a:lnL>
+                    <a:lnR w="6350" cap="flat" cmpd="sng" algn="ctr">
+                      <a:solidFill>
+                        <a:srgbClr val="000000"/>
+                      </a:solidFill>
+                      <a:prstDash val="solid"/>
+                      <a:round/>
+                      <a:headEnd type="none" w="med" len="med"/>
+                      <a:tailEnd type="none" w="med" len="med"/>
+                    </a:lnR>
+                    <a:lnT w="6350" cap="flat" cmpd="sng" algn="ctr">
+                      <a:solidFill>
+                        <a:srgbClr val="000000"/>
+                      </a:solidFill>
+                      <a:prstDash val="solid"/>
+                      <a:round/>
+                      <a:headEnd type="none" w="med" len="med"/>
+                      <a:tailEnd type="none" w="med" len="med"/>
+                    </a:lnT>
+                    <a:lnB w="6350" cap="flat" cmpd="sng" algn="ctr">
+                      <a:solidFill>
+                        <a:srgbClr val="000000"/>
+                      </a:solidFill>
+                      <a:prstDash val="solid"/>
+                      <a:round/>
+                      <a:headEnd type="none" w="med" len="med"/>
+                      <a:tailEnd type="none" w="med" len="med"/>
+                    </a:lnB>
+                  </a:tcPr>
+                </a:tc>
+                <a:tc>
+                  <a:txBody>
+                    <a:bodyPr/>
+                    <a:lstStyle/>
+                    <a:p>
+                      <a:pPr algn="l" fontAlgn="b"/>
+                      <a:r>
+                        <a:rPr lang="en-US" sz="1100" b="1" i="0" u="none" strike="noStrike">
+                          <a:solidFill>
+                            <a:srgbClr val="000000"/>
+                          </a:solidFill>
+                          <a:effectLst/>
+                          <a:latin typeface="Calibri" panose="020F0502020204030204" pitchFamily="34" charset="0"/>
+                        </a:rPr>
+                        <a:t>pretrained</a:t>
+                      </a:r>
+                    </a:p>
+                  </a:txBody>
+                  <a:tcPr marL="9525" marR="9525" marT="9525" marB="0" anchor="b">
+                    <a:lnL w="6350" cap="flat" cmpd="sng" algn="ctr">
+                      <a:solidFill>
+                        <a:srgbClr val="000000"/>
+                      </a:solidFill>
+                      <a:prstDash val="solid"/>
+                      <a:round/>
+                      <a:headEnd type="none" w="med" len="med"/>
+                      <a:tailEnd type="none" w="med" len="med"/>
+                    </a:lnL>
+                    <a:lnR w="6350" cap="flat" cmpd="sng" algn="ctr">
+                      <a:solidFill>
+                        <a:srgbClr val="000000"/>
+                      </a:solidFill>
+                      <a:prstDash val="solid"/>
+                      <a:round/>
+                      <a:headEnd type="none" w="med" len="med"/>
+                      <a:tailEnd type="none" w="med" len="med"/>
+                    </a:lnR>
+                    <a:lnT w="6350" cap="flat" cmpd="sng" algn="ctr">
+                      <a:solidFill>
+                        <a:srgbClr val="000000"/>
+                      </a:solidFill>
+                      <a:prstDash val="solid"/>
+                      <a:round/>
+                      <a:headEnd type="none" w="med" len="med"/>
+                      <a:tailEnd type="none" w="med" len="med"/>
+                    </a:lnT>
+                    <a:lnB w="6350" cap="flat" cmpd="sng" algn="ctr">
+                      <a:solidFill>
+                        <a:srgbClr val="000000"/>
+                      </a:solidFill>
+                      <a:prstDash val="solid"/>
+                      <a:round/>
+                      <a:headEnd type="none" w="med" len="med"/>
+                      <a:tailEnd type="none" w="med" len="med"/>
+                    </a:lnB>
+                    <a:solidFill>
+                      <a:srgbClr val="FFFF00"/>
+                    </a:solidFill>
+                  </a:tcPr>
+                </a:tc>
+                <a:tc>
+                  <a:txBody>
+                    <a:bodyPr/>
+                    <a:lstStyle/>
+                    <a:p>
+                      <a:pPr algn="l" fontAlgn="b"/>
+                      <a:endParaRPr lang="en-US" sz="1100" b="0" i="0" u="none" strike="noStrike">
+                        <a:solidFill>
+                          <a:srgbClr val="000000"/>
+                        </a:solidFill>
+                        <a:effectLst/>
+                        <a:latin typeface="Calibri" panose="020F0502020204030204" pitchFamily="34" charset="0"/>
+                      </a:endParaRPr>
+                    </a:p>
+                  </a:txBody>
+                  <a:tcPr marL="9525" marR="9525" marT="9525" marB="0" anchor="b">
+                    <a:lnL w="6350" cap="flat" cmpd="sng" algn="ctr">
+                      <a:solidFill>
+                        <a:srgbClr val="000000"/>
+                      </a:solidFill>
+                      <a:prstDash val="solid"/>
+                      <a:round/>
+                      <a:headEnd type="none" w="med" len="med"/>
+                      <a:tailEnd type="none" w="med" len="med"/>
+                    </a:lnL>
+                    <a:lnR>
+                      <a:noFill/>
+                    </a:lnR>
+                    <a:lnT>
+                      <a:noFill/>
+                    </a:lnT>
+                    <a:lnB w="6350" cap="flat" cmpd="sng" algn="ctr">
+                      <a:solidFill>
+                        <a:srgbClr val="000000"/>
+                      </a:solidFill>
+                      <a:prstDash val="solid"/>
+                      <a:round/>
+                      <a:headEnd type="none" w="med" len="med"/>
+                      <a:tailEnd type="none" w="med" len="med"/>
+                    </a:lnB>
+                  </a:tcPr>
+                </a:tc>
+                <a:tc>
+                  <a:txBody>
+                    <a:bodyPr/>
+                    <a:lstStyle/>
+                    <a:p>
+                      <a:pPr algn="l" fontAlgn="b"/>
+                      <a:endParaRPr lang="en-US" sz="1100" b="0" i="0" u="none" strike="noStrike">
+                        <a:solidFill>
+                          <a:srgbClr val="000000"/>
+                        </a:solidFill>
+                        <a:effectLst/>
+                        <a:latin typeface="Calibri" panose="020F0502020204030204" pitchFamily="34" charset="0"/>
+                      </a:endParaRPr>
+                    </a:p>
+                  </a:txBody>
+                  <a:tcPr marL="9525" marR="9525" marT="9525" marB="0" anchor="b">
+                    <a:lnL>
+                      <a:noFill/>
+                    </a:lnL>
+                    <a:lnR>
+                      <a:noFill/>
+                    </a:lnR>
+                    <a:lnT>
+                      <a:noFill/>
+                    </a:lnT>
+                    <a:lnB w="6350" cap="flat" cmpd="sng" algn="ctr">
+                      <a:solidFill>
+                        <a:srgbClr val="000000"/>
+                      </a:solidFill>
+                      <a:prstDash val="solid"/>
+                      <a:round/>
+                      <a:headEnd type="none" w="med" len="med"/>
+                      <a:tailEnd type="none" w="med" len="med"/>
+                    </a:lnB>
+                  </a:tcPr>
+                </a:tc>
+                <a:tc>
+                  <a:txBody>
+                    <a:bodyPr/>
+                    <a:lstStyle/>
+                    <a:p>
+                      <a:pPr algn="l" fontAlgn="b"/>
+                      <a:endParaRPr lang="en-US" sz="1100" b="0" i="0" u="none" strike="noStrike">
+                        <a:solidFill>
+                          <a:srgbClr val="000000"/>
+                        </a:solidFill>
+                        <a:effectLst/>
+                        <a:latin typeface="Calibri" panose="020F0502020204030204" pitchFamily="34" charset="0"/>
+                      </a:endParaRPr>
+                    </a:p>
+                  </a:txBody>
+                  <a:tcPr marL="9525" marR="9525" marT="9525" marB="0" anchor="b">
+                    <a:lnL>
+                      <a:noFill/>
+                    </a:lnL>
+                    <a:lnR>
+                      <a:noFill/>
+                    </a:lnR>
+                    <a:lnT>
+                      <a:noFill/>
+                    </a:lnT>
+                    <a:lnB>
+                      <a:noFill/>
+                    </a:lnB>
+                  </a:tcPr>
+                </a:tc>
+                <a:tc>
+                  <a:txBody>
+                    <a:bodyPr/>
+                    <a:lstStyle/>
+                    <a:p>
+                      <a:pPr algn="l" fontAlgn="b"/>
+                      <a:endParaRPr lang="en-US" sz="1100" b="0" i="0" u="none" strike="noStrike">
+                        <a:solidFill>
+                          <a:srgbClr val="000000"/>
+                        </a:solidFill>
+                        <a:effectLst/>
+                        <a:latin typeface="Calibri" panose="020F0502020204030204" pitchFamily="34" charset="0"/>
+                      </a:endParaRPr>
+                    </a:p>
+                  </a:txBody>
+                  <a:tcPr marL="9525" marR="9525" marT="9525" marB="0" anchor="b">
+                    <a:lnL>
+                      <a:noFill/>
+                    </a:lnL>
+                    <a:lnR>
+                      <a:noFill/>
+                    </a:lnR>
+                    <a:lnT>
+                      <a:noFill/>
+                    </a:lnT>
+                    <a:lnB>
+                      <a:noFill/>
+                    </a:lnB>
+                  </a:tcPr>
+                </a:tc>
+                <a:extLst>
+                  <a:ext uri="{0D108BD9-81ED-4DB2-BD59-A6C34878D82A}">
+                    <a16:rowId xmlns:a16="http://schemas.microsoft.com/office/drawing/2014/main" val="3230336845"/>
+                  </a:ext>
+                </a:extLst>
+              </a:tr>
+              <a:tr h="190500">
+                <a:tc>
+                  <a:txBody>
+                    <a:bodyPr/>
+                    <a:lstStyle/>
+                    <a:p>
+                      <a:pPr algn="l" fontAlgn="b"/>
+                      <a:r>
+                        <a:rPr lang="en-US" sz="1100" b="0" i="0" u="none" strike="noStrike">
+                          <a:solidFill>
+                            <a:srgbClr val="000000"/>
+                          </a:solidFill>
+                          <a:effectLst/>
+                          <a:latin typeface="Calibri" panose="020F0502020204030204" pitchFamily="34" charset="0"/>
+                        </a:rPr>
+                        <a:t>fine tuning</a:t>
+                      </a:r>
+                    </a:p>
+                  </a:txBody>
+                  <a:tcPr marL="9525" marR="9525" marT="9525" marB="0" anchor="b">
+                    <a:lnL w="6350" cap="flat" cmpd="sng" algn="ctr">
+                      <a:solidFill>
+                        <a:srgbClr val="000000"/>
+                      </a:solidFill>
+                      <a:prstDash val="solid"/>
+                      <a:round/>
+                      <a:headEnd type="none" w="med" len="med"/>
+                      <a:tailEnd type="none" w="med" len="med"/>
+                    </a:lnL>
+                    <a:lnR w="6350" cap="flat" cmpd="sng" algn="ctr">
+                      <a:solidFill>
+                        <a:srgbClr val="000000"/>
+                      </a:solidFill>
+                      <a:prstDash val="solid"/>
+                      <a:round/>
+                      <a:headEnd type="none" w="med" len="med"/>
+                      <a:tailEnd type="none" w="med" len="med"/>
+                    </a:lnR>
+                    <a:lnT w="6350" cap="flat" cmpd="sng" algn="ctr">
+                      <a:solidFill>
+                        <a:srgbClr val="000000"/>
+                      </a:solidFill>
+                      <a:prstDash val="solid"/>
+                      <a:round/>
+                      <a:headEnd type="none" w="med" len="med"/>
+                      <a:tailEnd type="none" w="med" len="med"/>
+                    </a:lnT>
+                    <a:lnB w="6350" cap="flat" cmpd="sng" algn="ctr">
+                      <a:solidFill>
+                        <a:srgbClr val="000000"/>
+                      </a:solidFill>
+                      <a:prstDash val="solid"/>
+                      <a:round/>
+                      <a:headEnd type="none" w="med" len="med"/>
+                      <a:tailEnd type="none" w="med" len="med"/>
+                    </a:lnB>
+                  </a:tcPr>
+                </a:tc>
+                <a:tc>
+                  <a:txBody>
+                    <a:bodyPr/>
+                    <a:lstStyle/>
+                    <a:p>
+                      <a:pPr algn="l" fontAlgn="b"/>
+                      <a:r>
+                        <a:rPr lang="en-US" sz="1100" b="1" i="0" u="none" strike="noStrike">
+                          <a:solidFill>
+                            <a:srgbClr val="000000"/>
+                          </a:solidFill>
+                          <a:effectLst/>
+                          <a:latin typeface="Calibri" panose="020F0502020204030204" pitchFamily="34" charset="0"/>
+                        </a:rPr>
+                        <a:t>NO</a:t>
+                      </a:r>
+                    </a:p>
+                  </a:txBody>
+                  <a:tcPr marL="9525" marR="9525" marT="9525" marB="0" anchor="b">
+                    <a:lnL w="6350" cap="flat" cmpd="sng" algn="ctr">
+                      <a:solidFill>
+                        <a:srgbClr val="000000"/>
+                      </a:solidFill>
+                      <a:prstDash val="solid"/>
+                      <a:round/>
+                      <a:headEnd type="none" w="med" len="med"/>
+                      <a:tailEnd type="none" w="med" len="med"/>
+                    </a:lnL>
+                    <a:lnR w="6350" cap="flat" cmpd="sng" algn="ctr">
+                      <a:solidFill>
+                        <a:srgbClr val="000000"/>
+                      </a:solidFill>
+                      <a:prstDash val="solid"/>
+                      <a:round/>
+                      <a:headEnd type="none" w="med" len="med"/>
+                      <a:tailEnd type="none" w="med" len="med"/>
+                    </a:lnR>
+                    <a:lnT w="6350" cap="flat" cmpd="sng" algn="ctr">
+                      <a:solidFill>
+                        <a:srgbClr val="000000"/>
+                      </a:solidFill>
+                      <a:prstDash val="solid"/>
+                      <a:round/>
+                      <a:headEnd type="none" w="med" len="med"/>
+                      <a:tailEnd type="none" w="med" len="med"/>
+                    </a:lnT>
+                    <a:lnB w="6350" cap="flat" cmpd="sng" algn="ctr">
+                      <a:solidFill>
+                        <a:srgbClr val="000000"/>
+                      </a:solidFill>
+                      <a:prstDash val="solid"/>
+                      <a:round/>
+                      <a:headEnd type="none" w="med" len="med"/>
+                      <a:tailEnd type="none" w="med" len="med"/>
+                    </a:lnB>
+                    <a:solidFill>
+                      <a:srgbClr val="FFFF00"/>
+                    </a:solidFill>
+                  </a:tcPr>
+                </a:tc>
+                <a:tc>
+                  <a:txBody>
+                    <a:bodyPr/>
+                    <a:lstStyle/>
+                    <a:p>
+                      <a:pPr algn="l" fontAlgn="b"/>
+                      <a:r>
+                        <a:rPr lang="en-US" sz="1100" b="0" i="0" u="none" strike="noStrike">
+                          <a:solidFill>
+                            <a:srgbClr val="000000"/>
+                          </a:solidFill>
+                          <a:effectLst/>
+                          <a:latin typeface="Calibri" panose="020F0502020204030204" pitchFamily="34" charset="0"/>
+                        </a:rPr>
+                        <a:t>dataset</a:t>
+                      </a:r>
+                    </a:p>
+                  </a:txBody>
+                  <a:tcPr marL="9525" marR="9525" marT="9525" marB="0" anchor="b">
+                    <a:lnL w="6350" cap="flat" cmpd="sng" algn="ctr">
+                      <a:solidFill>
+                        <a:srgbClr val="000000"/>
+                      </a:solidFill>
+                      <a:prstDash val="solid"/>
+                      <a:round/>
+                      <a:headEnd type="none" w="med" len="med"/>
+                      <a:tailEnd type="none" w="med" len="med"/>
+                    </a:lnL>
+                    <a:lnR w="6350" cap="flat" cmpd="sng" algn="ctr">
+                      <a:solidFill>
+                        <a:srgbClr val="000000"/>
+                      </a:solidFill>
+                      <a:prstDash val="solid"/>
+                      <a:round/>
+                      <a:headEnd type="none" w="med" len="med"/>
+                      <a:tailEnd type="none" w="med" len="med"/>
+                    </a:lnR>
+                    <a:lnT w="6350" cap="flat" cmpd="sng" algn="ctr">
+                      <a:solidFill>
+                        <a:srgbClr val="000000"/>
+                      </a:solidFill>
+                      <a:prstDash val="solid"/>
+                      <a:round/>
+                      <a:headEnd type="none" w="med" len="med"/>
+                      <a:tailEnd type="none" w="med" len="med"/>
+                    </a:lnT>
+                    <a:lnB w="6350" cap="flat" cmpd="sng" algn="ctr">
+                      <a:solidFill>
+                        <a:srgbClr val="000000"/>
+                      </a:solidFill>
+                      <a:prstDash val="solid"/>
+                      <a:round/>
+                      <a:headEnd type="none" w="med" len="med"/>
+                      <a:tailEnd type="none" w="med" len="med"/>
+                    </a:lnB>
+                  </a:tcPr>
+                </a:tc>
+                <a:tc>
+                  <a:txBody>
+                    <a:bodyPr/>
+                    <a:lstStyle/>
+                    <a:p>
+                      <a:pPr algn="l" fontAlgn="b"/>
+                      <a:r>
+                        <a:rPr lang="en-US" sz="1100" b="1" i="0" u="none" strike="noStrike">
+                          <a:solidFill>
+                            <a:srgbClr val="000000"/>
+                          </a:solidFill>
+                          <a:effectLst/>
+                          <a:latin typeface="Calibri" panose="020F0502020204030204" pitchFamily="34" charset="0"/>
+                        </a:rPr>
+                        <a:t>NULL</a:t>
+                      </a:r>
+                    </a:p>
+                  </a:txBody>
+                  <a:tcPr marL="9525" marR="9525" marT="9525" marB="0" anchor="b">
+                    <a:lnL w="6350" cap="flat" cmpd="sng" algn="ctr">
+                      <a:solidFill>
+                        <a:srgbClr val="000000"/>
+                      </a:solidFill>
+                      <a:prstDash val="solid"/>
+                      <a:round/>
+                      <a:headEnd type="none" w="med" len="med"/>
+                      <a:tailEnd type="none" w="med" len="med"/>
+                    </a:lnL>
+                    <a:lnR w="6350" cap="flat" cmpd="sng" algn="ctr">
+                      <a:solidFill>
+                        <a:srgbClr val="000000"/>
+                      </a:solidFill>
+                      <a:prstDash val="solid"/>
+                      <a:round/>
+                      <a:headEnd type="none" w="med" len="med"/>
+                      <a:tailEnd type="none" w="med" len="med"/>
+                    </a:lnR>
+                    <a:lnT w="6350" cap="flat" cmpd="sng" algn="ctr">
+                      <a:solidFill>
+                        <a:srgbClr val="000000"/>
+                      </a:solidFill>
+                      <a:prstDash val="solid"/>
+                      <a:round/>
+                      <a:headEnd type="none" w="med" len="med"/>
+                      <a:tailEnd type="none" w="med" len="med"/>
+                    </a:lnT>
+                    <a:lnB w="6350" cap="flat" cmpd="sng" algn="ctr">
+                      <a:solidFill>
+                        <a:srgbClr val="000000"/>
+                      </a:solidFill>
+                      <a:prstDash val="solid"/>
+                      <a:round/>
+                      <a:headEnd type="none" w="med" len="med"/>
+                      <a:tailEnd type="none" w="med" len="med"/>
+                    </a:lnB>
+                    <a:solidFill>
+                      <a:srgbClr val="FFFF00"/>
+                    </a:solidFill>
+                  </a:tcPr>
+                </a:tc>
+                <a:tc>
+                  <a:txBody>
+                    <a:bodyPr/>
+                    <a:lstStyle/>
+                    <a:p>
+                      <a:pPr algn="l" fontAlgn="b"/>
+                      <a:endParaRPr lang="en-US" sz="1100" b="0" i="0" u="none" strike="noStrike">
+                        <a:solidFill>
+                          <a:srgbClr val="000000"/>
+                        </a:solidFill>
+                        <a:effectLst/>
+                        <a:latin typeface="Calibri" panose="020F0502020204030204" pitchFamily="34" charset="0"/>
+                      </a:endParaRPr>
+                    </a:p>
+                  </a:txBody>
+                  <a:tcPr marL="9525" marR="9525" marT="9525" marB="0" anchor="b">
+                    <a:lnL w="6350" cap="flat" cmpd="sng" algn="ctr">
+                      <a:solidFill>
+                        <a:srgbClr val="000000"/>
+                      </a:solidFill>
+                      <a:prstDash val="solid"/>
+                      <a:round/>
+                      <a:headEnd type="none" w="med" len="med"/>
+                      <a:tailEnd type="none" w="med" len="med"/>
+                    </a:lnL>
+                    <a:lnR>
+                      <a:noFill/>
+                    </a:lnR>
+                    <a:lnT>
+                      <a:noFill/>
+                    </a:lnT>
+                    <a:lnB>
+                      <a:noFill/>
+                    </a:lnB>
+                  </a:tcPr>
+                </a:tc>
+                <a:tc>
+                  <a:txBody>
+                    <a:bodyPr/>
+                    <a:lstStyle/>
+                    <a:p>
+                      <a:pPr algn="l" fontAlgn="b"/>
+                      <a:endParaRPr lang="en-US" sz="1100" b="0" i="0" u="none" strike="noStrike">
+                        <a:solidFill>
+                          <a:srgbClr val="000000"/>
+                        </a:solidFill>
+                        <a:effectLst/>
+                        <a:latin typeface="Calibri" panose="020F0502020204030204" pitchFamily="34" charset="0"/>
+                      </a:endParaRPr>
+                    </a:p>
+                  </a:txBody>
+                  <a:tcPr marL="9525" marR="9525" marT="9525" marB="0" anchor="b">
+                    <a:lnL>
+                      <a:noFill/>
+                    </a:lnL>
+                    <a:lnR>
+                      <a:noFill/>
+                    </a:lnR>
+                    <a:lnT>
+                      <a:noFill/>
+                    </a:lnT>
+                    <a:lnB>
+                      <a:noFill/>
+                    </a:lnB>
+                  </a:tcPr>
+                </a:tc>
+                <a:extLst>
+                  <a:ext uri="{0D108BD9-81ED-4DB2-BD59-A6C34878D82A}">
+                    <a16:rowId xmlns:a16="http://schemas.microsoft.com/office/drawing/2014/main" val="4248437639"/>
+                  </a:ext>
+                </a:extLst>
+              </a:tr>
+              <a:tr h="190500">
+                <a:tc>
+                  <a:txBody>
+                    <a:bodyPr/>
+                    <a:lstStyle/>
+                    <a:p>
+                      <a:pPr algn="l" fontAlgn="b"/>
+                      <a:r>
+                        <a:rPr lang="en-US" sz="1100" b="0" i="0" u="none" strike="noStrike">
+                          <a:solidFill>
+                            <a:srgbClr val="000000"/>
+                          </a:solidFill>
+                          <a:effectLst/>
+                          <a:latin typeface="Calibri" panose="020F0502020204030204" pitchFamily="34" charset="0"/>
+                        </a:rPr>
+                        <a:t>max_seq</a:t>
+                      </a:r>
+                    </a:p>
+                  </a:txBody>
+                  <a:tcPr marL="9525" marR="9525" marT="9525" marB="0" anchor="b">
+                    <a:lnL w="6350" cap="flat" cmpd="sng" algn="ctr">
+                      <a:solidFill>
+                        <a:srgbClr val="000000"/>
+                      </a:solidFill>
+                      <a:prstDash val="solid"/>
+                      <a:round/>
+                      <a:headEnd type="none" w="med" len="med"/>
+                      <a:tailEnd type="none" w="med" len="med"/>
+                    </a:lnL>
+                    <a:lnR w="6350" cap="flat" cmpd="sng" algn="ctr">
+                      <a:solidFill>
+                        <a:srgbClr val="000000"/>
+                      </a:solidFill>
+                      <a:prstDash val="solid"/>
+                      <a:round/>
+                      <a:headEnd type="none" w="med" len="med"/>
+                      <a:tailEnd type="none" w="med" len="med"/>
+                    </a:lnR>
+                    <a:lnT w="6350" cap="flat" cmpd="sng" algn="ctr">
+                      <a:solidFill>
+                        <a:srgbClr val="000000"/>
+                      </a:solidFill>
+                      <a:prstDash val="solid"/>
+                      <a:round/>
+                      <a:headEnd type="none" w="med" len="med"/>
+                      <a:tailEnd type="none" w="med" len="med"/>
+                    </a:lnT>
+                    <a:lnB w="6350" cap="flat" cmpd="sng" algn="ctr">
+                      <a:solidFill>
+                        <a:srgbClr val="000000"/>
+                      </a:solidFill>
+                      <a:prstDash val="solid"/>
+                      <a:round/>
+                      <a:headEnd type="none" w="med" len="med"/>
+                      <a:tailEnd type="none" w="med" len="med"/>
+                    </a:lnB>
+                  </a:tcPr>
+                </a:tc>
+                <a:tc>
+                  <a:txBody>
+                    <a:bodyPr/>
+                    <a:lstStyle/>
+                    <a:p>
+                      <a:pPr algn="r" fontAlgn="b"/>
+                      <a:r>
+                        <a:rPr lang="en-US" sz="1100" b="1" i="0" u="none" strike="noStrike">
+                          <a:solidFill>
+                            <a:srgbClr val="000000"/>
+                          </a:solidFill>
+                          <a:effectLst/>
+                          <a:latin typeface="Calibri" panose="020F0502020204030204" pitchFamily="34" charset="0"/>
+                        </a:rPr>
+                        <a:t>100</a:t>
+                      </a:r>
+                    </a:p>
+                  </a:txBody>
+                  <a:tcPr marL="9525" marR="9525" marT="9525" marB="0" anchor="b">
+                    <a:lnL w="6350" cap="flat" cmpd="sng" algn="ctr">
+                      <a:solidFill>
+                        <a:srgbClr val="000000"/>
+                      </a:solidFill>
+                      <a:prstDash val="solid"/>
+                      <a:round/>
+                      <a:headEnd type="none" w="med" len="med"/>
+                      <a:tailEnd type="none" w="med" len="med"/>
+                    </a:lnL>
+                    <a:lnR w="6350" cap="flat" cmpd="sng" algn="ctr">
+                      <a:solidFill>
+                        <a:srgbClr val="000000"/>
+                      </a:solidFill>
+                      <a:prstDash val="solid"/>
+                      <a:round/>
+                      <a:headEnd type="none" w="med" len="med"/>
+                      <a:tailEnd type="none" w="med" len="med"/>
+                    </a:lnR>
+                    <a:lnT w="6350" cap="flat" cmpd="sng" algn="ctr">
+                      <a:solidFill>
+                        <a:srgbClr val="000000"/>
+                      </a:solidFill>
+                      <a:prstDash val="solid"/>
+                      <a:round/>
+                      <a:headEnd type="none" w="med" len="med"/>
+                      <a:tailEnd type="none" w="med" len="med"/>
+                    </a:lnT>
+                    <a:lnB w="6350" cap="flat" cmpd="sng" algn="ctr">
+                      <a:solidFill>
+                        <a:srgbClr val="000000"/>
+                      </a:solidFill>
+                      <a:prstDash val="solid"/>
+                      <a:round/>
+                      <a:headEnd type="none" w="med" len="med"/>
+                      <a:tailEnd type="none" w="med" len="med"/>
+                    </a:lnB>
+                    <a:solidFill>
+                      <a:srgbClr val="FFFF00"/>
+                    </a:solidFill>
+                  </a:tcPr>
+                </a:tc>
+                <a:tc>
+                  <a:txBody>
+                    <a:bodyPr/>
+                    <a:lstStyle/>
+                    <a:p>
+                      <a:pPr algn="l" fontAlgn="b"/>
+                      <a:endParaRPr lang="en-US" sz="1100" b="0" i="0" u="none" strike="noStrike">
+                        <a:solidFill>
+                          <a:srgbClr val="000000"/>
+                        </a:solidFill>
+                        <a:effectLst/>
+                        <a:latin typeface="Calibri" panose="020F0502020204030204" pitchFamily="34" charset="0"/>
+                      </a:endParaRPr>
+                    </a:p>
+                  </a:txBody>
+                  <a:tcPr marL="9525" marR="9525" marT="9525" marB="0" anchor="b">
+                    <a:lnL w="6350" cap="flat" cmpd="sng" algn="ctr">
+                      <a:solidFill>
+                        <a:srgbClr val="000000"/>
+                      </a:solidFill>
+                      <a:prstDash val="solid"/>
+                      <a:round/>
+                      <a:headEnd type="none" w="med" len="med"/>
+                      <a:tailEnd type="none" w="med" len="med"/>
+                    </a:lnL>
+                    <a:lnR>
+                      <a:noFill/>
+                    </a:lnR>
+                    <a:lnT w="6350" cap="flat" cmpd="sng" algn="ctr">
+                      <a:solidFill>
+                        <a:srgbClr val="000000"/>
+                      </a:solidFill>
+                      <a:prstDash val="solid"/>
+                      <a:round/>
+                      <a:headEnd type="none" w="med" len="med"/>
+                      <a:tailEnd type="none" w="med" len="med"/>
+                    </a:lnT>
+                    <a:lnB>
+                      <a:noFill/>
+                    </a:lnB>
+                  </a:tcPr>
+                </a:tc>
+                <a:tc>
+                  <a:txBody>
+                    <a:bodyPr/>
+                    <a:lstStyle/>
+                    <a:p>
+                      <a:pPr algn="l" fontAlgn="b"/>
+                      <a:endParaRPr lang="en-US" sz="1100" b="0" i="0" u="none" strike="noStrike">
+                        <a:solidFill>
+                          <a:srgbClr val="000000"/>
+                        </a:solidFill>
+                        <a:effectLst/>
+                        <a:latin typeface="Calibri" panose="020F0502020204030204" pitchFamily="34" charset="0"/>
+                      </a:endParaRPr>
+                    </a:p>
+                  </a:txBody>
+                  <a:tcPr marL="9525" marR="9525" marT="9525" marB="0" anchor="b">
+                    <a:lnL>
+                      <a:noFill/>
+                    </a:lnL>
+                    <a:lnR>
+                      <a:noFill/>
+                    </a:lnR>
+                    <a:lnT w="6350" cap="flat" cmpd="sng" algn="ctr">
+                      <a:solidFill>
+                        <a:srgbClr val="000000"/>
+                      </a:solidFill>
+                      <a:prstDash val="solid"/>
+                      <a:round/>
+                      <a:headEnd type="none" w="med" len="med"/>
+                      <a:tailEnd type="none" w="med" len="med"/>
+                    </a:lnT>
+                    <a:lnB>
+                      <a:noFill/>
+                    </a:lnB>
+                  </a:tcPr>
+                </a:tc>
+                <a:tc>
+                  <a:txBody>
+                    <a:bodyPr/>
+                    <a:lstStyle/>
+                    <a:p>
+                      <a:pPr algn="l" fontAlgn="b"/>
+                      <a:endParaRPr lang="en-US" sz="1100" b="0" i="0" u="none" strike="noStrike">
+                        <a:solidFill>
+                          <a:srgbClr val="000000"/>
+                        </a:solidFill>
+                        <a:effectLst/>
+                        <a:latin typeface="Calibri" panose="020F0502020204030204" pitchFamily="34" charset="0"/>
+                      </a:endParaRPr>
+                    </a:p>
+                  </a:txBody>
+                  <a:tcPr marL="9525" marR="9525" marT="9525" marB="0" anchor="b">
+                    <a:lnL>
+                      <a:noFill/>
+                    </a:lnL>
+                    <a:lnR>
+                      <a:noFill/>
+                    </a:lnR>
+                    <a:lnT>
+                      <a:noFill/>
+                    </a:lnT>
+                    <a:lnB>
+                      <a:noFill/>
+                    </a:lnB>
+                  </a:tcPr>
+                </a:tc>
+                <a:tc>
+                  <a:txBody>
+                    <a:bodyPr/>
+                    <a:lstStyle/>
+                    <a:p>
+                      <a:pPr algn="l" fontAlgn="b"/>
+                      <a:endParaRPr lang="en-US" sz="1100" b="0" i="0" u="none" strike="noStrike">
+                        <a:solidFill>
+                          <a:srgbClr val="000000"/>
+                        </a:solidFill>
+                        <a:effectLst/>
+                        <a:latin typeface="Calibri" panose="020F0502020204030204" pitchFamily="34" charset="0"/>
+                      </a:endParaRPr>
+                    </a:p>
+                  </a:txBody>
+                  <a:tcPr marL="9525" marR="9525" marT="9525" marB="0" anchor="b">
+                    <a:lnL>
+                      <a:noFill/>
+                    </a:lnL>
+                    <a:lnR>
+                      <a:noFill/>
+                    </a:lnR>
+                    <a:lnT>
+                      <a:noFill/>
+                    </a:lnT>
+                    <a:lnB>
+                      <a:noFill/>
+                    </a:lnB>
+                  </a:tcPr>
+                </a:tc>
+                <a:extLst>
+                  <a:ext uri="{0D108BD9-81ED-4DB2-BD59-A6C34878D82A}">
+                    <a16:rowId xmlns:a16="http://schemas.microsoft.com/office/drawing/2014/main" val="3651928078"/>
+                  </a:ext>
+                </a:extLst>
+              </a:tr>
+              <a:tr h="190500">
+                <a:tc>
+                  <a:txBody>
+                    <a:bodyPr/>
+                    <a:lstStyle/>
+                    <a:p>
+                      <a:pPr algn="l" fontAlgn="b"/>
+                      <a:r>
+                        <a:rPr lang="en-US" sz="1100" b="0" i="0" u="none" strike="noStrike">
+                          <a:solidFill>
+                            <a:srgbClr val="000000"/>
+                          </a:solidFill>
+                          <a:effectLst/>
+                          <a:latin typeface="Calibri" panose="020F0502020204030204" pitchFamily="34" charset="0"/>
+                        </a:rPr>
+                        <a:t>n_label</a:t>
+                      </a:r>
+                    </a:p>
+                  </a:txBody>
+                  <a:tcPr marL="9525" marR="9525" marT="9525" marB="0" anchor="b">
+                    <a:lnL w="6350" cap="flat" cmpd="sng" algn="ctr">
+                      <a:solidFill>
+                        <a:srgbClr val="000000"/>
+                      </a:solidFill>
+                      <a:prstDash val="solid"/>
+                      <a:round/>
+                      <a:headEnd type="none" w="med" len="med"/>
+                      <a:tailEnd type="none" w="med" len="med"/>
+                    </a:lnL>
+                    <a:lnR w="6350" cap="flat" cmpd="sng" algn="ctr">
+                      <a:solidFill>
+                        <a:srgbClr val="000000"/>
+                      </a:solidFill>
+                      <a:prstDash val="solid"/>
+                      <a:round/>
+                      <a:headEnd type="none" w="med" len="med"/>
+                      <a:tailEnd type="none" w="med" len="med"/>
+                    </a:lnR>
+                    <a:lnT w="6350" cap="flat" cmpd="sng" algn="ctr">
+                      <a:solidFill>
+                        <a:srgbClr val="000000"/>
+                      </a:solidFill>
+                      <a:prstDash val="solid"/>
+                      <a:round/>
+                      <a:headEnd type="none" w="med" len="med"/>
+                      <a:tailEnd type="none" w="med" len="med"/>
+                    </a:lnT>
+                    <a:lnB w="6350" cap="flat" cmpd="sng" algn="ctr">
+                      <a:solidFill>
+                        <a:srgbClr val="000000"/>
+                      </a:solidFill>
+                      <a:prstDash val="solid"/>
+                      <a:round/>
+                      <a:headEnd type="none" w="med" len="med"/>
+                      <a:tailEnd type="none" w="med" len="med"/>
+                    </a:lnB>
+                  </a:tcPr>
+                </a:tc>
+                <a:tc>
+                  <a:txBody>
+                    <a:bodyPr/>
+                    <a:lstStyle/>
+                    <a:p>
+                      <a:pPr algn="r" fontAlgn="b"/>
+                      <a:r>
+                        <a:rPr lang="en-US" sz="1100" b="1" i="0" u="none" strike="noStrike">
+                          <a:solidFill>
+                            <a:srgbClr val="000000"/>
+                          </a:solidFill>
+                          <a:effectLst/>
+                          <a:latin typeface="Calibri" panose="020F0502020204030204" pitchFamily="34" charset="0"/>
+                        </a:rPr>
+                        <a:t>3</a:t>
+                      </a:r>
+                    </a:p>
+                  </a:txBody>
+                  <a:tcPr marL="9525" marR="9525" marT="9525" marB="0" anchor="b">
+                    <a:lnL w="6350" cap="flat" cmpd="sng" algn="ctr">
+                      <a:solidFill>
+                        <a:srgbClr val="000000"/>
+                      </a:solidFill>
+                      <a:prstDash val="solid"/>
+                      <a:round/>
+                      <a:headEnd type="none" w="med" len="med"/>
+                      <a:tailEnd type="none" w="med" len="med"/>
+                    </a:lnL>
+                    <a:lnR w="6350" cap="flat" cmpd="sng" algn="ctr">
+                      <a:solidFill>
+                        <a:srgbClr val="000000"/>
+                      </a:solidFill>
+                      <a:prstDash val="solid"/>
+                      <a:round/>
+                      <a:headEnd type="none" w="med" len="med"/>
+                      <a:tailEnd type="none" w="med" len="med"/>
+                    </a:lnR>
+                    <a:lnT w="6350" cap="flat" cmpd="sng" algn="ctr">
+                      <a:solidFill>
+                        <a:srgbClr val="000000"/>
+                      </a:solidFill>
+                      <a:prstDash val="solid"/>
+                      <a:round/>
+                      <a:headEnd type="none" w="med" len="med"/>
+                      <a:tailEnd type="none" w="med" len="med"/>
+                    </a:lnT>
+                    <a:lnB w="6350" cap="flat" cmpd="sng" algn="ctr">
+                      <a:solidFill>
+                        <a:srgbClr val="000000"/>
+                      </a:solidFill>
+                      <a:prstDash val="solid"/>
+                      <a:round/>
+                      <a:headEnd type="none" w="med" len="med"/>
+                      <a:tailEnd type="none" w="med" len="med"/>
+                    </a:lnB>
+                    <a:solidFill>
+                      <a:srgbClr val="FFFF00"/>
+                    </a:solidFill>
+                  </a:tcPr>
+                </a:tc>
+                <a:tc>
+                  <a:txBody>
+                    <a:bodyPr/>
+                    <a:lstStyle/>
+                    <a:p>
+                      <a:pPr algn="l" fontAlgn="b"/>
+                      <a:endParaRPr lang="en-US" sz="1100" b="0" i="0" u="none" strike="noStrike">
+                        <a:solidFill>
+                          <a:srgbClr val="000000"/>
+                        </a:solidFill>
+                        <a:effectLst/>
+                        <a:latin typeface="Calibri" panose="020F0502020204030204" pitchFamily="34" charset="0"/>
+                      </a:endParaRPr>
+                    </a:p>
+                  </a:txBody>
+                  <a:tcPr marL="9525" marR="9525" marT="9525" marB="0" anchor="b">
+                    <a:lnL w="6350" cap="flat" cmpd="sng" algn="ctr">
+                      <a:solidFill>
+                        <a:srgbClr val="000000"/>
+                      </a:solidFill>
+                      <a:prstDash val="solid"/>
+                      <a:round/>
+                      <a:headEnd type="none" w="med" len="med"/>
+                      <a:tailEnd type="none" w="med" len="med"/>
+                    </a:lnL>
+                    <a:lnR>
+                      <a:noFill/>
+                    </a:lnR>
+                    <a:lnT>
+                      <a:noFill/>
+                    </a:lnT>
+                    <a:lnB>
+                      <a:noFill/>
+                    </a:lnB>
+                  </a:tcPr>
+                </a:tc>
+                <a:tc>
+                  <a:txBody>
+                    <a:bodyPr/>
+                    <a:lstStyle/>
+                    <a:p>
+                      <a:pPr algn="l" fontAlgn="b"/>
+                      <a:endParaRPr lang="en-US" sz="1100" b="0" i="0" u="none" strike="noStrike">
+                        <a:solidFill>
+                          <a:srgbClr val="000000"/>
+                        </a:solidFill>
+                        <a:effectLst/>
+                        <a:latin typeface="Calibri" panose="020F0502020204030204" pitchFamily="34" charset="0"/>
+                      </a:endParaRPr>
+                    </a:p>
+                  </a:txBody>
+                  <a:tcPr marL="9525" marR="9525" marT="9525" marB="0" anchor="b">
+                    <a:lnL>
+                      <a:noFill/>
+                    </a:lnL>
+                    <a:lnR>
+                      <a:noFill/>
+                    </a:lnR>
+                    <a:lnT>
+                      <a:noFill/>
+                    </a:lnT>
+                    <a:lnB>
+                      <a:noFill/>
+                    </a:lnB>
+                  </a:tcPr>
+                </a:tc>
+                <a:tc>
+                  <a:txBody>
+                    <a:bodyPr/>
+                    <a:lstStyle/>
+                    <a:p>
+                      <a:pPr algn="l" fontAlgn="b"/>
+                      <a:endParaRPr lang="en-US" sz="1100" b="0" i="0" u="none" strike="noStrike">
+                        <a:solidFill>
+                          <a:srgbClr val="000000"/>
+                        </a:solidFill>
+                        <a:effectLst/>
+                        <a:latin typeface="Calibri" panose="020F0502020204030204" pitchFamily="34" charset="0"/>
+                      </a:endParaRPr>
+                    </a:p>
+                  </a:txBody>
+                  <a:tcPr marL="9525" marR="9525" marT="9525" marB="0" anchor="b">
+                    <a:lnL>
+                      <a:noFill/>
+                    </a:lnL>
+                    <a:lnR>
+                      <a:noFill/>
+                    </a:lnR>
+                    <a:lnT>
+                      <a:noFill/>
+                    </a:lnT>
+                    <a:lnB>
+                      <a:noFill/>
+                    </a:lnB>
+                  </a:tcPr>
+                </a:tc>
+                <a:tc>
+                  <a:txBody>
+                    <a:bodyPr/>
+                    <a:lstStyle/>
+                    <a:p>
+                      <a:pPr algn="l" fontAlgn="b"/>
+                      <a:endParaRPr lang="en-US" sz="1100" b="0" i="0" u="none" strike="noStrike">
+                        <a:solidFill>
+                          <a:srgbClr val="000000"/>
+                        </a:solidFill>
+                        <a:effectLst/>
+                        <a:latin typeface="Calibri" panose="020F0502020204030204" pitchFamily="34" charset="0"/>
+                      </a:endParaRPr>
+                    </a:p>
+                  </a:txBody>
+                  <a:tcPr marL="9525" marR="9525" marT="9525" marB="0" anchor="b">
+                    <a:lnL>
+                      <a:noFill/>
+                    </a:lnL>
+                    <a:lnR>
+                      <a:noFill/>
+                    </a:lnR>
+                    <a:lnT>
+                      <a:noFill/>
+                    </a:lnT>
+                    <a:lnB>
+                      <a:noFill/>
+                    </a:lnB>
+                  </a:tcPr>
+                </a:tc>
+                <a:extLst>
+                  <a:ext uri="{0D108BD9-81ED-4DB2-BD59-A6C34878D82A}">
+                    <a16:rowId xmlns:a16="http://schemas.microsoft.com/office/drawing/2014/main" val="1258842037"/>
+                  </a:ext>
+                </a:extLst>
+              </a:tr>
+              <a:tr h="190500">
+                <a:tc>
+                  <a:txBody>
+                    <a:bodyPr/>
+                    <a:lstStyle/>
+                    <a:p>
+                      <a:pPr algn="l" fontAlgn="b"/>
+                      <a:r>
+                        <a:rPr lang="en-US" sz="1100" b="0" i="0" u="none" strike="noStrike">
+                          <a:solidFill>
+                            <a:srgbClr val="000000"/>
+                          </a:solidFill>
+                          <a:effectLst/>
+                          <a:latin typeface="Calibri" panose="020F0502020204030204" pitchFamily="34" charset="0"/>
+                        </a:rPr>
+                        <a:t>devset</a:t>
+                      </a:r>
+                    </a:p>
+                  </a:txBody>
+                  <a:tcPr marL="9525" marR="9525" marT="9525" marB="0" anchor="b">
+                    <a:lnL w="6350" cap="flat" cmpd="sng" algn="ctr">
+                      <a:solidFill>
+                        <a:srgbClr val="000000"/>
+                      </a:solidFill>
+                      <a:prstDash val="solid"/>
+                      <a:round/>
+                      <a:headEnd type="none" w="med" len="med"/>
+                      <a:tailEnd type="none" w="med" len="med"/>
+                    </a:lnL>
+                    <a:lnR w="6350" cap="flat" cmpd="sng" algn="ctr">
+                      <a:solidFill>
+                        <a:srgbClr val="000000"/>
+                      </a:solidFill>
+                      <a:prstDash val="solid"/>
+                      <a:round/>
+                      <a:headEnd type="none" w="med" len="med"/>
+                      <a:tailEnd type="none" w="med" len="med"/>
+                    </a:lnR>
+                    <a:lnT w="6350" cap="flat" cmpd="sng" algn="ctr">
+                      <a:solidFill>
+                        <a:srgbClr val="000000"/>
+                      </a:solidFill>
+                      <a:prstDash val="solid"/>
+                      <a:round/>
+                      <a:headEnd type="none" w="med" len="med"/>
+                      <a:tailEnd type="none" w="med" len="med"/>
+                    </a:lnT>
+                    <a:lnB w="6350" cap="flat" cmpd="sng" algn="ctr">
+                      <a:solidFill>
+                        <a:srgbClr val="000000"/>
+                      </a:solidFill>
+                      <a:prstDash val="solid"/>
+                      <a:round/>
+                      <a:headEnd type="none" w="med" len="med"/>
+                      <a:tailEnd type="none" w="med" len="med"/>
+                    </a:lnB>
+                  </a:tcPr>
+                </a:tc>
+                <a:tc>
+                  <a:txBody>
+                    <a:bodyPr/>
+                    <a:lstStyle/>
+                    <a:p>
+                      <a:pPr algn="l" fontAlgn="b"/>
+                      <a:r>
+                        <a:rPr lang="en-US" sz="1100" b="1" i="0" u="none" strike="noStrike">
+                          <a:solidFill>
+                            <a:srgbClr val="000000"/>
+                          </a:solidFill>
+                          <a:effectLst/>
+                          <a:latin typeface="Calibri" panose="020F0502020204030204" pitchFamily="34" charset="0"/>
+                        </a:rPr>
+                        <a:t>protein</a:t>
+                      </a:r>
+                    </a:p>
+                  </a:txBody>
+                  <a:tcPr marL="9525" marR="9525" marT="9525" marB="0" anchor="b">
+                    <a:lnL w="6350" cap="flat" cmpd="sng" algn="ctr">
+                      <a:solidFill>
+                        <a:srgbClr val="000000"/>
+                      </a:solidFill>
+                      <a:prstDash val="solid"/>
+                      <a:round/>
+                      <a:headEnd type="none" w="med" len="med"/>
+                      <a:tailEnd type="none" w="med" len="med"/>
+                    </a:lnL>
+                    <a:lnR w="6350" cap="flat" cmpd="sng" algn="ctr">
+                      <a:solidFill>
+                        <a:srgbClr val="000000"/>
+                      </a:solidFill>
+                      <a:prstDash val="solid"/>
+                      <a:round/>
+                      <a:headEnd type="none" w="med" len="med"/>
+                      <a:tailEnd type="none" w="med" len="med"/>
+                    </a:lnR>
+                    <a:lnT w="6350" cap="flat" cmpd="sng" algn="ctr">
+                      <a:solidFill>
+                        <a:srgbClr val="000000"/>
+                      </a:solidFill>
+                      <a:prstDash val="solid"/>
+                      <a:round/>
+                      <a:headEnd type="none" w="med" len="med"/>
+                      <a:tailEnd type="none" w="med" len="med"/>
+                    </a:lnT>
+                    <a:lnB w="6350" cap="flat" cmpd="sng" algn="ctr">
+                      <a:solidFill>
+                        <a:srgbClr val="000000"/>
+                      </a:solidFill>
+                      <a:prstDash val="solid"/>
+                      <a:round/>
+                      <a:headEnd type="none" w="med" len="med"/>
+                      <a:tailEnd type="none" w="med" len="med"/>
+                    </a:lnB>
+                    <a:solidFill>
+                      <a:srgbClr val="FFFF00"/>
+                    </a:solidFill>
+                  </a:tcPr>
+                </a:tc>
+                <a:tc>
+                  <a:txBody>
+                    <a:bodyPr/>
+                    <a:lstStyle/>
+                    <a:p>
+                      <a:pPr algn="l" fontAlgn="b"/>
+                      <a:endParaRPr lang="en-US" sz="1100" b="0" i="0" u="none" strike="noStrike">
+                        <a:solidFill>
+                          <a:srgbClr val="000000"/>
+                        </a:solidFill>
+                        <a:effectLst/>
+                        <a:latin typeface="Calibri" panose="020F0502020204030204" pitchFamily="34" charset="0"/>
+                      </a:endParaRPr>
+                    </a:p>
+                  </a:txBody>
+                  <a:tcPr marL="9525" marR="9525" marT="9525" marB="0" anchor="b">
+                    <a:lnL w="6350" cap="flat" cmpd="sng" algn="ctr">
+                      <a:solidFill>
+                        <a:srgbClr val="000000"/>
+                      </a:solidFill>
+                      <a:prstDash val="solid"/>
+                      <a:round/>
+                      <a:headEnd type="none" w="med" len="med"/>
+                      <a:tailEnd type="none" w="med" len="med"/>
+                    </a:lnL>
+                    <a:lnR>
+                      <a:noFill/>
+                    </a:lnR>
+                    <a:lnT>
+                      <a:noFill/>
+                    </a:lnT>
+                    <a:lnB w="6350" cap="flat" cmpd="sng" algn="ctr">
+                      <a:solidFill>
+                        <a:srgbClr val="000000"/>
+                      </a:solidFill>
+                      <a:prstDash val="solid"/>
+                      <a:round/>
+                      <a:headEnd type="none" w="med" len="med"/>
+                      <a:tailEnd type="none" w="med" len="med"/>
+                    </a:lnB>
+                  </a:tcPr>
+                </a:tc>
+                <a:tc>
+                  <a:txBody>
+                    <a:bodyPr/>
+                    <a:lstStyle/>
+                    <a:p>
+                      <a:pPr algn="l" fontAlgn="b"/>
+                      <a:endParaRPr lang="en-US" sz="1100" b="0" i="0" u="none" strike="noStrike">
+                        <a:solidFill>
+                          <a:srgbClr val="000000"/>
+                        </a:solidFill>
+                        <a:effectLst/>
+                        <a:latin typeface="Calibri" panose="020F0502020204030204" pitchFamily="34" charset="0"/>
+                      </a:endParaRPr>
+                    </a:p>
+                  </a:txBody>
+                  <a:tcPr marL="9525" marR="9525" marT="9525" marB="0" anchor="b">
+                    <a:lnL>
+                      <a:noFill/>
+                    </a:lnL>
+                    <a:lnR>
+                      <a:noFill/>
+                    </a:lnR>
+                    <a:lnT>
+                      <a:noFill/>
+                    </a:lnT>
+                    <a:lnB w="6350" cap="flat" cmpd="sng" algn="ctr">
+                      <a:solidFill>
+                        <a:srgbClr val="000000"/>
+                      </a:solidFill>
+                      <a:prstDash val="solid"/>
+                      <a:round/>
+                      <a:headEnd type="none" w="med" len="med"/>
+                      <a:tailEnd type="none" w="med" len="med"/>
+                    </a:lnB>
+                  </a:tcPr>
+                </a:tc>
+                <a:tc>
+                  <a:txBody>
+                    <a:bodyPr/>
+                    <a:lstStyle/>
+                    <a:p>
+                      <a:pPr algn="l" fontAlgn="b"/>
+                      <a:endParaRPr lang="en-US" sz="1100" b="0" i="0" u="none" strike="noStrike">
+                        <a:solidFill>
+                          <a:srgbClr val="000000"/>
+                        </a:solidFill>
+                        <a:effectLst/>
+                        <a:latin typeface="Calibri" panose="020F0502020204030204" pitchFamily="34" charset="0"/>
+                      </a:endParaRPr>
+                    </a:p>
+                  </a:txBody>
+                  <a:tcPr marL="9525" marR="9525" marT="9525" marB="0" anchor="b">
+                    <a:lnL>
+                      <a:noFill/>
+                    </a:lnL>
+                    <a:lnR>
+                      <a:noFill/>
+                    </a:lnR>
+                    <a:lnT>
+                      <a:noFill/>
+                    </a:lnT>
+                    <a:lnB w="6350" cap="flat" cmpd="sng" algn="ctr">
+                      <a:solidFill>
+                        <a:srgbClr val="000000"/>
+                      </a:solidFill>
+                      <a:prstDash val="solid"/>
+                      <a:round/>
+                      <a:headEnd type="none" w="med" len="med"/>
+                      <a:tailEnd type="none" w="med" len="med"/>
+                    </a:lnB>
+                  </a:tcPr>
+                </a:tc>
+                <a:tc>
+                  <a:txBody>
+                    <a:bodyPr/>
+                    <a:lstStyle/>
+                    <a:p>
+                      <a:pPr algn="l" fontAlgn="b"/>
+                      <a:endParaRPr lang="en-US" sz="1100" b="0" i="0" u="none" strike="noStrike">
+                        <a:solidFill>
+                          <a:srgbClr val="000000"/>
+                        </a:solidFill>
+                        <a:effectLst/>
+                        <a:latin typeface="Calibri" panose="020F0502020204030204" pitchFamily="34" charset="0"/>
+                      </a:endParaRPr>
+                    </a:p>
+                  </a:txBody>
+                  <a:tcPr marL="9525" marR="9525" marT="9525" marB="0" anchor="b">
+                    <a:lnL>
+                      <a:noFill/>
+                    </a:lnL>
+                    <a:lnR>
+                      <a:noFill/>
+                    </a:lnR>
+                    <a:lnT>
+                      <a:noFill/>
+                    </a:lnT>
+                    <a:lnB w="6350" cap="flat" cmpd="sng" algn="ctr">
+                      <a:solidFill>
+                        <a:srgbClr val="000000"/>
+                      </a:solidFill>
+                      <a:prstDash val="solid"/>
+                      <a:round/>
+                      <a:headEnd type="none" w="med" len="med"/>
+                      <a:tailEnd type="none" w="med" len="med"/>
+                    </a:lnB>
+                  </a:tcPr>
+                </a:tc>
+                <a:extLst>
+                  <a:ext uri="{0D108BD9-81ED-4DB2-BD59-A6C34878D82A}">
+                    <a16:rowId xmlns:a16="http://schemas.microsoft.com/office/drawing/2014/main" val="3043882385"/>
+                  </a:ext>
+                </a:extLst>
+              </a:tr>
+              <a:tr h="190500">
+                <a:tc>
+                  <a:txBody>
+                    <a:bodyPr/>
+                    <a:lstStyle/>
+                    <a:p>
+                      <a:pPr algn="l" fontAlgn="b"/>
+                      <a:endParaRPr lang="en-US" sz="1100" b="0" i="0" u="none" strike="noStrike">
+                        <a:solidFill>
+                          <a:srgbClr val="000000"/>
+                        </a:solidFill>
+                        <a:effectLst/>
+                        <a:latin typeface="Calibri" panose="020F0502020204030204" pitchFamily="34" charset="0"/>
+                      </a:endParaRPr>
+                    </a:p>
+                  </a:txBody>
+                  <a:tcPr marL="9525" marR="9525" marT="9525" marB="0" anchor="b">
+                    <a:lnL>
+                      <a:noFill/>
+                    </a:lnL>
+                    <a:lnR>
+                      <a:noFill/>
+                    </a:lnR>
+                    <a:lnT w="6350" cap="flat" cmpd="sng" algn="ctr">
+                      <a:solidFill>
+                        <a:srgbClr val="000000"/>
+                      </a:solidFill>
+                      <a:prstDash val="solid"/>
+                      <a:round/>
+                      <a:headEnd type="none" w="med" len="med"/>
+                      <a:tailEnd type="none" w="med" len="med"/>
+                    </a:lnT>
+                    <a:lnB w="6350" cap="flat" cmpd="sng" algn="ctr">
+                      <a:solidFill>
+                        <a:srgbClr val="000000"/>
+                      </a:solidFill>
+                      <a:prstDash val="solid"/>
+                      <a:round/>
+                      <a:headEnd type="none" w="med" len="med"/>
+                      <a:tailEnd type="none" w="med" len="med"/>
+                    </a:lnB>
+                  </a:tcPr>
+                </a:tc>
+                <a:tc>
+                  <a:txBody>
+                    <a:bodyPr/>
+                    <a:lstStyle/>
+                    <a:p>
+                      <a:pPr algn="l" fontAlgn="b"/>
+                      <a:endParaRPr lang="en-US" sz="1100" b="0" i="0" u="none" strike="noStrike">
+                        <a:solidFill>
+                          <a:srgbClr val="000000"/>
+                        </a:solidFill>
+                        <a:effectLst/>
+                        <a:latin typeface="Calibri" panose="020F0502020204030204" pitchFamily="34" charset="0"/>
+                      </a:endParaRPr>
+                    </a:p>
+                  </a:txBody>
+                  <a:tcPr marL="9525" marR="9525" marT="9525" marB="0" anchor="b">
+                    <a:lnL>
+                      <a:noFill/>
+                    </a:lnL>
+                    <a:lnR w="6350" cap="flat" cmpd="sng" algn="ctr">
+                      <a:solidFill>
+                        <a:srgbClr val="000000"/>
+                      </a:solidFill>
+                      <a:prstDash val="solid"/>
+                      <a:round/>
+                      <a:headEnd type="none" w="med" len="med"/>
+                      <a:tailEnd type="none" w="med" len="med"/>
+                    </a:lnR>
+                    <a:lnT w="6350" cap="flat" cmpd="sng" algn="ctr">
+                      <a:solidFill>
+                        <a:srgbClr val="000000"/>
+                      </a:solidFill>
+                      <a:prstDash val="solid"/>
+                      <a:round/>
+                      <a:headEnd type="none" w="med" len="med"/>
+                      <a:tailEnd type="none" w="med" len="med"/>
+                    </a:lnT>
+                    <a:lnB w="6350" cap="flat" cmpd="sng" algn="ctr">
+                      <a:solidFill>
+                        <a:srgbClr val="000000"/>
+                      </a:solidFill>
+                      <a:prstDash val="solid"/>
+                      <a:round/>
+                      <a:headEnd type="none" w="med" len="med"/>
+                      <a:tailEnd type="none" w="med" len="med"/>
+                    </a:lnB>
+                  </a:tcPr>
+                </a:tc>
+                <a:tc>
+                  <a:txBody>
+                    <a:bodyPr/>
+                    <a:lstStyle/>
+                    <a:p>
+                      <a:pPr algn="l" fontAlgn="b"/>
+                      <a:r>
+                        <a:rPr lang="en-US" sz="1100" b="0" i="0" u="none" strike="noStrike">
+                          <a:solidFill>
+                            <a:srgbClr val="000000"/>
+                          </a:solidFill>
+                          <a:effectLst/>
+                          <a:latin typeface="Calibri" panose="020F0502020204030204" pitchFamily="34" charset="0"/>
+                        </a:rPr>
+                        <a:t>k-mer 3</a:t>
+                      </a:r>
+                    </a:p>
+                  </a:txBody>
+                  <a:tcPr marL="9525" marR="9525" marT="9525" marB="0" anchor="b">
+                    <a:lnL w="6350" cap="flat" cmpd="sng" algn="ctr">
+                      <a:solidFill>
+                        <a:srgbClr val="000000"/>
+                      </a:solidFill>
+                      <a:prstDash val="solid"/>
+                      <a:round/>
+                      <a:headEnd type="none" w="med" len="med"/>
+                      <a:tailEnd type="none" w="med" len="med"/>
+                    </a:lnL>
+                    <a:lnR w="6350" cap="flat" cmpd="sng" algn="ctr">
+                      <a:solidFill>
+                        <a:srgbClr val="000000"/>
+                      </a:solidFill>
+                      <a:prstDash val="solid"/>
+                      <a:round/>
+                      <a:headEnd type="none" w="med" len="med"/>
+                      <a:tailEnd type="none" w="med" len="med"/>
+                    </a:lnR>
+                    <a:lnT w="6350" cap="flat" cmpd="sng" algn="ctr">
+                      <a:solidFill>
+                        <a:srgbClr val="000000"/>
+                      </a:solidFill>
+                      <a:prstDash val="solid"/>
+                      <a:round/>
+                      <a:headEnd type="none" w="med" len="med"/>
+                      <a:tailEnd type="none" w="med" len="med"/>
+                    </a:lnT>
+                    <a:lnB w="6350" cap="flat" cmpd="sng" algn="ctr">
+                      <a:solidFill>
+                        <a:srgbClr val="000000"/>
+                      </a:solidFill>
+                      <a:prstDash val="solid"/>
+                      <a:round/>
+                      <a:headEnd type="none" w="med" len="med"/>
+                      <a:tailEnd type="none" w="med" len="med"/>
+                    </a:lnB>
+                  </a:tcPr>
+                </a:tc>
+                <a:tc>
+                  <a:txBody>
+                    <a:bodyPr/>
+                    <a:lstStyle/>
+                    <a:p>
+                      <a:pPr algn="l" fontAlgn="b"/>
+                      <a:r>
+                        <a:rPr lang="en-US" sz="1100" b="0" i="0" u="none" strike="noStrike">
+                          <a:solidFill>
+                            <a:srgbClr val="000000"/>
+                          </a:solidFill>
+                          <a:effectLst/>
+                          <a:latin typeface="Calibri" panose="020F0502020204030204" pitchFamily="34" charset="0"/>
+                        </a:rPr>
+                        <a:t>k-mer 4</a:t>
+                      </a:r>
+                    </a:p>
+                  </a:txBody>
+                  <a:tcPr marL="9525" marR="9525" marT="9525" marB="0" anchor="b">
+                    <a:lnL w="6350" cap="flat" cmpd="sng" algn="ctr">
+                      <a:solidFill>
+                        <a:srgbClr val="000000"/>
+                      </a:solidFill>
+                      <a:prstDash val="solid"/>
+                      <a:round/>
+                      <a:headEnd type="none" w="med" len="med"/>
+                      <a:tailEnd type="none" w="med" len="med"/>
+                    </a:lnL>
+                    <a:lnR w="6350" cap="flat" cmpd="sng" algn="ctr">
+                      <a:solidFill>
+                        <a:srgbClr val="000000"/>
+                      </a:solidFill>
+                      <a:prstDash val="solid"/>
+                      <a:round/>
+                      <a:headEnd type="none" w="med" len="med"/>
+                      <a:tailEnd type="none" w="med" len="med"/>
+                    </a:lnR>
+                    <a:lnT w="6350" cap="flat" cmpd="sng" algn="ctr">
+                      <a:solidFill>
+                        <a:srgbClr val="000000"/>
+                      </a:solidFill>
+                      <a:prstDash val="solid"/>
+                      <a:round/>
+                      <a:headEnd type="none" w="med" len="med"/>
+                      <a:tailEnd type="none" w="med" len="med"/>
+                    </a:lnT>
+                    <a:lnB w="6350" cap="flat" cmpd="sng" algn="ctr">
+                      <a:solidFill>
+                        <a:srgbClr val="000000"/>
+                      </a:solidFill>
+                      <a:prstDash val="solid"/>
+                      <a:round/>
+                      <a:headEnd type="none" w="med" len="med"/>
+                      <a:tailEnd type="none" w="med" len="med"/>
+                    </a:lnB>
+                  </a:tcPr>
+                </a:tc>
+                <a:tc>
+                  <a:txBody>
+                    <a:bodyPr/>
+                    <a:lstStyle/>
+                    <a:p>
+                      <a:pPr algn="l" fontAlgn="b"/>
+                      <a:r>
+                        <a:rPr lang="en-US" sz="1100" b="0" i="0" u="none" strike="noStrike">
+                          <a:solidFill>
+                            <a:srgbClr val="000000"/>
+                          </a:solidFill>
+                          <a:effectLst/>
+                          <a:latin typeface="Calibri" panose="020F0502020204030204" pitchFamily="34" charset="0"/>
+                        </a:rPr>
+                        <a:t>k-mer 5</a:t>
+                      </a:r>
+                    </a:p>
+                  </a:txBody>
+                  <a:tcPr marL="9525" marR="9525" marT="9525" marB="0" anchor="b">
+                    <a:lnL w="6350" cap="flat" cmpd="sng" algn="ctr">
+                      <a:solidFill>
+                        <a:srgbClr val="000000"/>
+                      </a:solidFill>
+                      <a:prstDash val="solid"/>
+                      <a:round/>
+                      <a:headEnd type="none" w="med" len="med"/>
+                      <a:tailEnd type="none" w="med" len="med"/>
+                    </a:lnL>
+                    <a:lnR w="6350" cap="flat" cmpd="sng" algn="ctr">
+                      <a:solidFill>
+                        <a:srgbClr val="000000"/>
+                      </a:solidFill>
+                      <a:prstDash val="solid"/>
+                      <a:round/>
+                      <a:headEnd type="none" w="med" len="med"/>
+                      <a:tailEnd type="none" w="med" len="med"/>
+                    </a:lnR>
+                    <a:lnT w="6350" cap="flat" cmpd="sng" algn="ctr">
+                      <a:solidFill>
+                        <a:srgbClr val="000000"/>
+                      </a:solidFill>
+                      <a:prstDash val="solid"/>
+                      <a:round/>
+                      <a:headEnd type="none" w="med" len="med"/>
+                      <a:tailEnd type="none" w="med" len="med"/>
+                    </a:lnT>
+                    <a:lnB w="6350" cap="flat" cmpd="sng" algn="ctr">
+                      <a:solidFill>
+                        <a:srgbClr val="000000"/>
+                      </a:solidFill>
+                      <a:prstDash val="solid"/>
+                      <a:round/>
+                      <a:headEnd type="none" w="med" len="med"/>
+                      <a:tailEnd type="none" w="med" len="med"/>
+                    </a:lnB>
+                  </a:tcPr>
+                </a:tc>
+                <a:tc>
+                  <a:txBody>
+                    <a:bodyPr/>
+                    <a:lstStyle/>
+                    <a:p>
+                      <a:pPr algn="l" fontAlgn="b"/>
+                      <a:r>
+                        <a:rPr lang="en-US" sz="1100" b="0" i="0" u="none" strike="noStrike">
+                          <a:solidFill>
+                            <a:srgbClr val="000000"/>
+                          </a:solidFill>
+                          <a:effectLst/>
+                          <a:latin typeface="Calibri" panose="020F0502020204030204" pitchFamily="34" charset="0"/>
+                        </a:rPr>
+                        <a:t>k-mer 6</a:t>
+                      </a:r>
+                    </a:p>
+                  </a:txBody>
+                  <a:tcPr marL="9525" marR="9525" marT="9525" marB="0" anchor="b">
+                    <a:lnL w="6350" cap="flat" cmpd="sng" algn="ctr">
+                      <a:solidFill>
+                        <a:srgbClr val="000000"/>
+                      </a:solidFill>
+                      <a:prstDash val="solid"/>
+                      <a:round/>
+                      <a:headEnd type="none" w="med" len="med"/>
+                      <a:tailEnd type="none" w="med" len="med"/>
+                    </a:lnL>
+                    <a:lnR w="6350" cap="flat" cmpd="sng" algn="ctr">
+                      <a:solidFill>
+                        <a:srgbClr val="000000"/>
+                      </a:solidFill>
+                      <a:prstDash val="solid"/>
+                      <a:round/>
+                      <a:headEnd type="none" w="med" len="med"/>
+                      <a:tailEnd type="none" w="med" len="med"/>
+                    </a:lnR>
+                    <a:lnT w="6350" cap="flat" cmpd="sng" algn="ctr">
+                      <a:solidFill>
+                        <a:srgbClr val="000000"/>
+                      </a:solidFill>
+                      <a:prstDash val="solid"/>
+                      <a:round/>
+                      <a:headEnd type="none" w="med" len="med"/>
+                      <a:tailEnd type="none" w="med" len="med"/>
+                    </a:lnT>
+                    <a:lnB w="6350" cap="flat" cmpd="sng" algn="ctr">
+                      <a:solidFill>
+                        <a:srgbClr val="000000"/>
+                      </a:solidFill>
+                      <a:prstDash val="solid"/>
+                      <a:round/>
+                      <a:headEnd type="none" w="med" len="med"/>
+                      <a:tailEnd type="none" w="med" len="med"/>
+                    </a:lnB>
+                  </a:tcPr>
+                </a:tc>
+                <a:extLst>
+                  <a:ext uri="{0D108BD9-81ED-4DB2-BD59-A6C34878D82A}">
+                    <a16:rowId xmlns:a16="http://schemas.microsoft.com/office/drawing/2014/main" val="1068622694"/>
+                  </a:ext>
+                </a:extLst>
+              </a:tr>
+              <a:tr h="190500">
+                <a:tc rowSpan="3">
+                  <a:txBody>
+                    <a:bodyPr/>
+                    <a:lstStyle/>
+                    <a:p>
+                      <a:pPr algn="ctr" fontAlgn="ctr"/>
+                      <a:r>
+                        <a:rPr lang="en-US" sz="1100" b="0" i="0" u="none" strike="noStrike">
+                          <a:solidFill>
+                            <a:srgbClr val="000000"/>
+                          </a:solidFill>
+                          <a:effectLst/>
+                          <a:latin typeface="Calibri" panose="020F0502020204030204" pitchFamily="34" charset="0"/>
+                        </a:rPr>
+                        <a:t>metrics</a:t>
+                      </a:r>
+                    </a:p>
+                  </a:txBody>
+                  <a:tcPr marL="9525" marR="9525" marT="9525" marB="0" anchor="ctr">
+                    <a:lnL w="6350" cap="flat" cmpd="sng" algn="ctr">
+                      <a:solidFill>
+                        <a:srgbClr val="000000"/>
+                      </a:solidFill>
+                      <a:prstDash val="solid"/>
+                      <a:round/>
+                      <a:headEnd type="none" w="med" len="med"/>
+                      <a:tailEnd type="none" w="med" len="med"/>
+                    </a:lnL>
+                    <a:lnR w="6350" cap="flat" cmpd="sng" algn="ctr">
+                      <a:solidFill>
+                        <a:srgbClr val="000000"/>
+                      </a:solidFill>
+                      <a:prstDash val="solid"/>
+                      <a:round/>
+                      <a:headEnd type="none" w="med" len="med"/>
+                      <a:tailEnd type="none" w="med" len="med"/>
+                    </a:lnR>
+                    <a:lnT w="6350" cap="flat" cmpd="sng" algn="ctr">
+                      <a:solidFill>
+                        <a:srgbClr val="000000"/>
+                      </a:solidFill>
+                      <a:prstDash val="solid"/>
+                      <a:round/>
+                      <a:headEnd type="none" w="med" len="med"/>
+                      <a:tailEnd type="none" w="med" len="med"/>
+                    </a:lnT>
+                    <a:lnB w="6350" cap="flat" cmpd="sng" algn="ctr">
+                      <a:solidFill>
+                        <a:srgbClr val="000000"/>
+                      </a:solidFill>
+                      <a:prstDash val="solid"/>
+                      <a:round/>
+                      <a:headEnd type="none" w="med" len="med"/>
+                      <a:tailEnd type="none" w="med" len="med"/>
+                    </a:lnB>
+                  </a:tcPr>
+                </a:tc>
+                <a:tc>
+                  <a:txBody>
+                    <a:bodyPr/>
+                    <a:lstStyle/>
+                    <a:p>
+                      <a:pPr algn="l" fontAlgn="b"/>
+                      <a:r>
+                        <a:rPr lang="en-US" sz="1100" b="0" i="0" u="none" strike="noStrike">
+                          <a:solidFill>
+                            <a:srgbClr val="000000"/>
+                          </a:solidFill>
+                          <a:effectLst/>
+                          <a:latin typeface="Calibri" panose="020F0502020204030204" pitchFamily="34" charset="0"/>
+                        </a:rPr>
+                        <a:t>acc</a:t>
+                      </a:r>
+                    </a:p>
+                  </a:txBody>
+                  <a:tcPr marL="9525" marR="9525" marT="9525" marB="0" anchor="b">
+                    <a:lnL w="6350" cap="flat" cmpd="sng" algn="ctr">
+                      <a:solidFill>
+                        <a:srgbClr val="000000"/>
+                      </a:solidFill>
+                      <a:prstDash val="solid"/>
+                      <a:round/>
+                      <a:headEnd type="none" w="med" len="med"/>
+                      <a:tailEnd type="none" w="med" len="med"/>
+                    </a:lnL>
+                    <a:lnR w="6350" cap="flat" cmpd="sng" algn="ctr">
+                      <a:solidFill>
+                        <a:srgbClr val="000000"/>
+                      </a:solidFill>
+                      <a:prstDash val="solid"/>
+                      <a:round/>
+                      <a:headEnd type="none" w="med" len="med"/>
+                      <a:tailEnd type="none" w="med" len="med"/>
+                    </a:lnR>
+                    <a:lnT w="6350" cap="flat" cmpd="sng" algn="ctr">
+                      <a:solidFill>
+                        <a:srgbClr val="000000"/>
+                      </a:solidFill>
+                      <a:prstDash val="solid"/>
+                      <a:round/>
+                      <a:headEnd type="none" w="med" len="med"/>
+                      <a:tailEnd type="none" w="med" len="med"/>
+                    </a:lnT>
+                    <a:lnB w="6350" cap="flat" cmpd="sng" algn="ctr">
+                      <a:solidFill>
+                        <a:srgbClr val="000000"/>
+                      </a:solidFill>
+                      <a:prstDash val="solid"/>
+                      <a:round/>
+                      <a:headEnd type="none" w="med" len="med"/>
+                      <a:tailEnd type="none" w="med" len="med"/>
+                    </a:lnB>
+                  </a:tcPr>
+                </a:tc>
+                <a:tc>
+                  <a:txBody>
+                    <a:bodyPr/>
+                    <a:lstStyle/>
+                    <a:p>
+                      <a:pPr algn="r" fontAlgn="b"/>
+                      <a:r>
+                        <a:rPr lang="en-US" sz="1100" b="0" i="0" u="none" strike="noStrike">
+                          <a:solidFill>
+                            <a:srgbClr val="000000"/>
+                          </a:solidFill>
+                          <a:effectLst/>
+                          <a:latin typeface="Calibri" panose="020F0502020204030204" pitchFamily="34" charset="0"/>
+                        </a:rPr>
+                        <a:t>0.36</a:t>
+                      </a:r>
+                    </a:p>
+                  </a:txBody>
+                  <a:tcPr marL="9525" marR="9525" marT="9525" marB="0" anchor="b">
+                    <a:lnL w="6350" cap="flat" cmpd="sng" algn="ctr">
+                      <a:solidFill>
+                        <a:srgbClr val="000000"/>
+                      </a:solidFill>
+                      <a:prstDash val="solid"/>
+                      <a:round/>
+                      <a:headEnd type="none" w="med" len="med"/>
+                      <a:tailEnd type="none" w="med" len="med"/>
+                    </a:lnL>
+                    <a:lnR w="6350" cap="flat" cmpd="sng" algn="ctr">
+                      <a:solidFill>
+                        <a:srgbClr val="000000"/>
+                      </a:solidFill>
+                      <a:prstDash val="solid"/>
+                      <a:round/>
+                      <a:headEnd type="none" w="med" len="med"/>
+                      <a:tailEnd type="none" w="med" len="med"/>
+                    </a:lnR>
+                    <a:lnT w="6350" cap="flat" cmpd="sng" algn="ctr">
+                      <a:solidFill>
+                        <a:srgbClr val="000000"/>
+                      </a:solidFill>
+                      <a:prstDash val="solid"/>
+                      <a:round/>
+                      <a:headEnd type="none" w="med" len="med"/>
+                      <a:tailEnd type="none" w="med" len="med"/>
+                    </a:lnT>
+                    <a:lnB w="6350" cap="flat" cmpd="sng" algn="ctr">
+                      <a:solidFill>
+                        <a:srgbClr val="000000"/>
+                      </a:solidFill>
+                      <a:prstDash val="solid"/>
+                      <a:round/>
+                      <a:headEnd type="none" w="med" len="med"/>
+                      <a:tailEnd type="none" w="med" len="med"/>
+                    </a:lnB>
+                  </a:tcPr>
+                </a:tc>
+                <a:tc>
+                  <a:txBody>
+                    <a:bodyPr/>
+                    <a:lstStyle/>
+                    <a:p>
+                      <a:pPr algn="r" fontAlgn="b"/>
+                      <a:r>
+                        <a:rPr lang="en-US" sz="1100" b="0" i="0" u="none" strike="noStrike">
+                          <a:solidFill>
+                            <a:srgbClr val="000000"/>
+                          </a:solidFill>
+                          <a:effectLst/>
+                          <a:latin typeface="Calibri" panose="020F0502020204030204" pitchFamily="34" charset="0"/>
+                        </a:rPr>
+                        <a:t>0.333333</a:t>
+                      </a:r>
+                    </a:p>
+                  </a:txBody>
+                  <a:tcPr marL="9525" marR="9525" marT="9525" marB="0" anchor="b">
+                    <a:lnL w="6350" cap="flat" cmpd="sng" algn="ctr">
+                      <a:solidFill>
+                        <a:srgbClr val="000000"/>
+                      </a:solidFill>
+                      <a:prstDash val="solid"/>
+                      <a:round/>
+                      <a:headEnd type="none" w="med" len="med"/>
+                      <a:tailEnd type="none" w="med" len="med"/>
+                    </a:lnL>
+                    <a:lnR w="6350" cap="flat" cmpd="sng" algn="ctr">
+                      <a:solidFill>
+                        <a:srgbClr val="000000"/>
+                      </a:solidFill>
+                      <a:prstDash val="solid"/>
+                      <a:round/>
+                      <a:headEnd type="none" w="med" len="med"/>
+                      <a:tailEnd type="none" w="med" len="med"/>
+                    </a:lnR>
+                    <a:lnT w="6350" cap="flat" cmpd="sng" algn="ctr">
+                      <a:solidFill>
+                        <a:srgbClr val="000000"/>
+                      </a:solidFill>
+                      <a:prstDash val="solid"/>
+                      <a:round/>
+                      <a:headEnd type="none" w="med" len="med"/>
+                      <a:tailEnd type="none" w="med" len="med"/>
+                    </a:lnT>
+                    <a:lnB w="6350" cap="flat" cmpd="sng" algn="ctr">
+                      <a:solidFill>
+                        <a:srgbClr val="000000"/>
+                      </a:solidFill>
+                      <a:prstDash val="solid"/>
+                      <a:round/>
+                      <a:headEnd type="none" w="med" len="med"/>
+                      <a:tailEnd type="none" w="med" len="med"/>
+                    </a:lnB>
+                  </a:tcPr>
+                </a:tc>
+                <a:tc>
+                  <a:txBody>
+                    <a:bodyPr/>
+                    <a:lstStyle/>
+                    <a:p>
+                      <a:pPr algn="r" fontAlgn="b"/>
+                      <a:r>
+                        <a:rPr lang="en-US" sz="1100" b="0" i="0" u="none" strike="noStrike">
+                          <a:solidFill>
+                            <a:srgbClr val="000000"/>
+                          </a:solidFill>
+                          <a:effectLst/>
+                          <a:latin typeface="Calibri" panose="020F0502020204030204" pitchFamily="34" charset="0"/>
+                        </a:rPr>
+                        <a:t>0.306667</a:t>
+                      </a:r>
+                    </a:p>
+                  </a:txBody>
+                  <a:tcPr marL="9525" marR="9525" marT="9525" marB="0" anchor="b">
+                    <a:lnL w="6350" cap="flat" cmpd="sng" algn="ctr">
+                      <a:solidFill>
+                        <a:srgbClr val="000000"/>
+                      </a:solidFill>
+                      <a:prstDash val="solid"/>
+                      <a:round/>
+                      <a:headEnd type="none" w="med" len="med"/>
+                      <a:tailEnd type="none" w="med" len="med"/>
+                    </a:lnL>
+                    <a:lnR w="6350" cap="flat" cmpd="sng" algn="ctr">
+                      <a:solidFill>
+                        <a:srgbClr val="000000"/>
+                      </a:solidFill>
+                      <a:prstDash val="solid"/>
+                      <a:round/>
+                      <a:headEnd type="none" w="med" len="med"/>
+                      <a:tailEnd type="none" w="med" len="med"/>
+                    </a:lnR>
+                    <a:lnT w="6350" cap="flat" cmpd="sng" algn="ctr">
+                      <a:solidFill>
+                        <a:srgbClr val="000000"/>
+                      </a:solidFill>
+                      <a:prstDash val="solid"/>
+                      <a:round/>
+                      <a:headEnd type="none" w="med" len="med"/>
+                      <a:tailEnd type="none" w="med" len="med"/>
+                    </a:lnT>
+                    <a:lnB w="6350" cap="flat" cmpd="sng" algn="ctr">
+                      <a:solidFill>
+                        <a:srgbClr val="000000"/>
+                      </a:solidFill>
+                      <a:prstDash val="solid"/>
+                      <a:round/>
+                      <a:headEnd type="none" w="med" len="med"/>
+                      <a:tailEnd type="none" w="med" len="med"/>
+                    </a:lnB>
+                  </a:tcPr>
+                </a:tc>
+                <a:tc>
+                  <a:txBody>
+                    <a:bodyPr/>
+                    <a:lstStyle/>
+                    <a:p>
+                      <a:pPr algn="r" fontAlgn="b"/>
+                      <a:r>
+                        <a:rPr lang="en-US" sz="1100" b="0" i="0" u="none" strike="noStrike">
+                          <a:solidFill>
+                            <a:srgbClr val="000000"/>
+                          </a:solidFill>
+                          <a:effectLst/>
+                          <a:latin typeface="Calibri" panose="020F0502020204030204" pitchFamily="34" charset="0"/>
+                        </a:rPr>
+                        <a:t>0.333333</a:t>
+                      </a:r>
+                    </a:p>
+                  </a:txBody>
+                  <a:tcPr marL="9525" marR="9525" marT="9525" marB="0" anchor="b">
+                    <a:lnL w="6350" cap="flat" cmpd="sng" algn="ctr">
+                      <a:solidFill>
+                        <a:srgbClr val="000000"/>
+                      </a:solidFill>
+                      <a:prstDash val="solid"/>
+                      <a:round/>
+                      <a:headEnd type="none" w="med" len="med"/>
+                      <a:tailEnd type="none" w="med" len="med"/>
+                    </a:lnL>
+                    <a:lnR w="6350" cap="flat" cmpd="sng" algn="ctr">
+                      <a:solidFill>
+                        <a:srgbClr val="000000"/>
+                      </a:solidFill>
+                      <a:prstDash val="solid"/>
+                      <a:round/>
+                      <a:headEnd type="none" w="med" len="med"/>
+                      <a:tailEnd type="none" w="med" len="med"/>
+                    </a:lnR>
+                    <a:lnT w="6350" cap="flat" cmpd="sng" algn="ctr">
+                      <a:solidFill>
+                        <a:srgbClr val="000000"/>
+                      </a:solidFill>
+                      <a:prstDash val="solid"/>
+                      <a:round/>
+                      <a:headEnd type="none" w="med" len="med"/>
+                      <a:tailEnd type="none" w="med" len="med"/>
+                    </a:lnT>
+                    <a:lnB w="6350" cap="flat" cmpd="sng" algn="ctr">
+                      <a:solidFill>
+                        <a:srgbClr val="000000"/>
+                      </a:solidFill>
+                      <a:prstDash val="solid"/>
+                      <a:round/>
+                      <a:headEnd type="none" w="med" len="med"/>
+                      <a:tailEnd type="none" w="med" len="med"/>
+                    </a:lnB>
+                  </a:tcPr>
+                </a:tc>
+                <a:extLst>
+                  <a:ext uri="{0D108BD9-81ED-4DB2-BD59-A6C34878D82A}">
+                    <a16:rowId xmlns:a16="http://schemas.microsoft.com/office/drawing/2014/main" val="1631242882"/>
+                  </a:ext>
+                </a:extLst>
+              </a:tr>
+              <a:tr h="190500">
+                <a:tc vMerge="1">
+                  <a:txBody>
+                    <a:bodyPr/>
+                    <a:lstStyle/>
+                    <a:p>
+                      <a:endParaRPr lang="en-US"/>
+                    </a:p>
+                  </a:txBody>
+                  <a:tcPr/>
+                </a:tc>
+                <a:tc>
+                  <a:txBody>
+                    <a:bodyPr/>
+                    <a:lstStyle/>
+                    <a:p>
+                      <a:pPr algn="l" fontAlgn="b"/>
+                      <a:r>
+                        <a:rPr lang="en-US" sz="1100" b="0" i="0" u="none" strike="noStrike">
+                          <a:solidFill>
+                            <a:srgbClr val="000000"/>
+                          </a:solidFill>
+                          <a:effectLst/>
+                          <a:latin typeface="Calibri" panose="020F0502020204030204" pitchFamily="34" charset="0"/>
+                        </a:rPr>
+                        <a:t>precision</a:t>
+                      </a:r>
+                    </a:p>
+                  </a:txBody>
+                  <a:tcPr marL="9525" marR="9525" marT="9525" marB="0" anchor="b">
+                    <a:lnL w="6350" cap="flat" cmpd="sng" algn="ctr">
+                      <a:solidFill>
+                        <a:srgbClr val="000000"/>
+                      </a:solidFill>
+                      <a:prstDash val="solid"/>
+                      <a:round/>
+                      <a:headEnd type="none" w="med" len="med"/>
+                      <a:tailEnd type="none" w="med" len="med"/>
+                    </a:lnL>
+                    <a:lnR w="6350" cap="flat" cmpd="sng" algn="ctr">
+                      <a:solidFill>
+                        <a:srgbClr val="000000"/>
+                      </a:solidFill>
+                      <a:prstDash val="solid"/>
+                      <a:round/>
+                      <a:headEnd type="none" w="med" len="med"/>
+                      <a:tailEnd type="none" w="med" len="med"/>
+                    </a:lnR>
+                    <a:lnT w="6350" cap="flat" cmpd="sng" algn="ctr">
+                      <a:solidFill>
+                        <a:srgbClr val="000000"/>
+                      </a:solidFill>
+                      <a:prstDash val="solid"/>
+                      <a:round/>
+                      <a:headEnd type="none" w="med" len="med"/>
+                      <a:tailEnd type="none" w="med" len="med"/>
+                    </a:lnT>
+                    <a:lnB w="6350" cap="flat" cmpd="sng" algn="ctr">
+                      <a:solidFill>
+                        <a:srgbClr val="000000"/>
+                      </a:solidFill>
+                      <a:prstDash val="solid"/>
+                      <a:round/>
+                      <a:headEnd type="none" w="med" len="med"/>
+                      <a:tailEnd type="none" w="med" len="med"/>
+                    </a:lnB>
+                  </a:tcPr>
+                </a:tc>
+                <a:tc>
+                  <a:txBody>
+                    <a:bodyPr/>
+                    <a:lstStyle/>
+                    <a:p>
+                      <a:pPr algn="r" fontAlgn="b"/>
+                      <a:r>
+                        <a:rPr lang="en-US" sz="1100" b="0" i="0" u="none" strike="noStrike">
+                          <a:solidFill>
+                            <a:srgbClr val="000000"/>
+                          </a:solidFill>
+                          <a:effectLst/>
+                          <a:latin typeface="Calibri" panose="020F0502020204030204" pitchFamily="34" charset="0"/>
+                        </a:rPr>
+                        <a:t>0.358437</a:t>
+                      </a:r>
+                    </a:p>
+                  </a:txBody>
+                  <a:tcPr marL="9525" marR="9525" marT="9525" marB="0" anchor="b">
+                    <a:lnL w="6350" cap="flat" cmpd="sng" algn="ctr">
+                      <a:solidFill>
+                        <a:srgbClr val="000000"/>
+                      </a:solidFill>
+                      <a:prstDash val="solid"/>
+                      <a:round/>
+                      <a:headEnd type="none" w="med" len="med"/>
+                      <a:tailEnd type="none" w="med" len="med"/>
+                    </a:lnL>
+                    <a:lnR w="6350" cap="flat" cmpd="sng" algn="ctr">
+                      <a:solidFill>
+                        <a:srgbClr val="000000"/>
+                      </a:solidFill>
+                      <a:prstDash val="solid"/>
+                      <a:round/>
+                      <a:headEnd type="none" w="med" len="med"/>
+                      <a:tailEnd type="none" w="med" len="med"/>
+                    </a:lnR>
+                    <a:lnT w="6350" cap="flat" cmpd="sng" algn="ctr">
+                      <a:solidFill>
+                        <a:srgbClr val="000000"/>
+                      </a:solidFill>
+                      <a:prstDash val="solid"/>
+                      <a:round/>
+                      <a:headEnd type="none" w="med" len="med"/>
+                      <a:tailEnd type="none" w="med" len="med"/>
+                    </a:lnT>
+                    <a:lnB w="6350" cap="flat" cmpd="sng" algn="ctr">
+                      <a:solidFill>
+                        <a:srgbClr val="000000"/>
+                      </a:solidFill>
+                      <a:prstDash val="solid"/>
+                      <a:round/>
+                      <a:headEnd type="none" w="med" len="med"/>
+                      <a:tailEnd type="none" w="med" len="med"/>
+                    </a:lnB>
+                  </a:tcPr>
+                </a:tc>
+                <a:tc>
+                  <a:txBody>
+                    <a:bodyPr/>
+                    <a:lstStyle/>
+                    <a:p>
+                      <a:pPr algn="r" fontAlgn="b"/>
+                      <a:r>
+                        <a:rPr lang="en-US" sz="1100" b="0" i="0" u="none" strike="noStrike">
+                          <a:solidFill>
+                            <a:srgbClr val="000000"/>
+                          </a:solidFill>
+                          <a:effectLst/>
+                          <a:latin typeface="Calibri" panose="020F0502020204030204" pitchFamily="34" charset="0"/>
+                        </a:rPr>
+                        <a:t>0.111111</a:t>
+                      </a:r>
+                    </a:p>
+                  </a:txBody>
+                  <a:tcPr marL="9525" marR="9525" marT="9525" marB="0" anchor="b">
+                    <a:lnL w="6350" cap="flat" cmpd="sng" algn="ctr">
+                      <a:solidFill>
+                        <a:srgbClr val="000000"/>
+                      </a:solidFill>
+                      <a:prstDash val="solid"/>
+                      <a:round/>
+                      <a:headEnd type="none" w="med" len="med"/>
+                      <a:tailEnd type="none" w="med" len="med"/>
+                    </a:lnL>
+                    <a:lnR w="6350" cap="flat" cmpd="sng" algn="ctr">
+                      <a:solidFill>
+                        <a:srgbClr val="000000"/>
+                      </a:solidFill>
+                      <a:prstDash val="solid"/>
+                      <a:round/>
+                      <a:headEnd type="none" w="med" len="med"/>
+                      <a:tailEnd type="none" w="med" len="med"/>
+                    </a:lnR>
+                    <a:lnT w="6350" cap="flat" cmpd="sng" algn="ctr">
+                      <a:solidFill>
+                        <a:srgbClr val="000000"/>
+                      </a:solidFill>
+                      <a:prstDash val="solid"/>
+                      <a:round/>
+                      <a:headEnd type="none" w="med" len="med"/>
+                      <a:tailEnd type="none" w="med" len="med"/>
+                    </a:lnT>
+                    <a:lnB w="6350" cap="flat" cmpd="sng" algn="ctr">
+                      <a:solidFill>
+                        <a:srgbClr val="000000"/>
+                      </a:solidFill>
+                      <a:prstDash val="solid"/>
+                      <a:round/>
+                      <a:headEnd type="none" w="med" len="med"/>
+                      <a:tailEnd type="none" w="med" len="med"/>
+                    </a:lnB>
+                  </a:tcPr>
+                </a:tc>
+                <a:tc>
+                  <a:txBody>
+                    <a:bodyPr/>
+                    <a:lstStyle/>
+                    <a:p>
+                      <a:pPr algn="r" fontAlgn="b"/>
+                      <a:r>
+                        <a:rPr lang="en-US" sz="1100" b="0" i="0" u="none" strike="noStrike">
+                          <a:solidFill>
+                            <a:srgbClr val="000000"/>
+                          </a:solidFill>
+                          <a:effectLst/>
+                          <a:latin typeface="Calibri" panose="020F0502020204030204" pitchFamily="34" charset="0"/>
+                        </a:rPr>
+                        <a:t>0.105023</a:t>
+                      </a:r>
+                    </a:p>
+                  </a:txBody>
+                  <a:tcPr marL="9525" marR="9525" marT="9525" marB="0" anchor="b">
+                    <a:lnL w="6350" cap="flat" cmpd="sng" algn="ctr">
+                      <a:solidFill>
+                        <a:srgbClr val="000000"/>
+                      </a:solidFill>
+                      <a:prstDash val="solid"/>
+                      <a:round/>
+                      <a:headEnd type="none" w="med" len="med"/>
+                      <a:tailEnd type="none" w="med" len="med"/>
+                    </a:lnL>
+                    <a:lnR w="6350" cap="flat" cmpd="sng" algn="ctr">
+                      <a:solidFill>
+                        <a:srgbClr val="000000"/>
+                      </a:solidFill>
+                      <a:prstDash val="solid"/>
+                      <a:round/>
+                      <a:headEnd type="none" w="med" len="med"/>
+                      <a:tailEnd type="none" w="med" len="med"/>
+                    </a:lnR>
+                    <a:lnT w="6350" cap="flat" cmpd="sng" algn="ctr">
+                      <a:solidFill>
+                        <a:srgbClr val="000000"/>
+                      </a:solidFill>
+                      <a:prstDash val="solid"/>
+                      <a:round/>
+                      <a:headEnd type="none" w="med" len="med"/>
+                      <a:tailEnd type="none" w="med" len="med"/>
+                    </a:lnT>
+                    <a:lnB w="6350" cap="flat" cmpd="sng" algn="ctr">
+                      <a:solidFill>
+                        <a:srgbClr val="000000"/>
+                      </a:solidFill>
+                      <a:prstDash val="solid"/>
+                      <a:round/>
+                      <a:headEnd type="none" w="med" len="med"/>
+                      <a:tailEnd type="none" w="med" len="med"/>
+                    </a:lnB>
+                  </a:tcPr>
+                </a:tc>
+                <a:tc>
+                  <a:txBody>
+                    <a:bodyPr/>
+                    <a:lstStyle/>
+                    <a:p>
+                      <a:pPr algn="r" fontAlgn="b"/>
+                      <a:r>
+                        <a:rPr lang="en-US" sz="1100" b="0" i="0" u="none" strike="noStrike">
+                          <a:solidFill>
+                            <a:srgbClr val="000000"/>
+                          </a:solidFill>
+                          <a:effectLst/>
+                          <a:latin typeface="Calibri" panose="020F0502020204030204" pitchFamily="34" charset="0"/>
+                        </a:rPr>
+                        <a:t>0.111111</a:t>
+                      </a:r>
+                    </a:p>
+                  </a:txBody>
+                  <a:tcPr marL="9525" marR="9525" marT="9525" marB="0" anchor="b">
+                    <a:lnL w="6350" cap="flat" cmpd="sng" algn="ctr">
+                      <a:solidFill>
+                        <a:srgbClr val="000000"/>
+                      </a:solidFill>
+                      <a:prstDash val="solid"/>
+                      <a:round/>
+                      <a:headEnd type="none" w="med" len="med"/>
+                      <a:tailEnd type="none" w="med" len="med"/>
+                    </a:lnL>
+                    <a:lnR w="6350" cap="flat" cmpd="sng" algn="ctr">
+                      <a:solidFill>
+                        <a:srgbClr val="000000"/>
+                      </a:solidFill>
+                      <a:prstDash val="solid"/>
+                      <a:round/>
+                      <a:headEnd type="none" w="med" len="med"/>
+                      <a:tailEnd type="none" w="med" len="med"/>
+                    </a:lnR>
+                    <a:lnT w="6350" cap="flat" cmpd="sng" algn="ctr">
+                      <a:solidFill>
+                        <a:srgbClr val="000000"/>
+                      </a:solidFill>
+                      <a:prstDash val="solid"/>
+                      <a:round/>
+                      <a:headEnd type="none" w="med" len="med"/>
+                      <a:tailEnd type="none" w="med" len="med"/>
+                    </a:lnT>
+                    <a:lnB w="6350" cap="flat" cmpd="sng" algn="ctr">
+                      <a:solidFill>
+                        <a:srgbClr val="000000"/>
+                      </a:solidFill>
+                      <a:prstDash val="solid"/>
+                      <a:round/>
+                      <a:headEnd type="none" w="med" len="med"/>
+                      <a:tailEnd type="none" w="med" len="med"/>
+                    </a:lnB>
+                  </a:tcPr>
+                </a:tc>
+                <a:extLst>
+                  <a:ext uri="{0D108BD9-81ED-4DB2-BD59-A6C34878D82A}">
+                    <a16:rowId xmlns:a16="http://schemas.microsoft.com/office/drawing/2014/main" val="2911804908"/>
+                  </a:ext>
+                </a:extLst>
+              </a:tr>
+              <a:tr h="190500">
+                <a:tc vMerge="1">
+                  <a:txBody>
+                    <a:bodyPr/>
+                    <a:lstStyle/>
+                    <a:p>
+                      <a:endParaRPr lang="en-US"/>
+                    </a:p>
+                  </a:txBody>
+                  <a:tcPr/>
+                </a:tc>
+                <a:tc>
+                  <a:txBody>
+                    <a:bodyPr/>
+                    <a:lstStyle/>
+                    <a:p>
+                      <a:pPr algn="l" fontAlgn="b"/>
+                      <a:r>
+                        <a:rPr lang="en-US" sz="1100" b="0" i="0" u="none" strike="noStrike">
+                          <a:solidFill>
+                            <a:srgbClr val="000000"/>
+                          </a:solidFill>
+                          <a:effectLst/>
+                          <a:latin typeface="Calibri" panose="020F0502020204030204" pitchFamily="34" charset="0"/>
+                        </a:rPr>
+                        <a:t>recall</a:t>
+                      </a:r>
+                    </a:p>
+                  </a:txBody>
+                  <a:tcPr marL="9525" marR="9525" marT="9525" marB="0" anchor="b">
+                    <a:lnL w="6350" cap="flat" cmpd="sng" algn="ctr">
+                      <a:solidFill>
+                        <a:srgbClr val="000000"/>
+                      </a:solidFill>
+                      <a:prstDash val="solid"/>
+                      <a:round/>
+                      <a:headEnd type="none" w="med" len="med"/>
+                      <a:tailEnd type="none" w="med" len="med"/>
+                    </a:lnL>
+                    <a:lnR w="6350" cap="flat" cmpd="sng" algn="ctr">
+                      <a:solidFill>
+                        <a:srgbClr val="000000"/>
+                      </a:solidFill>
+                      <a:prstDash val="solid"/>
+                      <a:round/>
+                      <a:headEnd type="none" w="med" len="med"/>
+                      <a:tailEnd type="none" w="med" len="med"/>
+                    </a:lnR>
+                    <a:lnT w="6350" cap="flat" cmpd="sng" algn="ctr">
+                      <a:solidFill>
+                        <a:srgbClr val="000000"/>
+                      </a:solidFill>
+                      <a:prstDash val="solid"/>
+                      <a:round/>
+                      <a:headEnd type="none" w="med" len="med"/>
+                      <a:tailEnd type="none" w="med" len="med"/>
+                    </a:lnT>
+                    <a:lnB w="6350" cap="flat" cmpd="sng" algn="ctr">
+                      <a:solidFill>
+                        <a:srgbClr val="000000"/>
+                      </a:solidFill>
+                      <a:prstDash val="solid"/>
+                      <a:round/>
+                      <a:headEnd type="none" w="med" len="med"/>
+                      <a:tailEnd type="none" w="med" len="med"/>
+                    </a:lnB>
+                  </a:tcPr>
+                </a:tc>
+                <a:tc>
+                  <a:txBody>
+                    <a:bodyPr/>
+                    <a:lstStyle/>
+                    <a:p>
+                      <a:pPr algn="r" fontAlgn="b"/>
+                      <a:r>
+                        <a:rPr lang="en-US" sz="1100" b="0" i="0" u="none" strike="noStrike">
+                          <a:solidFill>
+                            <a:srgbClr val="000000"/>
+                          </a:solidFill>
+                          <a:effectLst/>
+                          <a:latin typeface="Calibri" panose="020F0502020204030204" pitchFamily="34" charset="0"/>
+                        </a:rPr>
+                        <a:t>0.36</a:t>
+                      </a:r>
+                    </a:p>
+                  </a:txBody>
+                  <a:tcPr marL="9525" marR="9525" marT="9525" marB="0" anchor="b">
+                    <a:lnL w="6350" cap="flat" cmpd="sng" algn="ctr">
+                      <a:solidFill>
+                        <a:srgbClr val="000000"/>
+                      </a:solidFill>
+                      <a:prstDash val="solid"/>
+                      <a:round/>
+                      <a:headEnd type="none" w="med" len="med"/>
+                      <a:tailEnd type="none" w="med" len="med"/>
+                    </a:lnL>
+                    <a:lnR w="6350" cap="flat" cmpd="sng" algn="ctr">
+                      <a:solidFill>
+                        <a:srgbClr val="000000"/>
+                      </a:solidFill>
+                      <a:prstDash val="solid"/>
+                      <a:round/>
+                      <a:headEnd type="none" w="med" len="med"/>
+                      <a:tailEnd type="none" w="med" len="med"/>
+                    </a:lnR>
+                    <a:lnT w="6350" cap="flat" cmpd="sng" algn="ctr">
+                      <a:solidFill>
+                        <a:srgbClr val="000000"/>
+                      </a:solidFill>
+                      <a:prstDash val="solid"/>
+                      <a:round/>
+                      <a:headEnd type="none" w="med" len="med"/>
+                      <a:tailEnd type="none" w="med" len="med"/>
+                    </a:lnT>
+                    <a:lnB w="6350" cap="flat" cmpd="sng" algn="ctr">
+                      <a:solidFill>
+                        <a:srgbClr val="000000"/>
+                      </a:solidFill>
+                      <a:prstDash val="solid"/>
+                      <a:round/>
+                      <a:headEnd type="none" w="med" len="med"/>
+                      <a:tailEnd type="none" w="med" len="med"/>
+                    </a:lnB>
+                  </a:tcPr>
+                </a:tc>
+                <a:tc>
+                  <a:txBody>
+                    <a:bodyPr/>
+                    <a:lstStyle/>
+                    <a:p>
+                      <a:pPr algn="r" fontAlgn="b"/>
+                      <a:r>
+                        <a:rPr lang="en-US" sz="1100" b="0" i="0" u="none" strike="noStrike">
+                          <a:solidFill>
+                            <a:srgbClr val="000000"/>
+                          </a:solidFill>
+                          <a:effectLst/>
+                          <a:latin typeface="Calibri" panose="020F0502020204030204" pitchFamily="34" charset="0"/>
+                        </a:rPr>
+                        <a:t>0.333333</a:t>
+                      </a:r>
+                    </a:p>
+                  </a:txBody>
+                  <a:tcPr marL="9525" marR="9525" marT="9525" marB="0" anchor="b">
+                    <a:lnL w="6350" cap="flat" cmpd="sng" algn="ctr">
+                      <a:solidFill>
+                        <a:srgbClr val="000000"/>
+                      </a:solidFill>
+                      <a:prstDash val="solid"/>
+                      <a:round/>
+                      <a:headEnd type="none" w="med" len="med"/>
+                      <a:tailEnd type="none" w="med" len="med"/>
+                    </a:lnL>
+                    <a:lnR w="6350" cap="flat" cmpd="sng" algn="ctr">
+                      <a:solidFill>
+                        <a:srgbClr val="000000"/>
+                      </a:solidFill>
+                      <a:prstDash val="solid"/>
+                      <a:round/>
+                      <a:headEnd type="none" w="med" len="med"/>
+                      <a:tailEnd type="none" w="med" len="med"/>
+                    </a:lnR>
+                    <a:lnT w="6350" cap="flat" cmpd="sng" algn="ctr">
+                      <a:solidFill>
+                        <a:srgbClr val="000000"/>
+                      </a:solidFill>
+                      <a:prstDash val="solid"/>
+                      <a:round/>
+                      <a:headEnd type="none" w="med" len="med"/>
+                      <a:tailEnd type="none" w="med" len="med"/>
+                    </a:lnT>
+                    <a:lnB w="6350" cap="flat" cmpd="sng" algn="ctr">
+                      <a:solidFill>
+                        <a:srgbClr val="000000"/>
+                      </a:solidFill>
+                      <a:prstDash val="solid"/>
+                      <a:round/>
+                      <a:headEnd type="none" w="med" len="med"/>
+                      <a:tailEnd type="none" w="med" len="med"/>
+                    </a:lnB>
+                  </a:tcPr>
+                </a:tc>
+                <a:tc>
+                  <a:txBody>
+                    <a:bodyPr/>
+                    <a:lstStyle/>
+                    <a:p>
+                      <a:pPr algn="r" fontAlgn="b"/>
+                      <a:r>
+                        <a:rPr lang="en-US" sz="1100" b="0" i="0" u="none" strike="noStrike">
+                          <a:solidFill>
+                            <a:srgbClr val="000000"/>
+                          </a:solidFill>
+                          <a:effectLst/>
+                          <a:latin typeface="Calibri" panose="020F0502020204030204" pitchFamily="34" charset="0"/>
+                        </a:rPr>
+                        <a:t>0.306667</a:t>
+                      </a:r>
+                    </a:p>
+                  </a:txBody>
+                  <a:tcPr marL="9525" marR="9525" marT="9525" marB="0" anchor="b">
+                    <a:lnL w="6350" cap="flat" cmpd="sng" algn="ctr">
+                      <a:solidFill>
+                        <a:srgbClr val="000000"/>
+                      </a:solidFill>
+                      <a:prstDash val="solid"/>
+                      <a:round/>
+                      <a:headEnd type="none" w="med" len="med"/>
+                      <a:tailEnd type="none" w="med" len="med"/>
+                    </a:lnL>
+                    <a:lnR w="6350" cap="flat" cmpd="sng" algn="ctr">
+                      <a:solidFill>
+                        <a:srgbClr val="000000"/>
+                      </a:solidFill>
+                      <a:prstDash val="solid"/>
+                      <a:round/>
+                      <a:headEnd type="none" w="med" len="med"/>
+                      <a:tailEnd type="none" w="med" len="med"/>
+                    </a:lnR>
+                    <a:lnT w="6350" cap="flat" cmpd="sng" algn="ctr">
+                      <a:solidFill>
+                        <a:srgbClr val="000000"/>
+                      </a:solidFill>
+                      <a:prstDash val="solid"/>
+                      <a:round/>
+                      <a:headEnd type="none" w="med" len="med"/>
+                      <a:tailEnd type="none" w="med" len="med"/>
+                    </a:lnT>
+                    <a:lnB w="6350" cap="flat" cmpd="sng" algn="ctr">
+                      <a:solidFill>
+                        <a:srgbClr val="000000"/>
+                      </a:solidFill>
+                      <a:prstDash val="solid"/>
+                      <a:round/>
+                      <a:headEnd type="none" w="med" len="med"/>
+                      <a:tailEnd type="none" w="med" len="med"/>
+                    </a:lnB>
+                  </a:tcPr>
+                </a:tc>
+                <a:tc>
+                  <a:txBody>
+                    <a:bodyPr/>
+                    <a:lstStyle/>
+                    <a:p>
+                      <a:pPr algn="r" fontAlgn="b"/>
+                      <a:r>
+                        <a:rPr lang="en-US" sz="1100" b="0" i="0" u="none" strike="noStrike" dirty="0">
+                          <a:solidFill>
+                            <a:srgbClr val="000000"/>
+                          </a:solidFill>
+                          <a:effectLst/>
+                          <a:latin typeface="Calibri" panose="020F0502020204030204" pitchFamily="34" charset="0"/>
+                        </a:rPr>
+                        <a:t>0.333333</a:t>
+                      </a:r>
+                    </a:p>
+                  </a:txBody>
+                  <a:tcPr marL="9525" marR="9525" marT="9525" marB="0" anchor="b">
+                    <a:lnL w="6350" cap="flat" cmpd="sng" algn="ctr">
+                      <a:solidFill>
+                        <a:srgbClr val="000000"/>
+                      </a:solidFill>
+                      <a:prstDash val="solid"/>
+                      <a:round/>
+                      <a:headEnd type="none" w="med" len="med"/>
+                      <a:tailEnd type="none" w="med" len="med"/>
+                    </a:lnL>
+                    <a:lnR w="6350" cap="flat" cmpd="sng" algn="ctr">
+                      <a:solidFill>
+                        <a:srgbClr val="000000"/>
+                      </a:solidFill>
+                      <a:prstDash val="solid"/>
+                      <a:round/>
+                      <a:headEnd type="none" w="med" len="med"/>
+                      <a:tailEnd type="none" w="med" len="med"/>
+                    </a:lnR>
+                    <a:lnT w="6350" cap="flat" cmpd="sng" algn="ctr">
+                      <a:solidFill>
+                        <a:srgbClr val="000000"/>
+                      </a:solidFill>
+                      <a:prstDash val="solid"/>
+                      <a:round/>
+                      <a:headEnd type="none" w="med" len="med"/>
+                      <a:tailEnd type="none" w="med" len="med"/>
+                    </a:lnT>
+                    <a:lnB w="6350" cap="flat" cmpd="sng" algn="ctr">
+                      <a:solidFill>
+                        <a:srgbClr val="000000"/>
+                      </a:solidFill>
+                      <a:prstDash val="solid"/>
+                      <a:round/>
+                      <a:headEnd type="none" w="med" len="med"/>
+                      <a:tailEnd type="none" w="med" len="med"/>
+                    </a:lnB>
+                  </a:tcPr>
+                </a:tc>
+                <a:extLst>
+                  <a:ext uri="{0D108BD9-81ED-4DB2-BD59-A6C34878D82A}">
+                    <a16:rowId xmlns:a16="http://schemas.microsoft.com/office/drawing/2014/main" val="3006539086"/>
+                  </a:ext>
+                </a:extLst>
+              </a:tr>
+            </a:tbl>
+          </a:graphicData>
+        </a:graphic>
+      </p:graphicFrame>
+    </p:spTree>
+    <p:extLst>
+      <p:ext uri="{BB962C8B-B14F-4D97-AF65-F5344CB8AC3E}">
+        <p14:creationId xmlns:p14="http://schemas.microsoft.com/office/powerpoint/2010/main" val="3602904151"/>
+      </p:ext>
+    </p:extLst>
+  </p:cSld>
+  <p:clrMapOvr>
+    <a:masterClrMapping/>
+  </p:clrMapOvr>
+</p:sld>
+</file>
+
+<file path=ppt/slides/slide3.xml><?xml version="1.0" encoding="utf-8"?>
+<p:sld xmlns:a="http://schemas.openxmlformats.org/drawingml/2006/main" xmlns:r="http://schemas.openxmlformats.org/officeDocument/2006/relationships" xmlns:p="http://schemas.openxmlformats.org/presentationml/2006/main">
+  <p:cSld>
+    <p:spTree>
+      <p:nvGrpSpPr>
+        <p:cNvPr id="1" name=""/>
+        <p:cNvGrpSpPr/>
+        <p:nvPr/>
+      </p:nvGrpSpPr>
+      <p:grpSpPr>
+        <a:xfrm>
+          <a:off x="0" y="0"/>
+          <a:ext cx="0" cy="0"/>
+          <a:chOff x="0" y="0"/>
+          <a:chExt cx="0" cy="0"/>
+        </a:xfrm>
+      </p:grpSpPr>
+      <p:sp>
+        <p:nvSpPr>
+          <p:cNvPr id="2" name="Title 1">
+            <a:extLst>
+              <a:ext uri="{FF2B5EF4-FFF2-40B4-BE49-F238E27FC236}">
+                <a16:creationId xmlns:a16="http://schemas.microsoft.com/office/drawing/2014/main" id="{EA544562-D795-4799-A3F9-9156813549E2}"/>
+              </a:ext>
+            </a:extLst>
+          </p:cNvPr>
+          <p:cNvSpPr>
+            <a:spLocks noGrp="1"/>
+          </p:cNvSpPr>
+          <p:nvPr>
+            <p:ph type="title"/>
+          </p:nvPr>
+        </p:nvSpPr>
+        <p:spPr/>
+        <p:txBody>
+          <a:bodyPr/>
+          <a:lstStyle/>
+          <a:p>
+            <a:r>
+              <a:rPr lang="en-US" dirty="0"/>
+              <a:t>Hasil </a:t>
+            </a:r>
+            <a:r>
+              <a:rPr lang="en-US" dirty="0" err="1"/>
+              <a:t>Prediksi</a:t>
+            </a:r>
+            <a:r>
+              <a:rPr lang="en-US" dirty="0"/>
+              <a:t> Varian SARS-CoV-2</a:t>
+            </a:r>
+          </a:p>
+        </p:txBody>
+      </p:sp>
+      <p:graphicFrame>
+        <p:nvGraphicFramePr>
+          <p:cNvPr id="5" name="Chart 4">
+            <a:extLst>
+              <a:ext uri="{FF2B5EF4-FFF2-40B4-BE49-F238E27FC236}">
+                <a16:creationId xmlns:a16="http://schemas.microsoft.com/office/drawing/2014/main" id="{08146115-2311-4010-8EA3-D0B935ABBEDA}"/>
+              </a:ext>
+            </a:extLst>
+          </p:cNvPr>
+          <p:cNvGraphicFramePr>
+            <a:graphicFrameLocks/>
+          </p:cNvGraphicFramePr>
+          <p:nvPr>
+            <p:extLst>
+              <p:ext uri="{D42A27DB-BD31-4B8C-83A1-F6EECF244321}">
+                <p14:modId xmlns:p14="http://schemas.microsoft.com/office/powerpoint/2010/main" val="1548086579"/>
+              </p:ext>
+            </p:extLst>
+          </p:nvPr>
+        </p:nvGraphicFramePr>
+        <p:xfrm>
+          <a:off x="5843876" y="1690688"/>
+          <a:ext cx="5014913" cy="3767138"/>
+        </p:xfrm>
+        <a:graphic>
+          <a:graphicData uri="http://schemas.openxmlformats.org/drawingml/2006/chart">
+            <c:chart xmlns:c="http://schemas.openxmlformats.org/drawingml/2006/chart" xmlns:r="http://schemas.openxmlformats.org/officeDocument/2006/relationships" r:id="rId2"/>
+          </a:graphicData>
+        </a:graphic>
+      </p:graphicFrame>
+      <p:graphicFrame>
+        <p:nvGraphicFramePr>
+          <p:cNvPr id="6" name="Chart 5">
+            <a:extLst>
+              <a:ext uri="{FF2B5EF4-FFF2-40B4-BE49-F238E27FC236}">
+                <a16:creationId xmlns:a16="http://schemas.microsoft.com/office/drawing/2014/main" id="{1EDEB4D0-B655-4035-A452-686CD50B561C}"/>
+              </a:ext>
+            </a:extLst>
+          </p:cNvPr>
+          <p:cNvGraphicFramePr>
+            <a:graphicFrameLocks/>
+          </p:cNvGraphicFramePr>
+          <p:nvPr>
+            <p:extLst>
+              <p:ext uri="{D42A27DB-BD31-4B8C-83A1-F6EECF244321}">
+                <p14:modId xmlns:p14="http://schemas.microsoft.com/office/powerpoint/2010/main" val="3480737902"/>
+              </p:ext>
+            </p:extLst>
+          </p:nvPr>
+        </p:nvGraphicFramePr>
+        <p:xfrm>
+          <a:off x="838200" y="1709595"/>
+          <a:ext cx="4572000" cy="3776662"/>
+        </p:xfrm>
+        <a:graphic>
+          <a:graphicData uri="http://schemas.openxmlformats.org/drawingml/2006/chart">
+            <c:chart xmlns:c="http://schemas.openxmlformats.org/drawingml/2006/chart" xmlns:r="http://schemas.openxmlformats.org/officeDocument/2006/relationships" r:id="rId3"/>
+          </a:graphicData>
+        </a:graphic>
+      </p:graphicFrame>
+    </p:spTree>
+    <p:extLst>
+      <p:ext uri="{BB962C8B-B14F-4D97-AF65-F5344CB8AC3E}">
+        <p14:creationId xmlns:p14="http://schemas.microsoft.com/office/powerpoint/2010/main" val="3954180581"/>
+      </p:ext>
+    </p:extLst>
+  </p:cSld>
+  <p:clrMapOvr>
+    <a:masterClrMapping/>
+  </p:clrMapOvr>
+</p:sld>
+</file>
+
+<file path=ppt/slides/slide4.xml><?xml version="1.0" encoding="utf-8"?>
+<p:sld xmlns:a="http://schemas.openxmlformats.org/drawingml/2006/main" xmlns:r="http://schemas.openxmlformats.org/officeDocument/2006/relationships" xmlns:p="http://schemas.openxmlformats.org/presentationml/2006/main">
+  <p:cSld>
+    <p:spTree>
+      <p:nvGrpSpPr>
+        <p:cNvPr id="1" name=""/>
+        <p:cNvGrpSpPr/>
+        <p:nvPr/>
+      </p:nvGrpSpPr>
+      <p:grpSpPr>
+        <a:xfrm>
+          <a:off x="0" y="0"/>
+          <a:ext cx="0" cy="0"/>
+          <a:chOff x="0" y="0"/>
+          <a:chExt cx="0" cy="0"/>
+        </a:xfrm>
+      </p:grpSpPr>
+      <p:sp>
+        <p:nvSpPr>
+          <p:cNvPr id="2" name="Title 1">
+            <a:extLst>
+              <a:ext uri="{FF2B5EF4-FFF2-40B4-BE49-F238E27FC236}">
+                <a16:creationId xmlns:a16="http://schemas.microsoft.com/office/drawing/2014/main" id="{F87BD3BE-0F82-4819-8761-480BA4D00F52}"/>
+              </a:ext>
+            </a:extLst>
+          </p:cNvPr>
+          <p:cNvSpPr>
+            <a:spLocks noGrp="1"/>
+          </p:cNvSpPr>
+          <p:nvPr>
+            <p:ph type="title"/>
+          </p:nvPr>
+        </p:nvSpPr>
+        <p:spPr/>
+        <p:txBody>
+          <a:bodyPr/>
+          <a:lstStyle/>
+          <a:p>
+            <a:r>
+              <a:rPr lang="en-US" dirty="0"/>
+              <a:t>Hasil </a:t>
+            </a:r>
+            <a:r>
+              <a:rPr lang="en-US" dirty="0" err="1"/>
+              <a:t>Eksperimen</a:t>
+            </a:r>
+            <a:r>
+              <a:rPr lang="en-US" dirty="0"/>
+              <a:t> dan </a:t>
+            </a:r>
+            <a:r>
+              <a:rPr lang="en-US" dirty="0" err="1"/>
+              <a:t>Hipotesis</a:t>
+            </a:r>
+            <a:r>
+              <a:rPr lang="en-US" dirty="0"/>
+              <a:t> </a:t>
+            </a:r>
+            <a:r>
+              <a:rPr lang="en-US" dirty="0" err="1"/>
+              <a:t>Sementara</a:t>
+            </a:r>
+            <a:endParaRPr lang="en-US" dirty="0"/>
+          </a:p>
+        </p:txBody>
+      </p:sp>
+      <p:sp>
+        <p:nvSpPr>
+          <p:cNvPr id="3" name="Content Placeholder 2">
+            <a:extLst>
+              <a:ext uri="{FF2B5EF4-FFF2-40B4-BE49-F238E27FC236}">
+                <a16:creationId xmlns:a16="http://schemas.microsoft.com/office/drawing/2014/main" id="{8378CF39-94B0-41AD-B09C-FEBC319356E9}"/>
+              </a:ext>
+            </a:extLst>
+          </p:cNvPr>
+          <p:cNvSpPr>
+            <a:spLocks noGrp="1"/>
+          </p:cNvSpPr>
+          <p:nvPr>
+            <p:ph idx="1"/>
+          </p:nvPr>
+        </p:nvSpPr>
+        <p:spPr/>
+        <p:txBody>
+          <a:bodyPr/>
+          <a:lstStyle/>
+          <a:p>
+            <a:r>
+              <a:rPr lang="en-US" dirty="0" err="1"/>
+              <a:t>Prediksi</a:t>
+            </a:r>
+            <a:r>
+              <a:rPr lang="en-US" dirty="0"/>
+              <a:t> </a:t>
+            </a:r>
+            <a:r>
+              <a:rPr lang="en-US" dirty="0" err="1"/>
+              <a:t>dengan</a:t>
+            </a:r>
+            <a:r>
+              <a:rPr lang="en-US" dirty="0"/>
+              <a:t> dataset protein </a:t>
+            </a:r>
+            <a:r>
+              <a:rPr lang="en-US" dirty="0" err="1"/>
+              <a:t>memberikan</a:t>
+            </a:r>
+            <a:r>
+              <a:rPr lang="en-US" dirty="0"/>
+              <a:t> </a:t>
+            </a:r>
+            <a:r>
+              <a:rPr lang="en-US" dirty="0" err="1"/>
+              <a:t>akurasi</a:t>
+            </a:r>
+            <a:r>
+              <a:rPr lang="en-US" dirty="0"/>
+              <a:t> yang </a:t>
+            </a:r>
+            <a:r>
+              <a:rPr lang="en-US" dirty="0" err="1"/>
+              <a:t>sedikit</a:t>
+            </a:r>
+            <a:r>
+              <a:rPr lang="en-US" dirty="0"/>
+              <a:t> </a:t>
+            </a:r>
+            <a:r>
+              <a:rPr lang="en-US" dirty="0" err="1"/>
+              <a:t>lebih</a:t>
+            </a:r>
+            <a:r>
+              <a:rPr lang="en-US" dirty="0"/>
+              <a:t> </a:t>
+            </a:r>
+            <a:r>
+              <a:rPr lang="en-US" dirty="0" err="1"/>
+              <a:t>tinggi</a:t>
+            </a:r>
+            <a:r>
+              <a:rPr lang="en-US" dirty="0"/>
+              <a:t> </a:t>
+            </a:r>
+            <a:r>
+              <a:rPr lang="en-US" dirty="0" err="1"/>
+              <a:t>dibandingkan</a:t>
+            </a:r>
+            <a:r>
+              <a:rPr lang="en-US" dirty="0"/>
+              <a:t> dataset </a:t>
+            </a:r>
+            <a:r>
+              <a:rPr lang="en-US" dirty="0" err="1"/>
+              <a:t>nukleotida</a:t>
+            </a:r>
+            <a:r>
+              <a:rPr lang="en-US" dirty="0"/>
+              <a:t> </a:t>
+            </a:r>
+            <a:r>
+              <a:rPr lang="en-US" dirty="0" err="1"/>
+              <a:t>secara</a:t>
+            </a:r>
+            <a:r>
+              <a:rPr lang="en-US" dirty="0"/>
+              <a:t> </a:t>
+            </a:r>
+            <a:r>
+              <a:rPr lang="en-US" dirty="0" err="1"/>
+              <a:t>umum</a:t>
+            </a:r>
+            <a:endParaRPr lang="en-US" dirty="0"/>
+          </a:p>
+          <a:p>
+            <a:pPr lvl="1"/>
+            <a:r>
+              <a:rPr lang="en-US" dirty="0" err="1"/>
+              <a:t>Berdasarkan</a:t>
+            </a:r>
+            <a:r>
+              <a:rPr lang="en-US" dirty="0"/>
+              <a:t> </a:t>
+            </a:r>
+            <a:r>
+              <a:rPr lang="en-US" dirty="0" err="1"/>
+              <a:t>riset</a:t>
+            </a:r>
+            <a:r>
+              <a:rPr lang="en-US" dirty="0"/>
+              <a:t>, </a:t>
+            </a:r>
+            <a:r>
+              <a:rPr lang="en-US" dirty="0" err="1"/>
+              <a:t>jenis</a:t>
+            </a:r>
+            <a:r>
+              <a:rPr lang="en-US" dirty="0"/>
+              <a:t> </a:t>
+            </a:r>
+            <a:r>
+              <a:rPr lang="en-US" dirty="0" err="1"/>
+              <a:t>varian</a:t>
+            </a:r>
+            <a:r>
+              <a:rPr lang="en-US" dirty="0"/>
+              <a:t> </a:t>
+            </a:r>
+            <a:r>
+              <a:rPr lang="en-US" dirty="0" err="1"/>
+              <a:t>memang</a:t>
+            </a:r>
+            <a:r>
+              <a:rPr lang="en-US" dirty="0"/>
+              <a:t> </a:t>
+            </a:r>
+            <a:r>
+              <a:rPr lang="en-US" dirty="0" err="1"/>
+              <a:t>ditentukan</a:t>
+            </a:r>
+            <a:r>
+              <a:rPr lang="en-US" dirty="0"/>
+              <a:t> </a:t>
+            </a:r>
+            <a:r>
+              <a:rPr lang="en-US" dirty="0" err="1"/>
+              <a:t>dari</a:t>
+            </a:r>
+            <a:r>
+              <a:rPr lang="en-US" dirty="0"/>
+              <a:t> protein yang </a:t>
+            </a:r>
+            <a:r>
+              <a:rPr lang="en-US" dirty="0" err="1"/>
+              <a:t>dibentuk</a:t>
+            </a:r>
+            <a:r>
+              <a:rPr lang="en-US" dirty="0"/>
+              <a:t> </a:t>
+            </a:r>
+            <a:r>
+              <a:rPr lang="en-US" dirty="0" err="1"/>
+              <a:t>dari</a:t>
+            </a:r>
+            <a:r>
+              <a:rPr lang="en-US" dirty="0"/>
+              <a:t> virus. Protein </a:t>
+            </a:r>
+            <a:r>
+              <a:rPr lang="en-US" dirty="0" err="1"/>
+              <a:t>ini</a:t>
+            </a:r>
+            <a:r>
+              <a:rPr lang="en-US" dirty="0"/>
+              <a:t> </a:t>
+            </a:r>
+            <a:r>
+              <a:rPr lang="en-US" dirty="0" err="1"/>
+              <a:t>menentukan</a:t>
+            </a:r>
+            <a:r>
+              <a:rPr lang="en-US" dirty="0"/>
+              <a:t> </a:t>
+            </a:r>
+            <a:r>
+              <a:rPr lang="en-US" dirty="0" err="1"/>
+              <a:t>perilaku</a:t>
+            </a:r>
+            <a:r>
+              <a:rPr lang="en-US" dirty="0"/>
+              <a:t> (</a:t>
+            </a:r>
+            <a:r>
+              <a:rPr lang="en-US" dirty="0" err="1"/>
+              <a:t>letalitas</a:t>
+            </a:r>
+            <a:r>
+              <a:rPr lang="en-US" dirty="0"/>
+              <a:t>, </a:t>
+            </a:r>
+            <a:r>
+              <a:rPr lang="en-US" dirty="0" err="1"/>
+              <a:t>kecepatan</a:t>
+            </a:r>
+            <a:r>
+              <a:rPr lang="en-US" dirty="0"/>
+              <a:t> </a:t>
+            </a:r>
+            <a:r>
+              <a:rPr lang="en-US" dirty="0" err="1"/>
+              <a:t>infeksi</a:t>
+            </a:r>
+            <a:r>
+              <a:rPr lang="en-US" dirty="0"/>
+              <a:t>, </a:t>
+            </a:r>
+            <a:r>
+              <a:rPr lang="en-US" dirty="0" err="1"/>
+              <a:t>dll</a:t>
+            </a:r>
+            <a:r>
+              <a:rPr lang="en-US" dirty="0"/>
+              <a:t>) </a:t>
+            </a:r>
+            <a:r>
+              <a:rPr lang="en-US" dirty="0" err="1"/>
+              <a:t>dari</a:t>
+            </a:r>
+            <a:r>
+              <a:rPr lang="en-US" dirty="0"/>
+              <a:t> virus.</a:t>
+            </a:r>
+          </a:p>
+          <a:p>
+            <a:pPr lvl="1"/>
+            <a:r>
+              <a:rPr lang="en-US" dirty="0"/>
+              <a:t>Pada </a:t>
+            </a:r>
+            <a:r>
+              <a:rPr lang="en-US" dirty="0" err="1"/>
+              <a:t>satu</a:t>
+            </a:r>
+            <a:r>
+              <a:rPr lang="en-US" dirty="0"/>
+              <a:t> </a:t>
+            </a:r>
+            <a:r>
+              <a:rPr lang="en-US" dirty="0" err="1"/>
+              <a:t>sekuens</a:t>
+            </a:r>
+            <a:r>
+              <a:rPr lang="en-US" dirty="0"/>
+              <a:t>,</a:t>
+            </a:r>
+          </a:p>
+          <a:p>
+            <a:pPr lvl="1"/>
+            <a:r>
+              <a:rPr lang="en-US" dirty="0"/>
+              <a:t>K-</a:t>
+            </a:r>
+            <a:r>
+              <a:rPr lang="en-US" dirty="0" err="1"/>
+              <a:t>mer</a:t>
+            </a:r>
+            <a:r>
+              <a:rPr lang="en-US" dirty="0"/>
+              <a:t> 3 </a:t>
+            </a:r>
+            <a:r>
+              <a:rPr lang="en-US" dirty="0" err="1"/>
+              <a:t>lebih</a:t>
+            </a:r>
+            <a:r>
+              <a:rPr lang="en-US" dirty="0"/>
+              <a:t> </a:t>
+            </a:r>
+            <a:r>
+              <a:rPr lang="en-US" dirty="0" err="1"/>
+              <a:t>baik</a:t>
+            </a:r>
+            <a:r>
+              <a:rPr lang="en-US" dirty="0"/>
+              <a:t> </a:t>
+            </a:r>
+            <a:r>
+              <a:rPr lang="en-US" dirty="0" err="1"/>
+              <a:t>dibandingkan</a:t>
+            </a:r>
+            <a:r>
+              <a:rPr lang="en-US" dirty="0"/>
+              <a:t> </a:t>
+            </a:r>
+            <a:r>
+              <a:rPr lang="en-US" dirty="0" err="1"/>
+              <a:t>dengan</a:t>
+            </a:r>
+            <a:r>
+              <a:rPr lang="en-US" dirty="0"/>
+              <a:t> k-</a:t>
+            </a:r>
+            <a:r>
+              <a:rPr lang="en-US" dirty="0" err="1"/>
+              <a:t>mer</a:t>
+            </a:r>
+            <a:r>
+              <a:rPr lang="en-US" dirty="0"/>
+              <a:t> yang lain.</a:t>
+            </a:r>
+          </a:p>
+          <a:p>
+            <a:pPr lvl="2"/>
+            <a:r>
+              <a:rPr lang="en-US" i="1" dirty="0"/>
+              <a:t>Why?</a:t>
+            </a:r>
+          </a:p>
+          <a:p>
+            <a:pPr lvl="1"/>
+            <a:endParaRPr lang="en-US" dirty="0"/>
+          </a:p>
+        </p:txBody>
+      </p:sp>
+    </p:spTree>
+    <p:extLst>
+      <p:ext uri="{BB962C8B-B14F-4D97-AF65-F5344CB8AC3E}">
+        <p14:creationId xmlns:p14="http://schemas.microsoft.com/office/powerpoint/2010/main" val="3979924898"/>
+      </p:ext>
+    </p:extLst>
+  </p:cSld>
+  <p:clrMapOvr>
+    <a:masterClrMapping/>
+  </p:clrMapOvr>
+</p:sld>
+</file>
+
+<file path=ppt/slides/slide5.xml><?xml version="1.0" encoding="utf-8"?>
+<p:sld xmlns:a="http://schemas.openxmlformats.org/drawingml/2006/main" xmlns:r="http://schemas.openxmlformats.org/officeDocument/2006/relationships" xmlns:p="http://schemas.openxmlformats.org/presentationml/2006/main">
+  <p:cSld>
+    <p:spTree>
+      <p:nvGrpSpPr>
+        <p:cNvPr id="1" name=""/>
+        <p:cNvGrpSpPr/>
+        <p:nvPr/>
+      </p:nvGrpSpPr>
+      <p:grpSpPr>
+        <a:xfrm>
+          <a:off x="0" y="0"/>
+          <a:ext cx="0" cy="0"/>
+          <a:chOff x="0" y="0"/>
+          <a:chExt cx="0" cy="0"/>
+        </a:xfrm>
+      </p:grpSpPr>
+      <p:sp>
+        <p:nvSpPr>
+          <p:cNvPr id="2" name="Title 1">
+            <a:extLst>
+              <a:ext uri="{FF2B5EF4-FFF2-40B4-BE49-F238E27FC236}">
+                <a16:creationId xmlns:a16="http://schemas.microsoft.com/office/drawing/2014/main" id="{41D7E1A7-D350-4F2F-AA70-F9458EC2FE2A}"/>
+              </a:ext>
+            </a:extLst>
+          </p:cNvPr>
+          <p:cNvSpPr>
+            <a:spLocks noGrp="1"/>
+          </p:cNvSpPr>
+          <p:nvPr>
+            <p:ph type="title"/>
+          </p:nvPr>
+        </p:nvSpPr>
+        <p:spPr/>
+        <p:txBody>
+          <a:bodyPr/>
+          <a:lstStyle/>
+          <a:p>
+            <a:r>
+              <a:rPr lang="en-US" dirty="0" err="1"/>
+              <a:t>Hipotesis</a:t>
+            </a:r>
+            <a:r>
+              <a:rPr lang="en-US" dirty="0"/>
+              <a:t> dan </a:t>
+            </a:r>
+            <a:r>
+              <a:rPr lang="en-US" dirty="0" err="1"/>
+              <a:t>Tindak</a:t>
+            </a:r>
+            <a:r>
+              <a:rPr lang="en-US" dirty="0"/>
+              <a:t> </a:t>
+            </a:r>
+            <a:r>
+              <a:rPr lang="en-US" dirty="0" err="1"/>
+              <a:t>Lanjut</a:t>
+            </a:r>
+            <a:endParaRPr lang="en-US" dirty="0"/>
+          </a:p>
+        </p:txBody>
+      </p:sp>
+      <p:sp>
+        <p:nvSpPr>
+          <p:cNvPr id="3" name="Content Placeholder 2">
+            <a:extLst>
+              <a:ext uri="{FF2B5EF4-FFF2-40B4-BE49-F238E27FC236}">
+                <a16:creationId xmlns:a16="http://schemas.microsoft.com/office/drawing/2014/main" id="{0A4087B2-1A74-4C52-945F-A38A8571AC5D}"/>
+              </a:ext>
+            </a:extLst>
+          </p:cNvPr>
+          <p:cNvSpPr>
+            <a:spLocks noGrp="1"/>
+          </p:cNvSpPr>
+          <p:nvPr>
+            <p:ph idx="1"/>
+          </p:nvPr>
+        </p:nvSpPr>
+        <p:spPr/>
+        <p:txBody>
+          <a:bodyPr/>
+          <a:lstStyle/>
+          <a:p>
+            <a:r>
+              <a:rPr lang="en-US" dirty="0"/>
+              <a:t>Jika protein </a:t>
+            </a:r>
+            <a:r>
+              <a:rPr lang="en-US" dirty="0" err="1"/>
+              <a:t>menentukan</a:t>
+            </a:r>
+            <a:r>
+              <a:rPr lang="en-US" dirty="0"/>
+              <a:t> </a:t>
+            </a:r>
+            <a:r>
+              <a:rPr lang="en-US" dirty="0" err="1"/>
+              <a:t>karakteristik</a:t>
+            </a:r>
+            <a:r>
+              <a:rPr lang="en-US" dirty="0"/>
+              <a:t> </a:t>
+            </a:r>
+            <a:r>
+              <a:rPr lang="en-US" dirty="0" err="1"/>
+              <a:t>khas</a:t>
+            </a:r>
+            <a:r>
+              <a:rPr lang="en-US" dirty="0"/>
+              <a:t> </a:t>
+            </a:r>
+            <a:r>
+              <a:rPr lang="en-US" dirty="0" err="1"/>
+              <a:t>suatu</a:t>
+            </a:r>
+            <a:r>
+              <a:rPr lang="en-US" dirty="0"/>
+              <a:t> virus </a:t>
+            </a:r>
+            <a:r>
+              <a:rPr lang="en-US" dirty="0" err="1"/>
+              <a:t>maka</a:t>
+            </a:r>
+            <a:r>
+              <a:rPr lang="en-US" dirty="0"/>
+              <a:t> dataset protein </a:t>
+            </a:r>
+            <a:r>
+              <a:rPr lang="en-US" dirty="0" err="1"/>
+              <a:t>satu</a:t>
+            </a:r>
+            <a:r>
+              <a:rPr lang="en-US" dirty="0"/>
+              <a:t> </a:t>
+            </a:r>
+            <a:r>
+              <a:rPr lang="en-US" dirty="0" err="1"/>
+              <a:t>varian</a:t>
+            </a:r>
+            <a:r>
+              <a:rPr lang="en-US" dirty="0"/>
+              <a:t> </a:t>
+            </a:r>
+            <a:r>
+              <a:rPr lang="en-US" dirty="0" err="1"/>
+              <a:t>dengan</a:t>
+            </a:r>
+            <a:r>
+              <a:rPr lang="en-US" dirty="0"/>
+              <a:t> </a:t>
+            </a:r>
+            <a:r>
+              <a:rPr lang="en-US" dirty="0" err="1"/>
+              <a:t>varian</a:t>
+            </a:r>
+            <a:r>
+              <a:rPr lang="en-US" dirty="0"/>
+              <a:t> yang lain </a:t>
+            </a:r>
+            <a:r>
+              <a:rPr lang="en-US" dirty="0" err="1"/>
+              <a:t>harusnya</a:t>
+            </a:r>
+            <a:r>
+              <a:rPr lang="en-US" dirty="0"/>
+              <a:t> </a:t>
+            </a:r>
+            <a:r>
+              <a:rPr lang="en-US" dirty="0" err="1"/>
+              <a:t>memiliki</a:t>
+            </a:r>
+            <a:r>
+              <a:rPr lang="en-US" dirty="0"/>
+              <a:t> </a:t>
+            </a:r>
+            <a:r>
+              <a:rPr lang="en-US" dirty="0" err="1"/>
+              <a:t>perbedaan</a:t>
+            </a:r>
+            <a:r>
+              <a:rPr lang="en-US" dirty="0"/>
+              <a:t> yang </a:t>
+            </a:r>
+            <a:r>
+              <a:rPr lang="en-US" dirty="0" err="1"/>
+              <a:t>signifikan</a:t>
+            </a:r>
+            <a:r>
+              <a:rPr lang="en-US" dirty="0"/>
+              <a:t>.</a:t>
+            </a:r>
+          </a:p>
+          <a:p>
+            <a:pPr lvl="1"/>
+            <a:r>
+              <a:rPr lang="en-US" dirty="0" err="1"/>
+              <a:t>Eksplorasi</a:t>
+            </a:r>
+            <a:r>
+              <a:rPr lang="en-US" dirty="0"/>
+              <a:t> dan uji-</a:t>
+            </a:r>
+            <a:r>
+              <a:rPr lang="en-US" dirty="0" err="1"/>
+              <a:t>coba</a:t>
+            </a:r>
+            <a:r>
+              <a:rPr lang="en-US" dirty="0"/>
+              <a:t> </a:t>
+            </a:r>
+            <a:r>
+              <a:rPr lang="en-US" dirty="0" err="1"/>
+              <a:t>metode</a:t>
+            </a:r>
+            <a:r>
+              <a:rPr lang="en-US" dirty="0"/>
+              <a:t> </a:t>
+            </a:r>
+            <a:r>
+              <a:rPr lang="en-US" i="1" dirty="0"/>
+              <a:t>feature extraction</a:t>
+            </a:r>
+            <a:r>
+              <a:rPr lang="en-US" dirty="0"/>
+              <a:t> yang </a:t>
+            </a:r>
+            <a:r>
+              <a:rPr lang="en-US" dirty="0" err="1"/>
+              <a:t>umum</a:t>
+            </a:r>
+            <a:r>
+              <a:rPr lang="en-US" dirty="0"/>
+              <a:t> </a:t>
+            </a:r>
+            <a:r>
+              <a:rPr lang="en-US" dirty="0" err="1"/>
+              <a:t>dilakukan</a:t>
+            </a:r>
+            <a:r>
+              <a:rPr lang="en-US" dirty="0"/>
+              <a:t> pada protein </a:t>
+            </a:r>
+            <a:r>
+              <a:rPr lang="en-US" dirty="0" err="1"/>
+              <a:t>untuk</a:t>
+            </a:r>
+            <a:r>
+              <a:rPr lang="en-US" dirty="0"/>
+              <a:t> </a:t>
+            </a:r>
+            <a:r>
+              <a:rPr lang="en-US" dirty="0" err="1"/>
+              <a:t>melihat</a:t>
+            </a:r>
+            <a:r>
+              <a:rPr lang="en-US" dirty="0"/>
+              <a:t> </a:t>
+            </a:r>
+            <a:r>
+              <a:rPr lang="en-US" dirty="0" err="1"/>
+              <a:t>kemiripan</a:t>
+            </a:r>
+            <a:r>
+              <a:rPr lang="en-US" dirty="0"/>
+              <a:t> protein </a:t>
+            </a:r>
+            <a:r>
+              <a:rPr lang="en-US" dirty="0" err="1"/>
+              <a:t>antar</a:t>
+            </a:r>
+            <a:r>
+              <a:rPr lang="en-US" dirty="0"/>
+              <a:t> </a:t>
+            </a:r>
+            <a:r>
+              <a:rPr lang="en-US" dirty="0" err="1"/>
+              <a:t>varian</a:t>
+            </a:r>
+            <a:endParaRPr lang="en-US" dirty="0"/>
+          </a:p>
+        </p:txBody>
+      </p:sp>
+    </p:spTree>
+    <p:extLst>
+      <p:ext uri="{BB962C8B-B14F-4D97-AF65-F5344CB8AC3E}">
+        <p14:creationId xmlns:p14="http://schemas.microsoft.com/office/powerpoint/2010/main" val="306594855"/>
+      </p:ext>
+    </p:extLst>
+  </p:cSld>
+  <p:clrMapOvr>
+    <a:masterClrMapping/>
+  </p:clrMapOvr>
+</p:sld>
+</file>
+
+<file path=ppt/slides/slide6.xml><?xml version="1.0" encoding="utf-8"?>
+<p:sld xmlns:a="http://schemas.openxmlformats.org/drawingml/2006/main" xmlns:r="http://schemas.openxmlformats.org/officeDocument/2006/relationships" xmlns:p="http://schemas.openxmlformats.org/presentationml/2006/main">
+  <p:cSld>
+    <p:spTree>
+      <p:nvGrpSpPr>
+        <p:cNvPr id="1" name=""/>
+        <p:cNvGrpSpPr/>
+        <p:nvPr/>
+      </p:nvGrpSpPr>
+      <p:grpSpPr>
+        <a:xfrm>
+          <a:off x="0" y="0"/>
+          <a:ext cx="0" cy="0"/>
+          <a:chOff x="0" y="0"/>
+          <a:chExt cx="0" cy="0"/>
+        </a:xfrm>
+      </p:grpSpPr>
+      <p:sp>
+        <p:nvSpPr>
+          <p:cNvPr id="2" name="Title 1">
+            <a:extLst>
+              <a:ext uri="{FF2B5EF4-FFF2-40B4-BE49-F238E27FC236}">
+                <a16:creationId xmlns:a16="http://schemas.microsoft.com/office/drawing/2014/main" id="{EAC1FD41-B837-4719-BEFE-C05B5801F9F0}"/>
+              </a:ext>
+            </a:extLst>
+          </p:cNvPr>
+          <p:cNvSpPr>
+            <a:spLocks noGrp="1"/>
+          </p:cNvSpPr>
+          <p:nvPr>
+            <p:ph type="title"/>
+          </p:nvPr>
+        </p:nvSpPr>
+        <p:spPr/>
+        <p:txBody>
+          <a:bodyPr/>
+          <a:lstStyle/>
+          <a:p>
+            <a:r>
+              <a:rPr lang="en-US" dirty="0" err="1"/>
+              <a:t>Referensi</a:t>
+            </a:r>
+            <a:r>
+              <a:rPr lang="en-US" dirty="0"/>
+              <a:t> </a:t>
+            </a:r>
+            <a:r>
+              <a:rPr lang="en-US" dirty="0" err="1"/>
+              <a:t>Tindak</a:t>
+            </a:r>
+            <a:r>
+              <a:rPr lang="en-US" dirty="0"/>
+              <a:t> </a:t>
+            </a:r>
+            <a:r>
+              <a:rPr lang="en-US" dirty="0" err="1"/>
+              <a:t>Lanjut</a:t>
+            </a:r>
+            <a:endParaRPr lang="en-US" dirty="0"/>
+          </a:p>
+        </p:txBody>
+      </p:sp>
+      <p:sp>
+        <p:nvSpPr>
+          <p:cNvPr id="3" name="Content Placeholder 2">
+            <a:extLst>
+              <a:ext uri="{FF2B5EF4-FFF2-40B4-BE49-F238E27FC236}">
+                <a16:creationId xmlns:a16="http://schemas.microsoft.com/office/drawing/2014/main" id="{A78D23AA-20B2-4BF6-9035-24EFFFF0BACB}"/>
+              </a:ext>
+            </a:extLst>
+          </p:cNvPr>
+          <p:cNvSpPr>
+            <a:spLocks noGrp="1"/>
+          </p:cNvSpPr>
+          <p:nvPr>
+            <p:ph idx="1"/>
+          </p:nvPr>
+        </p:nvSpPr>
+        <p:spPr/>
+        <p:txBody>
+          <a:bodyPr/>
+          <a:lstStyle/>
+          <a:p>
+            <a:r>
+              <a:rPr lang="en-US" dirty="0"/>
+              <a:t>Coronavirus genome sequence (</a:t>
+            </a:r>
+            <a:r>
+              <a:rPr lang="en-US" dirty="0">
+                <a:hlinkClick r:id="rId2"/>
+              </a:rPr>
+              <a:t>https://www.kaggle.com/paultimothymooney/coronavirus-genome-sequence/tasks?taskId=490</a:t>
+            </a:r>
+            <a:r>
+              <a:rPr lang="en-US" dirty="0"/>
+              <a:t>)</a:t>
+            </a:r>
+          </a:p>
+          <a:p>
+            <a:pPr lvl="1"/>
+            <a:r>
+              <a:rPr lang="en-US" dirty="0"/>
+              <a:t>Protein identification</a:t>
+            </a:r>
+          </a:p>
+          <a:p>
+            <a:pPr lvl="1"/>
+            <a:r>
+              <a:rPr lang="en-US" dirty="0"/>
+              <a:t>Gene prediction</a:t>
+            </a:r>
+          </a:p>
+          <a:p>
+            <a:pPr lvl="1"/>
+            <a:endParaRPr lang="en-US" dirty="0"/>
+          </a:p>
+        </p:txBody>
+      </p:sp>
+    </p:spTree>
+    <p:extLst>
+      <p:ext uri="{BB962C8B-B14F-4D97-AF65-F5344CB8AC3E}">
+        <p14:creationId xmlns:p14="http://schemas.microsoft.com/office/powerpoint/2010/main" val="366398135"/>
+      </p:ext>
+    </p:extLst>
+  </p:cSld>
+  <p:clrMapOvr>
+    <a:masterClrMapping/>
+  </p:clrMapOvr>
+</p:sld>
+</file>
+
+<file path=ppt/slides/slide7.xml><?xml version="1.0" encoding="utf-8"?>
+<p:sld xmlns:a="http://schemas.openxmlformats.org/drawingml/2006/main" xmlns:r="http://schemas.openxmlformats.org/officeDocument/2006/relationships" xmlns:p="http://schemas.openxmlformats.org/presentationml/2006/main">
+  <p:cSld>
+    <p:spTree>
+      <p:nvGrpSpPr>
+        <p:cNvPr id="1" name=""/>
+        <p:cNvGrpSpPr/>
+        <p:nvPr/>
+      </p:nvGrpSpPr>
+      <p:grpSpPr>
+        <a:xfrm>
+          <a:off x="0" y="0"/>
+          <a:ext cx="0" cy="0"/>
+          <a:chOff x="0" y="0"/>
+          <a:chExt cx="0" cy="0"/>
+        </a:xfrm>
+      </p:grpSpPr>
+      <p:sp>
+        <p:nvSpPr>
+          <p:cNvPr id="2" name="Title 1">
+            <a:extLst>
+              <a:ext uri="{FF2B5EF4-FFF2-40B4-BE49-F238E27FC236}">
+                <a16:creationId xmlns:a16="http://schemas.microsoft.com/office/drawing/2014/main" id="{691A0AAF-E162-4389-A9FF-259C11E2CFCB}"/>
+              </a:ext>
+            </a:extLst>
+          </p:cNvPr>
+          <p:cNvSpPr>
+            <a:spLocks noGrp="1"/>
+          </p:cNvSpPr>
+          <p:nvPr>
+            <p:ph type="title"/>
+          </p:nvPr>
+        </p:nvSpPr>
+        <p:spPr/>
+        <p:txBody>
+          <a:bodyPr/>
+          <a:lstStyle/>
+          <a:p>
+            <a:r>
+              <a:rPr lang="en-US" dirty="0"/>
+              <a:t>2 </a:t>
+            </a:r>
+            <a:r>
+              <a:rPr lang="en-US" dirty="0" err="1"/>
+              <a:t>Agustus</a:t>
+            </a:r>
+            <a:r>
+              <a:rPr lang="en-US" dirty="0"/>
+              <a:t> 2021</a:t>
+            </a:r>
+          </a:p>
+        </p:txBody>
+      </p:sp>
+      <p:graphicFrame>
+        <p:nvGraphicFramePr>
+          <p:cNvPr id="7" name="Content Placeholder 6">
+            <a:extLst>
+              <a:ext uri="{FF2B5EF4-FFF2-40B4-BE49-F238E27FC236}">
+                <a16:creationId xmlns:a16="http://schemas.microsoft.com/office/drawing/2014/main" id="{1F76FBC7-B588-4F5E-A04A-6E09C601BD4F}"/>
+              </a:ext>
+            </a:extLst>
+          </p:cNvPr>
+          <p:cNvGraphicFramePr>
+            <a:graphicFrameLocks noGrp="1"/>
+          </p:cNvGraphicFramePr>
+          <p:nvPr>
+            <p:ph idx="1"/>
+            <p:extLst>
+              <p:ext uri="{D42A27DB-BD31-4B8C-83A1-F6EECF244321}">
+                <p14:modId xmlns:p14="http://schemas.microsoft.com/office/powerpoint/2010/main" val="2604690992"/>
+              </p:ext>
+            </p:extLst>
+          </p:nvPr>
+        </p:nvGraphicFramePr>
+        <p:xfrm>
+          <a:off x="3753908" y="2845937"/>
+          <a:ext cx="4684184" cy="1166125"/>
+        </p:xfrm>
+        <a:graphic>
+          <a:graphicData uri="http://schemas.openxmlformats.org/drawingml/2006/table">
+            <a:tbl>
+              <a:tblPr>
+                <a:tableStyleId>{5C22544A-7EE6-4342-B048-85BDC9FD1C3A}</a:tableStyleId>
+              </a:tblPr>
+              <a:tblGrid>
+                <a:gridCol w="713215">
+                  <a:extLst>
+                    <a:ext uri="{9D8B030D-6E8A-4147-A177-3AD203B41FA5}">
+                      <a16:colId xmlns:a16="http://schemas.microsoft.com/office/drawing/2014/main" val="2346384170"/>
+                    </a:ext>
+                  </a:extLst>
+                </a:gridCol>
+                <a:gridCol w="817225">
+                  <a:extLst>
+                    <a:ext uri="{9D8B030D-6E8A-4147-A177-3AD203B41FA5}">
+                      <a16:colId xmlns:a16="http://schemas.microsoft.com/office/drawing/2014/main" val="3045387775"/>
+                    </a:ext>
+                  </a:extLst>
+                </a:gridCol>
+                <a:gridCol w="1549012">
+                  <a:extLst>
+                    <a:ext uri="{9D8B030D-6E8A-4147-A177-3AD203B41FA5}">
+                      <a16:colId xmlns:a16="http://schemas.microsoft.com/office/drawing/2014/main" val="3113767919"/>
+                    </a:ext>
+                  </a:extLst>
+                </a:gridCol>
+                <a:gridCol w="1604732">
+                  <a:extLst>
+                    <a:ext uri="{9D8B030D-6E8A-4147-A177-3AD203B41FA5}">
+                      <a16:colId xmlns:a16="http://schemas.microsoft.com/office/drawing/2014/main" val="3596582774"/>
+                    </a:ext>
+                  </a:extLst>
+                </a:gridCol>
+              </a:tblGrid>
+              <a:tr h="233225">
+                <a:tc>
+                  <a:txBody>
+                    <a:bodyPr/>
+                    <a:lstStyle/>
+                    <a:p>
+                      <a:pPr algn="l" fontAlgn="b"/>
+                      <a:r>
+                        <a:rPr lang="en-US" sz="1100" b="1" u="none" strike="noStrike" dirty="0">
+                          <a:effectLst/>
+                        </a:rPr>
+                        <a:t>model</a:t>
+                      </a:r>
+                      <a:endParaRPr lang="en-US" sz="1100" b="1" i="0" u="none" strike="noStrike" dirty="0">
+                        <a:solidFill>
+                          <a:srgbClr val="000000"/>
+                        </a:solidFill>
+                        <a:effectLst/>
+                        <a:latin typeface="Calibri" panose="020F0502020204030204" pitchFamily="34" charset="0"/>
+                      </a:endParaRPr>
+                    </a:p>
+                  </a:txBody>
+                  <a:tcPr marL="9525" marR="9525" marT="9525" marB="0" anchor="b"/>
+                </a:tc>
+                <a:tc>
+                  <a:txBody>
+                    <a:bodyPr/>
+                    <a:lstStyle/>
+                    <a:p>
+                      <a:pPr algn="l" fontAlgn="b"/>
+                      <a:r>
+                        <a:rPr lang="en-US" sz="1100" u="none" strike="noStrike" dirty="0">
+                          <a:effectLst/>
+                        </a:rPr>
+                        <a:t>pretrained</a:t>
+                      </a:r>
+                      <a:endParaRPr lang="en-US" sz="1100" b="1" i="0" u="none" strike="noStrike" dirty="0">
+                        <a:solidFill>
+                          <a:srgbClr val="000000"/>
+                        </a:solidFill>
+                        <a:effectLst/>
+                        <a:latin typeface="Calibri" panose="020F0502020204030204" pitchFamily="34" charset="0"/>
+                      </a:endParaRPr>
+                    </a:p>
+                  </a:txBody>
+                  <a:tcPr marL="9525" marR="9525" marT="9525" marB="0" anchor="b"/>
+                </a:tc>
+                <a:tc>
+                  <a:txBody>
+                    <a:bodyPr/>
+                    <a:lstStyle/>
+                    <a:p>
+                      <a:pPr algn="l" fontAlgn="b"/>
+                      <a:endParaRPr lang="en-US" sz="1100" b="0" i="0" u="none" strike="noStrike" dirty="0">
+                        <a:solidFill>
+                          <a:srgbClr val="000000"/>
+                        </a:solidFill>
+                        <a:effectLst/>
+                        <a:latin typeface="Calibri" panose="020F0502020204030204" pitchFamily="34" charset="0"/>
+                      </a:endParaRPr>
+                    </a:p>
+                  </a:txBody>
+                  <a:tcPr marL="9525" marR="9525" marT="9525" marB="0" anchor="b"/>
+                </a:tc>
+                <a:tc>
+                  <a:txBody>
+                    <a:bodyPr/>
+                    <a:lstStyle/>
+                    <a:p>
+                      <a:pPr algn="l" fontAlgn="b"/>
+                      <a:endParaRPr lang="en-US" sz="1100" b="0" i="0" u="none" strike="noStrike">
+                        <a:solidFill>
+                          <a:srgbClr val="000000"/>
+                        </a:solidFill>
+                        <a:effectLst/>
+                        <a:latin typeface="Calibri" panose="020F0502020204030204" pitchFamily="34" charset="0"/>
+                      </a:endParaRPr>
+                    </a:p>
+                  </a:txBody>
+                  <a:tcPr marL="9525" marR="9525" marT="9525" marB="0" anchor="b"/>
+                </a:tc>
+                <a:extLst>
+                  <a:ext uri="{0D108BD9-81ED-4DB2-BD59-A6C34878D82A}">
+                    <a16:rowId xmlns:a16="http://schemas.microsoft.com/office/drawing/2014/main" val="3963637378"/>
+                  </a:ext>
+                </a:extLst>
+              </a:tr>
+              <a:tr h="233225">
+                <a:tc>
+                  <a:txBody>
+                    <a:bodyPr/>
+                    <a:lstStyle/>
+                    <a:p>
+                      <a:pPr algn="l" fontAlgn="b"/>
+                      <a:r>
+                        <a:rPr lang="en-US" sz="1100" b="1" u="none" strike="noStrike" dirty="0">
+                          <a:effectLst/>
+                        </a:rPr>
+                        <a:t>fine tuning</a:t>
+                      </a:r>
+                      <a:endParaRPr lang="en-US" sz="1100" b="1" i="0" u="none" strike="noStrike" dirty="0">
+                        <a:solidFill>
+                          <a:srgbClr val="000000"/>
+                        </a:solidFill>
+                        <a:effectLst/>
+                        <a:latin typeface="Calibri" panose="020F0502020204030204" pitchFamily="34" charset="0"/>
+                      </a:endParaRPr>
+                    </a:p>
+                  </a:txBody>
+                  <a:tcPr marL="9525" marR="9525" marT="9525" marB="0" anchor="b"/>
+                </a:tc>
+                <a:tc>
+                  <a:txBody>
+                    <a:bodyPr/>
+                    <a:lstStyle/>
+                    <a:p>
+                      <a:pPr algn="l" fontAlgn="b"/>
+                      <a:r>
+                        <a:rPr lang="en-US" sz="1100" u="none" strike="noStrike">
+                          <a:effectLst/>
+                        </a:rPr>
+                        <a:t>NO</a:t>
+                      </a:r>
+                      <a:endParaRPr lang="en-US" sz="1100" b="1" i="0" u="none" strike="noStrike">
+                        <a:solidFill>
+                          <a:srgbClr val="000000"/>
+                        </a:solidFill>
+                        <a:effectLst/>
+                        <a:latin typeface="Calibri" panose="020F0502020204030204" pitchFamily="34" charset="0"/>
+                      </a:endParaRPr>
+                    </a:p>
+                  </a:txBody>
+                  <a:tcPr marL="9525" marR="9525" marT="9525" marB="0" anchor="b"/>
+                </a:tc>
+                <a:tc>
+                  <a:txBody>
+                    <a:bodyPr/>
+                    <a:lstStyle/>
+                    <a:p>
+                      <a:pPr algn="l" fontAlgn="b"/>
+                      <a:r>
+                        <a:rPr lang="en-US" sz="1100" b="1" u="none" strike="noStrike" dirty="0">
+                          <a:effectLst/>
+                        </a:rPr>
+                        <a:t>dataset</a:t>
+                      </a:r>
+                      <a:endParaRPr lang="en-US" sz="1100" b="1" i="0" u="none" strike="noStrike" dirty="0">
+                        <a:solidFill>
+                          <a:srgbClr val="000000"/>
+                        </a:solidFill>
+                        <a:effectLst/>
+                        <a:latin typeface="Calibri" panose="020F0502020204030204" pitchFamily="34" charset="0"/>
+                      </a:endParaRPr>
+                    </a:p>
+                  </a:txBody>
+                  <a:tcPr marL="9525" marR="9525" marT="9525" marB="0" anchor="b"/>
+                </a:tc>
+                <a:tc>
+                  <a:txBody>
+                    <a:bodyPr/>
+                    <a:lstStyle/>
+                    <a:p>
+                      <a:pPr algn="l" fontAlgn="b"/>
+                      <a:r>
+                        <a:rPr lang="en-US" sz="1100" u="none" strike="noStrike">
+                          <a:effectLst/>
+                        </a:rPr>
+                        <a:t>NULL</a:t>
+                      </a:r>
+                      <a:endParaRPr lang="en-US" sz="1100" b="1" i="0" u="none" strike="noStrike">
+                        <a:solidFill>
+                          <a:srgbClr val="000000"/>
+                        </a:solidFill>
+                        <a:effectLst/>
+                        <a:latin typeface="Calibri" panose="020F0502020204030204" pitchFamily="34" charset="0"/>
+                      </a:endParaRPr>
+                    </a:p>
+                  </a:txBody>
+                  <a:tcPr marL="9525" marR="9525" marT="9525" marB="0" anchor="b"/>
+                </a:tc>
+                <a:extLst>
+                  <a:ext uri="{0D108BD9-81ED-4DB2-BD59-A6C34878D82A}">
+                    <a16:rowId xmlns:a16="http://schemas.microsoft.com/office/drawing/2014/main" val="1968561628"/>
+                  </a:ext>
+                </a:extLst>
+              </a:tr>
+              <a:tr h="233225">
+                <a:tc>
+                  <a:txBody>
+                    <a:bodyPr/>
+                    <a:lstStyle/>
+                    <a:p>
+                      <a:pPr algn="l" fontAlgn="b"/>
+                      <a:r>
+                        <a:rPr lang="en-US" sz="1100" b="1" u="none" strike="noStrike" dirty="0" err="1">
+                          <a:effectLst/>
+                        </a:rPr>
+                        <a:t>max_seq</a:t>
+                      </a:r>
+                      <a:endParaRPr lang="en-US" sz="1100" b="1" i="0" u="none" strike="noStrike" dirty="0">
+                        <a:solidFill>
+                          <a:srgbClr val="000000"/>
+                        </a:solidFill>
+                        <a:effectLst/>
+                        <a:latin typeface="Calibri" panose="020F0502020204030204" pitchFamily="34" charset="0"/>
+                      </a:endParaRPr>
+                    </a:p>
+                  </a:txBody>
+                  <a:tcPr marL="9525" marR="9525" marT="9525" marB="0" anchor="b"/>
+                </a:tc>
+                <a:tc>
+                  <a:txBody>
+                    <a:bodyPr/>
+                    <a:lstStyle/>
+                    <a:p>
+                      <a:pPr algn="r" fontAlgn="b"/>
+                      <a:r>
+                        <a:rPr lang="en-US" sz="1100" u="none" strike="noStrike">
+                          <a:effectLst/>
+                        </a:rPr>
+                        <a:t>75</a:t>
+                      </a:r>
+                      <a:endParaRPr lang="en-US" sz="1100" b="1" i="0" u="none" strike="noStrike">
+                        <a:solidFill>
+                          <a:srgbClr val="000000"/>
+                        </a:solidFill>
+                        <a:effectLst/>
+                        <a:latin typeface="Calibri" panose="020F0502020204030204" pitchFamily="34" charset="0"/>
+                      </a:endParaRPr>
+                    </a:p>
+                  </a:txBody>
+                  <a:tcPr marL="9525" marR="9525" marT="9525" marB="0" anchor="b"/>
+                </a:tc>
+                <a:tc>
+                  <a:txBody>
+                    <a:bodyPr/>
+                    <a:lstStyle/>
+                    <a:p>
+                      <a:pPr algn="l" fontAlgn="b"/>
+                      <a:endParaRPr lang="en-US" sz="1100" b="0" i="0" u="none" strike="noStrike">
+                        <a:solidFill>
+                          <a:srgbClr val="000000"/>
+                        </a:solidFill>
+                        <a:effectLst/>
+                        <a:latin typeface="Calibri" panose="020F0502020204030204" pitchFamily="34" charset="0"/>
+                      </a:endParaRPr>
+                    </a:p>
+                  </a:txBody>
+                  <a:tcPr marL="9525" marR="9525" marT="9525" marB="0" anchor="b"/>
+                </a:tc>
+                <a:tc>
+                  <a:txBody>
+                    <a:bodyPr/>
+                    <a:lstStyle/>
+                    <a:p>
+                      <a:pPr algn="l" fontAlgn="b"/>
+                      <a:endParaRPr lang="en-US" sz="1100" b="0" i="0" u="none" strike="noStrike">
+                        <a:solidFill>
+                          <a:srgbClr val="000000"/>
+                        </a:solidFill>
+                        <a:effectLst/>
+                        <a:latin typeface="Calibri" panose="020F0502020204030204" pitchFamily="34" charset="0"/>
+                      </a:endParaRPr>
+                    </a:p>
+                  </a:txBody>
+                  <a:tcPr marL="9525" marR="9525" marT="9525" marB="0" anchor="b"/>
+                </a:tc>
+                <a:extLst>
+                  <a:ext uri="{0D108BD9-81ED-4DB2-BD59-A6C34878D82A}">
+                    <a16:rowId xmlns:a16="http://schemas.microsoft.com/office/drawing/2014/main" val="2307506231"/>
+                  </a:ext>
+                </a:extLst>
+              </a:tr>
+              <a:tr h="233225">
+                <a:tc>
+                  <a:txBody>
+                    <a:bodyPr/>
+                    <a:lstStyle/>
+                    <a:p>
+                      <a:pPr algn="l" fontAlgn="b"/>
+                      <a:r>
+                        <a:rPr lang="en-US" sz="1100" b="1" u="none" strike="noStrike" dirty="0" err="1">
+                          <a:effectLst/>
+                        </a:rPr>
+                        <a:t>n_label</a:t>
+                      </a:r>
+                      <a:endParaRPr lang="en-US" sz="1100" b="1" i="0" u="none" strike="noStrike" dirty="0">
+                        <a:solidFill>
+                          <a:srgbClr val="000000"/>
+                        </a:solidFill>
+                        <a:effectLst/>
+                        <a:latin typeface="Calibri" panose="020F0502020204030204" pitchFamily="34" charset="0"/>
+                      </a:endParaRPr>
+                    </a:p>
+                  </a:txBody>
+                  <a:tcPr marL="9525" marR="9525" marT="9525" marB="0" anchor="b"/>
+                </a:tc>
+                <a:tc>
+                  <a:txBody>
+                    <a:bodyPr/>
+                    <a:lstStyle/>
+                    <a:p>
+                      <a:pPr algn="r" fontAlgn="b"/>
+                      <a:r>
+                        <a:rPr lang="en-US" sz="1100" u="none" strike="noStrike">
+                          <a:effectLst/>
+                        </a:rPr>
+                        <a:t>2</a:t>
+                      </a:r>
+                      <a:endParaRPr lang="en-US" sz="1100" b="1" i="0" u="none" strike="noStrike">
+                        <a:solidFill>
+                          <a:srgbClr val="000000"/>
+                        </a:solidFill>
+                        <a:effectLst/>
+                        <a:latin typeface="Calibri" panose="020F0502020204030204" pitchFamily="34" charset="0"/>
+                      </a:endParaRPr>
+                    </a:p>
+                  </a:txBody>
+                  <a:tcPr marL="9525" marR="9525" marT="9525" marB="0" anchor="b"/>
+                </a:tc>
+                <a:tc>
+                  <a:txBody>
+                    <a:bodyPr/>
+                    <a:lstStyle/>
+                    <a:p>
+                      <a:pPr algn="l" fontAlgn="b"/>
+                      <a:endParaRPr lang="en-US" sz="1100" b="0" i="0" u="none" strike="noStrike">
+                        <a:solidFill>
+                          <a:srgbClr val="000000"/>
+                        </a:solidFill>
+                        <a:effectLst/>
+                        <a:latin typeface="Calibri" panose="020F0502020204030204" pitchFamily="34" charset="0"/>
+                      </a:endParaRPr>
+                    </a:p>
+                  </a:txBody>
+                  <a:tcPr marL="9525" marR="9525" marT="9525" marB="0" anchor="b"/>
+                </a:tc>
+                <a:tc>
+                  <a:txBody>
+                    <a:bodyPr/>
+                    <a:lstStyle/>
+                    <a:p>
+                      <a:pPr algn="l" fontAlgn="b"/>
+                      <a:endParaRPr lang="en-US" sz="1100" b="0" i="0" u="none" strike="noStrike">
+                        <a:solidFill>
+                          <a:srgbClr val="000000"/>
+                        </a:solidFill>
+                        <a:effectLst/>
+                        <a:latin typeface="Calibri" panose="020F0502020204030204" pitchFamily="34" charset="0"/>
+                      </a:endParaRPr>
+                    </a:p>
+                  </a:txBody>
+                  <a:tcPr marL="9525" marR="9525" marT="9525" marB="0" anchor="b"/>
+                </a:tc>
+                <a:extLst>
+                  <a:ext uri="{0D108BD9-81ED-4DB2-BD59-A6C34878D82A}">
+                    <a16:rowId xmlns:a16="http://schemas.microsoft.com/office/drawing/2014/main" val="3252076823"/>
+                  </a:ext>
+                </a:extLst>
+              </a:tr>
+              <a:tr h="233225">
+                <a:tc>
+                  <a:txBody>
+                    <a:bodyPr/>
+                    <a:lstStyle/>
+                    <a:p>
+                      <a:pPr algn="l" fontAlgn="b"/>
+                      <a:r>
+                        <a:rPr lang="en-US" sz="1100" b="1" u="none" strike="noStrike" dirty="0" err="1">
+                          <a:effectLst/>
+                        </a:rPr>
+                        <a:t>devset</a:t>
+                      </a:r>
+                      <a:endParaRPr lang="en-US" sz="1100" b="1" i="0" u="none" strike="noStrike" dirty="0">
+                        <a:solidFill>
+                          <a:srgbClr val="000000"/>
+                        </a:solidFill>
+                        <a:effectLst/>
+                        <a:latin typeface="Calibri" panose="020F0502020204030204" pitchFamily="34" charset="0"/>
+                      </a:endParaRPr>
+                    </a:p>
+                  </a:txBody>
+                  <a:tcPr marL="9525" marR="9525" marT="9525" marB="0" anchor="b"/>
+                </a:tc>
+                <a:tc>
+                  <a:txBody>
+                    <a:bodyPr/>
+                    <a:lstStyle/>
+                    <a:p>
+                      <a:pPr algn="l" fontAlgn="b"/>
+                      <a:r>
+                        <a:rPr lang="en-US" sz="1100" u="none" strike="noStrike">
+                          <a:effectLst/>
+                        </a:rPr>
+                        <a:t>nucl</a:t>
+                      </a:r>
+                      <a:endParaRPr lang="en-US" sz="1100" b="1" i="0" u="none" strike="noStrike">
+                        <a:solidFill>
+                          <a:srgbClr val="000000"/>
+                        </a:solidFill>
+                        <a:effectLst/>
+                        <a:latin typeface="Calibri" panose="020F0502020204030204" pitchFamily="34" charset="0"/>
+                      </a:endParaRPr>
+                    </a:p>
+                  </a:txBody>
+                  <a:tcPr marL="9525" marR="9525" marT="9525" marB="0" anchor="b"/>
+                </a:tc>
+                <a:tc>
+                  <a:txBody>
+                    <a:bodyPr/>
+                    <a:lstStyle/>
+                    <a:p>
+                      <a:pPr algn="l" fontAlgn="b"/>
+                      <a:endParaRPr lang="en-US" sz="1100" b="0" i="0" u="none" strike="noStrike">
+                        <a:solidFill>
+                          <a:srgbClr val="000000"/>
+                        </a:solidFill>
+                        <a:effectLst/>
+                        <a:latin typeface="Calibri" panose="020F0502020204030204" pitchFamily="34" charset="0"/>
+                      </a:endParaRPr>
+                    </a:p>
+                  </a:txBody>
+                  <a:tcPr marL="9525" marR="9525" marT="9525" marB="0" anchor="b"/>
+                </a:tc>
+                <a:tc>
+                  <a:txBody>
+                    <a:bodyPr/>
+                    <a:lstStyle/>
+                    <a:p>
+                      <a:pPr algn="l" fontAlgn="b"/>
+                      <a:endParaRPr lang="en-US" sz="1100" b="0" i="0" u="none" strike="noStrike" dirty="0">
+                        <a:solidFill>
+                          <a:srgbClr val="000000"/>
+                        </a:solidFill>
+                        <a:effectLst/>
+                        <a:latin typeface="Calibri" panose="020F0502020204030204" pitchFamily="34" charset="0"/>
+                      </a:endParaRPr>
+                    </a:p>
+                  </a:txBody>
+                  <a:tcPr marL="9525" marR="9525" marT="9525" marB="0" anchor="b"/>
+                </a:tc>
+                <a:extLst>
+                  <a:ext uri="{0D108BD9-81ED-4DB2-BD59-A6C34878D82A}">
+                    <a16:rowId xmlns:a16="http://schemas.microsoft.com/office/drawing/2014/main" val="3867511413"/>
+                  </a:ext>
+                </a:extLst>
+              </a:tr>
+            </a:tbl>
+          </a:graphicData>
+        </a:graphic>
+      </p:graphicFrame>
+    </p:spTree>
+    <p:extLst>
+      <p:ext uri="{BB962C8B-B14F-4D97-AF65-F5344CB8AC3E}">
+        <p14:creationId xmlns:p14="http://schemas.microsoft.com/office/powerpoint/2010/main" val="3724559551"/>
+      </p:ext>
+    </p:extLst>
+  </p:cSld>
+  <p:clrMapOvr>
+    <a:masterClrMapping/>
+  </p:clrMapOvr>
+</p:sld>
+</file>
+
+<file path=ppt/slides/slide8.xml><?xml version="1.0" encoding="utf-8"?>
 <p:sld xmlns:a="http://schemas.openxmlformats.org/drawingml/2006/main" xmlns:r="http://schemas.openxmlformats.org/officeDocument/2006/relationships" xmlns:p="http://schemas.openxmlformats.org/presentationml/2006/main">
   <p:cSld>
     <p:spTree>
@@ -4772,7 +14230,7 @@
 </p:sld>
 </file>
 
-<file path=ppt/slides/slide3.xml><?xml version="1.0" encoding="utf-8"?>
+<file path=ppt/slides/slide9.xml><?xml version="1.0" encoding="utf-8"?>
 <p:sld xmlns:a="http://schemas.openxmlformats.org/drawingml/2006/main" xmlns:r="http://schemas.openxmlformats.org/officeDocument/2006/relationships" xmlns:p="http://schemas.openxmlformats.org/presentationml/2006/main">
   <p:cSld>
     <p:spTree>
@@ -4957,211 +14415,6 @@
     <p:extLst>
       <p:ext uri="{BB962C8B-B14F-4D97-AF65-F5344CB8AC3E}">
         <p14:creationId xmlns:p14="http://schemas.microsoft.com/office/powerpoint/2010/main" val="1849935524"/>
-      </p:ext>
-    </p:extLst>
-  </p:cSld>
-  <p:clrMapOvr>
-    <a:masterClrMapping/>
-  </p:clrMapOvr>
-</p:sld>
-</file>
-
-<file path=ppt/slides/slide4.xml><?xml version="1.0" encoding="utf-8"?>
-<p:sld xmlns:a="http://schemas.openxmlformats.org/drawingml/2006/main" xmlns:r="http://schemas.openxmlformats.org/officeDocument/2006/relationships" xmlns:p="http://schemas.openxmlformats.org/presentationml/2006/main">
-  <p:cSld>
-    <p:spTree>
-      <p:nvGrpSpPr>
-        <p:cNvPr id="1" name=""/>
-        <p:cNvGrpSpPr/>
-        <p:nvPr/>
-      </p:nvGrpSpPr>
-      <p:grpSpPr>
-        <a:xfrm>
-          <a:off x="0" y="0"/>
-          <a:ext cx="0" cy="0"/>
-          <a:chOff x="0" y="0"/>
-          <a:chExt cx="0" cy="0"/>
-        </a:xfrm>
-      </p:grpSpPr>
-      <p:sp>
-        <p:nvSpPr>
-          <p:cNvPr id="2" name="Title 1">
-            <a:extLst>
-              <a:ext uri="{FF2B5EF4-FFF2-40B4-BE49-F238E27FC236}">
-                <a16:creationId xmlns:a16="http://schemas.microsoft.com/office/drawing/2014/main" id="{1E310C81-7B08-4AE0-BEC1-DE97056A369C}"/>
-              </a:ext>
-            </a:extLst>
-          </p:cNvPr>
-          <p:cNvSpPr>
-            <a:spLocks noGrp="1"/>
-          </p:cNvSpPr>
-          <p:nvPr>
-            <p:ph type="title"/>
-          </p:nvPr>
-        </p:nvSpPr>
-        <p:spPr/>
-        <p:txBody>
-          <a:bodyPr/>
-          <a:lstStyle/>
-          <a:p>
-            <a:r>
-              <a:rPr lang="en-US" dirty="0" err="1"/>
-              <a:t>Metriks</a:t>
-            </a:r>
-            <a:endParaRPr lang="en-ID" dirty="0"/>
-          </a:p>
-        </p:txBody>
-      </p:sp>
-      <p:sp>
-        <p:nvSpPr>
-          <p:cNvPr id="3" name="Content Placeholder 2">
-            <a:extLst>
-              <a:ext uri="{FF2B5EF4-FFF2-40B4-BE49-F238E27FC236}">
-                <a16:creationId xmlns:a16="http://schemas.microsoft.com/office/drawing/2014/main" id="{8DE9C218-C46A-4768-9A4A-0070D0721F4E}"/>
-              </a:ext>
-            </a:extLst>
-          </p:cNvPr>
-          <p:cNvSpPr>
-            <a:spLocks noGrp="1"/>
-          </p:cNvSpPr>
-          <p:nvPr>
-            <p:ph idx="1"/>
-          </p:nvPr>
-        </p:nvSpPr>
-        <p:spPr/>
-        <p:txBody>
-          <a:bodyPr/>
-          <a:lstStyle/>
-          <a:p>
-            <a:r>
-              <a:rPr lang="en-US" dirty="0"/>
-              <a:t>acc = correct prediction / total Prediction</a:t>
-            </a:r>
-          </a:p>
-          <a:p>
-            <a:r>
-              <a:rPr lang="en-ID" dirty="0" err="1"/>
-              <a:t>auc</a:t>
-            </a:r>
-            <a:r>
-              <a:rPr lang="en-ID" dirty="0"/>
-              <a:t> = </a:t>
-            </a:r>
-            <a:r>
-              <a:rPr lang="en-ID" dirty="0" err="1"/>
-              <a:t>kemampuan</a:t>
-            </a:r>
-            <a:r>
-              <a:rPr lang="en-ID" dirty="0"/>
-              <a:t> model </a:t>
-            </a:r>
-            <a:r>
-              <a:rPr lang="en-ID" dirty="0" err="1"/>
-              <a:t>membedakan</a:t>
-            </a:r>
-            <a:r>
-              <a:rPr lang="en-ID" dirty="0"/>
-              <a:t> </a:t>
-            </a:r>
-            <a:r>
-              <a:rPr lang="en-ID" dirty="0" err="1"/>
-              <a:t>positif</a:t>
-            </a:r>
-            <a:r>
-              <a:rPr lang="en-ID" dirty="0"/>
-              <a:t> dan negative, </a:t>
-            </a:r>
-            <a:r>
-              <a:rPr lang="en-ID" dirty="0" err="1"/>
-              <a:t>semakin</a:t>
-            </a:r>
-            <a:r>
-              <a:rPr lang="en-ID" dirty="0"/>
-              <a:t> </a:t>
-            </a:r>
-            <a:r>
-              <a:rPr lang="en-ID" dirty="0" err="1"/>
-              <a:t>besar</a:t>
-            </a:r>
-            <a:r>
-              <a:rPr lang="en-ID" dirty="0"/>
-              <a:t> </a:t>
-            </a:r>
-            <a:r>
-              <a:rPr lang="en-ID" dirty="0" err="1"/>
-              <a:t>semakin</a:t>
-            </a:r>
-            <a:r>
-              <a:rPr lang="en-ID" dirty="0"/>
-              <a:t> </a:t>
-            </a:r>
-            <a:r>
-              <a:rPr lang="en-ID" dirty="0" err="1"/>
-              <a:t>bagus</a:t>
-            </a:r>
-            <a:endParaRPr lang="en-ID" dirty="0"/>
-          </a:p>
-          <a:p>
-            <a:r>
-              <a:rPr lang="en-ID" dirty="0"/>
-              <a:t>f1 = </a:t>
-            </a:r>
-            <a:r>
-              <a:rPr lang="en-ID" dirty="0" err="1"/>
-              <a:t>akurasi</a:t>
-            </a:r>
-            <a:r>
-              <a:rPr lang="en-ID" dirty="0"/>
-              <a:t> model </a:t>
-            </a:r>
-            <a:r>
-              <a:rPr lang="en-ID" dirty="0" err="1"/>
-              <a:t>dalam</a:t>
-            </a:r>
-            <a:r>
-              <a:rPr lang="en-ID" dirty="0"/>
-              <a:t> dataset</a:t>
-            </a:r>
-          </a:p>
-          <a:p>
-            <a:r>
-              <a:rPr lang="en-ID" dirty="0"/>
-              <a:t>precision  = predicted positive / real positive or predicted negative / real negative</a:t>
-            </a:r>
-          </a:p>
-          <a:p>
-            <a:r>
-              <a:rPr lang="en-ID" dirty="0"/>
-              <a:t>recall = </a:t>
-            </a:r>
-            <a:r>
-              <a:rPr lang="en-ID" dirty="0" err="1"/>
-              <a:t>berapa</a:t>
-            </a:r>
-            <a:r>
-              <a:rPr lang="en-ID" dirty="0"/>
-              <a:t> </a:t>
-            </a:r>
-            <a:r>
-              <a:rPr lang="en-ID" dirty="0" err="1"/>
-              <a:t>jumlah</a:t>
-            </a:r>
-            <a:r>
-              <a:rPr lang="en-ID" dirty="0"/>
-              <a:t> true positive yang </a:t>
-            </a:r>
-            <a:r>
-              <a:rPr lang="en-ID" dirty="0" err="1"/>
-              <a:t>ditemukan</a:t>
-            </a:r>
-            <a:endParaRPr lang="en-ID" dirty="0"/>
-          </a:p>
-        </p:txBody>
-      </p:sp>
-    </p:spTree>
-    <p:extLst>
-      <p:ext uri="{BB962C8B-B14F-4D97-AF65-F5344CB8AC3E}">
-        <p14:creationId xmlns:p14="http://schemas.microsoft.com/office/powerpoint/2010/main" val="2838191559"/>
       </p:ext>
     </p:extLst>
   </p:cSld>
